--- a/Bericht/Presentation.pptx
+++ b/Bericht/Presentation.pptx
@@ -8,10 +8,11 @@
     <p:sldId id="256" r:id="rId2"/>
     <p:sldId id="259" r:id="rId3"/>
     <p:sldId id="257" r:id="rId4"/>
-    <p:sldId id="261" r:id="rId5"/>
-    <p:sldId id="260" r:id="rId6"/>
-    <p:sldId id="262" r:id="rId7"/>
-    <p:sldId id="258" r:id="rId8"/>
+    <p:sldId id="263" r:id="rId5"/>
+    <p:sldId id="261" r:id="rId6"/>
+    <p:sldId id="260" r:id="rId7"/>
+    <p:sldId id="262" r:id="rId8"/>
+    <p:sldId id="258" r:id="rId9"/>
   </p:sldIdLst>
   <p:sldSz cx="12192000" cy="6858000"/>
   <p:notesSz cx="6858000" cy="9144000"/>
@@ -362,7 +363,7 @@
           <a:p>
             <a:fld id="{89598A59-EBF3-46AE-A9FA-23B0DB73E5A7}" type="datetimeFigureOut">
               <a:rPr lang="en-GB" smtClean="0"/>
-              <a:t>25/01/2019</a:t>
+              <a:t>27/01/2019</a:t>
             </a:fld>
             <a:endParaRPr lang="en-GB"/>
           </a:p>
@@ -562,7 +563,7 @@
           <a:p>
             <a:fld id="{89598A59-EBF3-46AE-A9FA-23B0DB73E5A7}" type="datetimeFigureOut">
               <a:rPr lang="en-GB" smtClean="0"/>
-              <a:t>25/01/2019</a:t>
+              <a:t>27/01/2019</a:t>
             </a:fld>
             <a:endParaRPr lang="en-GB"/>
           </a:p>
@@ -772,7 +773,7 @@
           <a:p>
             <a:fld id="{89598A59-EBF3-46AE-A9FA-23B0DB73E5A7}" type="datetimeFigureOut">
               <a:rPr lang="en-GB" smtClean="0"/>
-              <a:t>25/01/2019</a:t>
+              <a:t>27/01/2019</a:t>
             </a:fld>
             <a:endParaRPr lang="en-GB"/>
           </a:p>
@@ -972,7 +973,7 @@
           <a:p>
             <a:fld id="{89598A59-EBF3-46AE-A9FA-23B0DB73E5A7}" type="datetimeFigureOut">
               <a:rPr lang="en-GB" smtClean="0"/>
-              <a:t>25/01/2019</a:t>
+              <a:t>27/01/2019</a:t>
             </a:fld>
             <a:endParaRPr lang="en-GB"/>
           </a:p>
@@ -1248,7 +1249,7 @@
           <a:p>
             <a:fld id="{89598A59-EBF3-46AE-A9FA-23B0DB73E5A7}" type="datetimeFigureOut">
               <a:rPr lang="en-GB" smtClean="0"/>
-              <a:t>25/01/2019</a:t>
+              <a:t>27/01/2019</a:t>
             </a:fld>
             <a:endParaRPr lang="en-GB"/>
           </a:p>
@@ -1516,7 +1517,7 @@
           <a:p>
             <a:fld id="{89598A59-EBF3-46AE-A9FA-23B0DB73E5A7}" type="datetimeFigureOut">
               <a:rPr lang="en-GB" smtClean="0"/>
-              <a:t>25/01/2019</a:t>
+              <a:t>27/01/2019</a:t>
             </a:fld>
             <a:endParaRPr lang="en-GB"/>
           </a:p>
@@ -1931,7 +1932,7 @@
           <a:p>
             <a:fld id="{89598A59-EBF3-46AE-A9FA-23B0DB73E5A7}" type="datetimeFigureOut">
               <a:rPr lang="en-GB" smtClean="0"/>
-              <a:t>25/01/2019</a:t>
+              <a:t>27/01/2019</a:t>
             </a:fld>
             <a:endParaRPr lang="en-GB"/>
           </a:p>
@@ -2073,7 +2074,7 @@
           <a:p>
             <a:fld id="{89598A59-EBF3-46AE-A9FA-23B0DB73E5A7}" type="datetimeFigureOut">
               <a:rPr lang="en-GB" smtClean="0"/>
-              <a:t>25/01/2019</a:t>
+              <a:t>27/01/2019</a:t>
             </a:fld>
             <a:endParaRPr lang="en-GB"/>
           </a:p>
@@ -2186,7 +2187,7 @@
           <a:p>
             <a:fld id="{89598A59-EBF3-46AE-A9FA-23B0DB73E5A7}" type="datetimeFigureOut">
               <a:rPr lang="en-GB" smtClean="0"/>
-              <a:t>25/01/2019</a:t>
+              <a:t>27/01/2019</a:t>
             </a:fld>
             <a:endParaRPr lang="en-GB"/>
           </a:p>
@@ -2499,7 +2500,7 @@
           <a:p>
             <a:fld id="{89598A59-EBF3-46AE-A9FA-23B0DB73E5A7}" type="datetimeFigureOut">
               <a:rPr lang="en-GB" smtClean="0"/>
-              <a:t>25/01/2019</a:t>
+              <a:t>27/01/2019</a:t>
             </a:fld>
             <a:endParaRPr lang="en-GB"/>
           </a:p>
@@ -2788,7 +2789,7 @@
           <a:p>
             <a:fld id="{89598A59-EBF3-46AE-A9FA-23B0DB73E5A7}" type="datetimeFigureOut">
               <a:rPr lang="en-GB" smtClean="0"/>
-              <a:t>25/01/2019</a:t>
+              <a:t>27/01/2019</a:t>
             </a:fld>
             <a:endParaRPr lang="en-GB"/>
           </a:p>
@@ -3031,7 +3032,7 @@
           <a:p>
             <a:fld id="{89598A59-EBF3-46AE-A9FA-23B0DB73E5A7}" type="datetimeFigureOut">
               <a:rPr lang="en-GB" smtClean="0"/>
-              <a:t>25/01/2019</a:t>
+              <a:t>27/01/2019</a:t>
             </a:fld>
             <a:endParaRPr lang="en-GB"/>
           </a:p>
@@ -3458,7 +3459,7 @@
       </p:grpSpPr>
       <p:sp>
         <p:nvSpPr>
-          <p:cNvPr id="8" name="Rectangle 7">
+          <p:cNvPr id="24" name="Rectangle 23">
             <a:extLst>
               <a:ext uri="{FF2B5EF4-FFF2-40B4-BE49-F238E27FC236}">
                 <a16:creationId xmlns:a16="http://schemas.microsoft.com/office/drawing/2014/main" id="{23962611-DFD5-4092-AAFD-559E3DFCE2C9}"/>
@@ -3483,268 +3484,6 @@
           <a:xfrm>
             <a:off x="475488" y="0"/>
             <a:ext cx="10910292" cy="6858000"/>
-          </a:xfrm>
-          <a:prstGeom prst="rect">
-            <a:avLst/>
-          </a:prstGeom>
-          <a:gradFill>
-            <a:gsLst>
-              <a:gs pos="0">
-                <a:schemeClr val="accent1">
-                  <a:lumMod val="90000"/>
-                </a:schemeClr>
-              </a:gs>
-              <a:gs pos="25000">
-                <a:schemeClr val="accent1">
-                  <a:lumMod val="90000"/>
-                </a:schemeClr>
-              </a:gs>
-              <a:gs pos="94000">
-                <a:schemeClr val="bg2">
-                  <a:lumMod val="25000"/>
-                </a:schemeClr>
-              </a:gs>
-              <a:gs pos="100000">
-                <a:schemeClr val="bg2">
-                  <a:lumMod val="25000"/>
-                </a:schemeClr>
-              </a:gs>
-            </a:gsLst>
-            <a:lin ang="4200000" scaled="0"/>
-          </a:gradFill>
-          <a:ln>
-            <a:noFill/>
-          </a:ln>
-        </p:spPr>
-        <p:style>
-          <a:lnRef idx="2">
-            <a:schemeClr val="accent1">
-              <a:shade val="50000"/>
-            </a:schemeClr>
-          </a:lnRef>
-          <a:fillRef idx="1">
-            <a:schemeClr val="accent1"/>
-          </a:fillRef>
-          <a:effectRef idx="0">
-            <a:schemeClr val="accent1"/>
-          </a:effectRef>
-          <a:fontRef idx="minor">
-            <a:schemeClr val="lt1"/>
-          </a:fontRef>
-        </p:style>
-        <p:txBody>
-          <a:bodyPr rtlCol="0" anchor="ctr"/>
-          <a:lstStyle/>
-          <a:p>
-            <a:pPr algn="ctr"/>
-            <a:endParaRPr lang="en-US"/>
-          </a:p>
-        </p:txBody>
-      </p:sp>
-      <p:pic>
-        <p:nvPicPr>
-          <p:cNvPr id="19" name="Picture 9">
-            <a:extLst>
-              <a:ext uri="{FF2B5EF4-FFF2-40B4-BE49-F238E27FC236}">
-                <a16:creationId xmlns:a16="http://schemas.microsoft.com/office/drawing/2014/main" id="{2270F1FA-0425-408F-9861-80BF5AFB276D}"/>
-              </a:ext>
-              <a:ext uri="{C183D7F6-B498-43B3-948B-1728B52AA6E4}">
-                <adec:decorative xmlns:adec="http://schemas.microsoft.com/office/drawing/2017/decorative" val="1"/>
-              </a:ext>
-            </a:extLst>
-          </p:cNvPr>
-          <p:cNvPicPr>
-            <a:picLocks noGrp="1" noRot="1" noChangeAspect="1" noMove="1" noResize="1" noEditPoints="1" noAdjustHandles="1" noChangeArrowheads="1" noChangeShapeType="1" noCrop="1"/>
-          </p:cNvPicPr>
-          <p:nvPr>
-            <p:extLst>
-              <p:ext uri="{386F3935-93C4-4BCD-93E2-E3B085C9AB24}">
-                <p16:designElem xmlns:p16="http://schemas.microsoft.com/office/powerpoint/2015/main" val="1"/>
-              </p:ext>
-            </p:extLst>
-          </p:nvPr>
-        </p:nvPicPr>
-        <p:blipFill>
-          <a:blip r:embed="rId2">
-            <a:extLst>
-              <a:ext uri="{28A0092B-C50C-407E-A947-70E740481C1C}">
-                <a14:useLocalDpi xmlns:a14="http://schemas.microsoft.com/office/drawing/2010/main" val="0"/>
-              </a:ext>
-            </a:extLst>
-          </a:blip>
-          <a:stretch>
-            <a:fillRect/>
-          </a:stretch>
-        </p:blipFill>
-        <p:spPr>
-          <a:xfrm>
-            <a:off x="0" y="0"/>
-            <a:ext cx="12192000" cy="6858000"/>
-          </a:xfrm>
-          <a:prstGeom prst="rect">
-            <a:avLst/>
-          </a:prstGeom>
-        </p:spPr>
-      </p:pic>
-      <p:sp>
-        <p:nvSpPr>
-          <p:cNvPr id="2" name="Titel 1">
-            <a:extLst>
-              <a:ext uri="{FF2B5EF4-FFF2-40B4-BE49-F238E27FC236}">
-                <a16:creationId xmlns:a16="http://schemas.microsoft.com/office/drawing/2014/main" id="{43792654-E2A4-4215-BF89-6A10B27420D4}"/>
-              </a:ext>
-            </a:extLst>
-          </p:cNvPr>
-          <p:cNvSpPr>
-            <a:spLocks noGrp="1"/>
-          </p:cNvSpPr>
-          <p:nvPr>
-            <p:ph type="ctrTitle"/>
-          </p:nvPr>
-        </p:nvSpPr>
-        <p:spPr>
-          <a:xfrm>
-            <a:off x="3045368" y="2043663"/>
-            <a:ext cx="6105194" cy="2031055"/>
-          </a:xfrm>
-        </p:spPr>
-        <p:txBody>
-          <a:bodyPr>
-            <a:normAutofit/>
-          </a:bodyPr>
-          <a:lstStyle/>
-          <a:p>
-            <a:r>
-              <a:rPr lang="en-GB" err="1">
-                <a:solidFill>
-                  <a:srgbClr val="FFFFFF"/>
-                </a:solidFill>
-              </a:rPr>
-              <a:t>LEDtrix</a:t>
-            </a:r>
-            <a:r>
-              <a:rPr lang="en-GB">
-                <a:solidFill>
-                  <a:srgbClr val="FFFFFF"/>
-                </a:solidFill>
-              </a:rPr>
-              <a:t> </a:t>
-            </a:r>
-          </a:p>
-        </p:txBody>
-      </p:sp>
-      <p:sp>
-        <p:nvSpPr>
-          <p:cNvPr id="3" name="Untertitel 2">
-            <a:extLst>
-              <a:ext uri="{FF2B5EF4-FFF2-40B4-BE49-F238E27FC236}">
-                <a16:creationId xmlns:a16="http://schemas.microsoft.com/office/drawing/2014/main" id="{501893E9-0561-4A96-9DAF-014628E62172}"/>
-              </a:ext>
-            </a:extLst>
-          </p:cNvPr>
-          <p:cNvSpPr>
-            <a:spLocks noGrp="1"/>
-          </p:cNvSpPr>
-          <p:nvPr>
-            <p:ph type="subTitle" idx="1"/>
-          </p:nvPr>
-        </p:nvSpPr>
-        <p:spPr>
-          <a:xfrm>
-            <a:off x="3045368" y="4074718"/>
-            <a:ext cx="6105194" cy="682079"/>
-          </a:xfrm>
-        </p:spPr>
-        <p:txBody>
-          <a:bodyPr>
-            <a:normAutofit/>
-          </a:bodyPr>
-          <a:lstStyle/>
-          <a:p>
-            <a:r>
-              <a:rPr lang="en-GB">
-                <a:solidFill>
-                  <a:srgbClr val="FFFFFF"/>
-                </a:solidFill>
-              </a:rPr>
-              <a:t>Maurizio Pasquinelli, Salome Müller</a:t>
-            </a:r>
-          </a:p>
-        </p:txBody>
-      </p:sp>
-    </p:spTree>
-    <p:extLst>
-      <p:ext uri="{BB962C8B-B14F-4D97-AF65-F5344CB8AC3E}">
-        <p14:creationId xmlns:p14="http://schemas.microsoft.com/office/powerpoint/2010/main" val="170765115"/>
-      </p:ext>
-    </p:extLst>
-  </p:cSld>
-  <p:clrMapOvr>
-    <a:masterClrMapping/>
-  </p:clrMapOvr>
-  <mc:AlternateContent xmlns:mc="http://schemas.openxmlformats.org/markup-compatibility/2006" xmlns:p14="http://schemas.microsoft.com/office/powerpoint/2010/main">
-    <mc:Choice Requires="p14">
-      <p:transition spd="slow" p14:dur="2000" advTm="12773"/>
-    </mc:Choice>
-    <mc:Fallback xmlns="">
-      <p:transition spd="slow" advTm="12773"/>
-    </mc:Fallback>
-  </mc:AlternateContent>
-</p:sld>
-</file>
-
-<file path=ppt/slides/slide2.xml><?xml version="1.0" encoding="utf-8"?>
-<p:sld xmlns:a="http://schemas.openxmlformats.org/drawingml/2006/main" xmlns:r="http://schemas.openxmlformats.org/officeDocument/2006/relationships" xmlns:p="http://schemas.openxmlformats.org/presentationml/2006/main">
-  <p:cSld>
-    <p:bg>
-      <p:bgPr>
-        <a:solidFill>
-          <a:schemeClr val="bg1"/>
-        </a:solidFill>
-        <a:effectLst/>
-      </p:bgPr>
-    </p:bg>
-    <p:spTree>
-      <p:nvGrpSpPr>
-        <p:cNvPr id="1" name=""/>
-        <p:cNvGrpSpPr/>
-        <p:nvPr/>
-      </p:nvGrpSpPr>
-      <p:grpSpPr>
-        <a:xfrm>
-          <a:off x="0" y="0"/>
-          <a:ext cx="0" cy="0"/>
-          <a:chOff x="0" y="0"/>
-          <a:chExt cx="0" cy="0"/>
-        </a:xfrm>
-      </p:grpSpPr>
-      <p:sp>
-        <p:nvSpPr>
-          <p:cNvPr id="27" name="Rectangle 14">
-            <a:extLst>
-              <a:ext uri="{FF2B5EF4-FFF2-40B4-BE49-F238E27FC236}">
-                <a16:creationId xmlns:a16="http://schemas.microsoft.com/office/drawing/2014/main" id="{B4F5FA0D-0104-4987-8241-EFF7C85B88DE}"/>
-              </a:ext>
-              <a:ext uri="{C183D7F6-B498-43B3-948B-1728B52AA6E4}">
-                <adec:decorative xmlns:adec="http://schemas.microsoft.com/office/drawing/2017/decorative" val="1"/>
-              </a:ext>
-            </a:extLst>
-          </p:cNvPr>
-          <p:cNvSpPr>
-            <a:spLocks noGrp="1" noRot="1" noChangeAspect="1" noMove="1" noResize="1" noEditPoints="1" noAdjustHandles="1" noChangeArrowheads="1" noChangeShapeType="1" noTextEdit="1"/>
-          </p:cNvSpPr>
-          <p:nvPr>
-            <p:extLst>
-              <p:ext uri="{386F3935-93C4-4BCD-93E2-E3B085C9AB24}">
-                <p16:designElem xmlns:p16="http://schemas.microsoft.com/office/powerpoint/2015/main" val="1"/>
-              </p:ext>
-            </p:extLst>
-          </p:nvPr>
-        </p:nvSpPr>
-        <p:spPr>
-          <a:xfrm>
-            <a:off x="1" y="0"/>
-            <a:ext cx="6090572" cy="6858000"/>
           </a:xfrm>
           <a:prstGeom prst="rect">
             <a:avLst/>
@@ -3805,10 +3544,10 @@
       </p:sp>
       <p:pic>
         <p:nvPicPr>
-          <p:cNvPr id="17" name="Picture 16">
-            <a:extLst>
-              <a:ext uri="{FF2B5EF4-FFF2-40B4-BE49-F238E27FC236}">
-                <a16:creationId xmlns:a16="http://schemas.microsoft.com/office/drawing/2014/main" id="{2897127E-6CEF-446C-BE87-93B7C46E49D1}"/>
+          <p:cNvPr id="26" name="Picture 25">
+            <a:extLst>
+              <a:ext uri="{FF2B5EF4-FFF2-40B4-BE49-F238E27FC236}">
+                <a16:creationId xmlns:a16="http://schemas.microsoft.com/office/drawing/2014/main" id="{2270F1FA-0425-408F-9861-80BF5AFB276D}"/>
               </a:ext>
               <a:ext uri="{C183D7F6-B498-43B3-948B-1728B52AA6E4}">
                 <adec:decorative xmlns:adec="http://schemas.microsoft.com/office/drawing/2017/decorative" val="1"/>
@@ -3850,24 +3589,86 @@
       </p:pic>
       <p:sp>
         <p:nvSpPr>
-          <p:cNvPr id="2" name="Titel 1">
-            <a:extLst>
-              <a:ext uri="{FF2B5EF4-FFF2-40B4-BE49-F238E27FC236}">
-                <a16:creationId xmlns:a16="http://schemas.microsoft.com/office/drawing/2014/main" id="{ACA01065-2322-4731-AC5A-D1F52FC338C4}"/>
-              </a:ext>
-            </a:extLst>
-          </p:cNvPr>
-          <p:cNvSpPr>
-            <a:spLocks noGrp="1"/>
-          </p:cNvSpPr>
-          <p:nvPr>
-            <p:ph type="title"/>
+          <p:cNvPr id="3" name="Untertitel 2">
+            <a:extLst>
+              <a:ext uri="{FF2B5EF4-FFF2-40B4-BE49-F238E27FC236}">
+                <a16:creationId xmlns:a16="http://schemas.microsoft.com/office/drawing/2014/main" id="{501893E9-0561-4A96-9DAF-014628E62172}"/>
+              </a:ext>
+            </a:extLst>
+          </p:cNvPr>
+          <p:cNvSpPr>
+            <a:spLocks noGrp="1"/>
+          </p:cNvSpPr>
+          <p:nvPr>
+            <p:ph type="subTitle" idx="1"/>
           </p:nvPr>
         </p:nvSpPr>
         <p:spPr>
           <a:xfrm>
-            <a:off x="640079" y="2053641"/>
-            <a:ext cx="3669161" cy="2760098"/>
+            <a:off x="3045368" y="4074718"/>
+            <a:ext cx="6105194" cy="682079"/>
+          </a:xfrm>
+        </p:spPr>
+        <p:txBody>
+          <a:bodyPr>
+            <a:normAutofit fontScale="85000" lnSpcReduction="20000"/>
+          </a:bodyPr>
+          <a:lstStyle/>
+          <a:p>
+            <a:r>
+              <a:rPr lang="en-GB" dirty="0">
+                <a:solidFill>
+                  <a:srgbClr val="FFFFFF"/>
+                </a:solidFill>
+              </a:rPr>
+              <a:t>Maurizio </a:t>
+            </a:r>
+            <a:r>
+              <a:rPr lang="en-GB" dirty="0" err="1">
+                <a:solidFill>
+                  <a:srgbClr val="FFFFFF"/>
+                </a:solidFill>
+              </a:rPr>
+              <a:t>Pasquinelli</a:t>
+            </a:r>
+            <a:endParaRPr lang="en-GB" dirty="0">
+              <a:solidFill>
+                <a:srgbClr val="FFFFFF"/>
+              </a:solidFill>
+            </a:endParaRPr>
+          </a:p>
+          <a:p>
+            <a:r>
+              <a:rPr lang="en-GB" dirty="0">
+                <a:solidFill>
+                  <a:srgbClr val="FFFFFF"/>
+                </a:solidFill>
+              </a:rPr>
+              <a:t>Salome Müller</a:t>
+            </a:r>
+          </a:p>
+        </p:txBody>
+      </p:sp>
+      <p:sp>
+        <p:nvSpPr>
+          <p:cNvPr id="2" name="Titel 1">
+            <a:extLst>
+              <a:ext uri="{FF2B5EF4-FFF2-40B4-BE49-F238E27FC236}">
+                <a16:creationId xmlns:a16="http://schemas.microsoft.com/office/drawing/2014/main" id="{43792654-E2A4-4215-BF89-6A10B27420D4}"/>
+              </a:ext>
+            </a:extLst>
+          </p:cNvPr>
+          <p:cNvSpPr>
+            <a:spLocks noGrp="1"/>
+          </p:cNvSpPr>
+          <p:nvPr>
+            <p:ph type="ctrTitle"/>
+          </p:nvPr>
+        </p:nvSpPr>
+        <p:spPr>
+          <a:xfrm>
+            <a:off x="3045368" y="2043663"/>
+            <a:ext cx="6105194" cy="2031055"/>
           </a:xfrm>
         </p:spPr>
         <p:txBody>
@@ -3882,31 +3683,347 @@
                   <a:srgbClr val="FFFFFF"/>
                 </a:solidFill>
               </a:rPr>
-              <a:t>What is LEDtrix?</a:t>
-            </a:r>
-          </a:p>
-        </p:txBody>
-      </p:sp>
-      <p:sp>
-        <p:nvSpPr>
-          <p:cNvPr id="3" name="Inhaltsplatzhalter 2">
-            <a:extLst>
-              <a:ext uri="{FF2B5EF4-FFF2-40B4-BE49-F238E27FC236}">
-                <a16:creationId xmlns:a16="http://schemas.microsoft.com/office/drawing/2014/main" id="{FAC27CFD-75A2-4A2C-ACC8-9DCDB00D3FC6}"/>
-              </a:ext>
-            </a:extLst>
-          </p:cNvPr>
-          <p:cNvSpPr>
-            <a:spLocks noGrp="1"/>
-          </p:cNvSpPr>
-          <p:nvPr>
-            <p:ph idx="1"/>
-          </p:nvPr>
-        </p:nvSpPr>
+              <a:t>LEDtrix </a:t>
+            </a:r>
+          </a:p>
+        </p:txBody>
+      </p:sp>
+    </p:spTree>
+    <p:extLst>
+      <p:ext uri="{BB962C8B-B14F-4D97-AF65-F5344CB8AC3E}">
+        <p14:creationId xmlns:p14="http://schemas.microsoft.com/office/powerpoint/2010/main" val="170765115"/>
+      </p:ext>
+    </p:extLst>
+  </p:cSld>
+  <p:clrMapOvr>
+    <a:masterClrMapping/>
+  </p:clrMapOvr>
+  <mc:AlternateContent xmlns:mc="http://schemas.openxmlformats.org/markup-compatibility/2006" xmlns:p14="http://schemas.microsoft.com/office/powerpoint/2010/main">
+    <mc:Choice Requires="p14">
+      <p:transition spd="slow" p14:dur="2000" advTm="12773"/>
+    </mc:Choice>
+    <mc:Fallback xmlns="">
+      <p:transition spd="slow" advTm="12773"/>
+    </mc:Fallback>
+  </mc:AlternateContent>
+</p:sld>
+</file>
+
+<file path=ppt/slides/slide2.xml><?xml version="1.0" encoding="utf-8"?>
+<p:sld xmlns:a="http://schemas.openxmlformats.org/drawingml/2006/main" xmlns:r="http://schemas.openxmlformats.org/officeDocument/2006/relationships" xmlns:p="http://schemas.openxmlformats.org/presentationml/2006/main">
+  <p:cSld>
+    <p:bg>
+      <p:bgPr>
+        <a:solidFill>
+          <a:schemeClr val="bg1"/>
+        </a:solidFill>
+        <a:effectLst/>
+      </p:bgPr>
+    </p:bg>
+    <p:spTree>
+      <p:nvGrpSpPr>
+        <p:cNvPr id="1" name=""/>
+        <p:cNvGrpSpPr/>
+        <p:nvPr/>
+      </p:nvGrpSpPr>
+      <p:grpSpPr>
+        <a:xfrm>
+          <a:off x="0" y="0"/>
+          <a:ext cx="0" cy="0"/>
+          <a:chOff x="0" y="0"/>
+          <a:chExt cx="0" cy="0"/>
+        </a:xfrm>
+      </p:grpSpPr>
+      <p:pic>
+        <p:nvPicPr>
+          <p:cNvPr id="5" name="Grafik 4" descr="Ein Bild, das Boden, drinnen, rot, sitzend enthält.&#10;&#10;Mit sehr hoher Zuverlässigkeit generierte Beschreibung">
+            <a:extLst>
+              <a:ext uri="{FF2B5EF4-FFF2-40B4-BE49-F238E27FC236}">
+                <a16:creationId xmlns:a16="http://schemas.microsoft.com/office/drawing/2014/main" id="{B4221C6D-CC9C-48BC-865C-051CE87191E2}"/>
+              </a:ext>
+            </a:extLst>
+          </p:cNvPr>
+          <p:cNvPicPr>
+            <a:picLocks noChangeAspect="1"/>
+          </p:cNvPicPr>
+          <p:nvPr/>
+        </p:nvPicPr>
+        <p:blipFill rotWithShape="1">
+          <a:blip r:embed="rId2">
+            <a:extLst>
+              <a:ext uri="{28A0092B-C50C-407E-A947-70E740481C1C}">
+                <a14:useLocalDpi xmlns:a14="http://schemas.microsoft.com/office/drawing/2010/main" val="0"/>
+              </a:ext>
+            </a:extLst>
+          </a:blip>
+          <a:srcRect t="16497" b="8503"/>
+          <a:stretch/>
+        </p:blipFill>
         <p:spPr>
           <a:xfrm>
-            <a:off x="6090574" y="801866"/>
-            <a:ext cx="5306084" cy="5230634"/>
+            <a:off x="0" y="10"/>
+            <a:ext cx="12192000" cy="6857990"/>
+          </a:xfrm>
+          <a:prstGeom prst="rect">
+            <a:avLst/>
+          </a:prstGeom>
+        </p:spPr>
+      </p:pic>
+      <p:sp>
+        <p:nvSpPr>
+          <p:cNvPr id="40" name="Freeform 5">
+            <a:extLst>
+              <a:ext uri="{FF2B5EF4-FFF2-40B4-BE49-F238E27FC236}">
+                <a16:creationId xmlns:a16="http://schemas.microsoft.com/office/drawing/2014/main" id="{3CD9DF72-87A3-404E-A828-84CBF11A8303}"/>
+              </a:ext>
+              <a:ext uri="{C183D7F6-B498-43B3-948B-1728B52AA6E4}">
+                <adec:decorative xmlns:adec="http://schemas.microsoft.com/office/drawing/2017/decorative" val="1"/>
+              </a:ext>
+            </a:extLst>
+          </p:cNvPr>
+          <p:cNvSpPr>
+            <a:spLocks noGrp="1" noRot="1" noChangeAspect="1" noMove="1" noResize="1" noEditPoints="1" noAdjustHandles="1" noChangeArrowheads="1" noChangeShapeType="1" noTextEdit="1"/>
+          </p:cNvSpPr>
+          <p:nvPr>
+            <p:extLst>
+              <p:ext uri="{386F3935-93C4-4BCD-93E2-E3B085C9AB24}">
+                <p16:designElem xmlns:p16="http://schemas.microsoft.com/office/powerpoint/2015/main" val="1"/>
+              </p:ext>
+            </p:extLst>
+          </p:nvPr>
+        </p:nvSpPr>
+        <p:spPr bwMode="grayWhite">
+          <a:xfrm flipH="1">
+            <a:off x="0" y="998175"/>
+            <a:ext cx="6017172" cy="5859825"/>
+          </a:xfrm>
+          <a:custGeom>
+            <a:avLst/>
+            <a:gdLst>
+              <a:gd name="T0" fmla="*/ 1333 w 1333"/>
+              <a:gd name="T1" fmla="*/ 1031 h 1298"/>
+              <a:gd name="T2" fmla="*/ 1333 w 1333"/>
+              <a:gd name="T3" fmla="*/ 380 h 1298"/>
+              <a:gd name="T4" fmla="*/ 706 w 1333"/>
+              <a:gd name="T5" fmla="*/ 0 h 1298"/>
+              <a:gd name="T6" fmla="*/ 0 w 1333"/>
+              <a:gd name="T7" fmla="*/ 706 h 1298"/>
+              <a:gd name="T8" fmla="*/ 323 w 1333"/>
+              <a:gd name="T9" fmla="*/ 1298 h 1298"/>
+              <a:gd name="T10" fmla="*/ 1090 w 1333"/>
+              <a:gd name="T11" fmla="*/ 1298 h 1298"/>
+              <a:gd name="T12" fmla="*/ 1333 w 1333"/>
+              <a:gd name="T13" fmla="*/ 1031 h 1298"/>
+            </a:gdLst>
+            <a:ahLst/>
+            <a:cxnLst>
+              <a:cxn ang="0">
+                <a:pos x="T0" y="T1"/>
+              </a:cxn>
+              <a:cxn ang="0">
+                <a:pos x="T2" y="T3"/>
+              </a:cxn>
+              <a:cxn ang="0">
+                <a:pos x="T4" y="T5"/>
+              </a:cxn>
+              <a:cxn ang="0">
+                <a:pos x="T6" y="T7"/>
+              </a:cxn>
+              <a:cxn ang="0">
+                <a:pos x="T8" y="T9"/>
+              </a:cxn>
+              <a:cxn ang="0">
+                <a:pos x="T10" y="T11"/>
+              </a:cxn>
+              <a:cxn ang="0">
+                <a:pos x="T12" y="T13"/>
+              </a:cxn>
+            </a:cxnLst>
+            <a:rect l="0" t="0" r="r" b="b"/>
+            <a:pathLst>
+              <a:path w="1333" h="1298">
+                <a:moveTo>
+                  <a:pt x="1333" y="1031"/>
+                </a:moveTo>
+                <a:cubicBezTo>
+                  <a:pt x="1333" y="380"/>
+                  <a:pt x="1333" y="380"/>
+                  <a:pt x="1333" y="380"/>
+                </a:cubicBezTo>
+                <a:cubicBezTo>
+                  <a:pt x="1215" y="154"/>
+                  <a:pt x="979" y="0"/>
+                  <a:pt x="706" y="0"/>
+                </a:cubicBezTo>
+                <a:cubicBezTo>
+                  <a:pt x="317" y="0"/>
+                  <a:pt x="0" y="316"/>
+                  <a:pt x="0" y="706"/>
+                </a:cubicBezTo>
+                <a:cubicBezTo>
+                  <a:pt x="0" y="954"/>
+                  <a:pt x="129" y="1172"/>
+                  <a:pt x="323" y="1298"/>
+                </a:cubicBezTo>
+                <a:cubicBezTo>
+                  <a:pt x="1090" y="1298"/>
+                  <a:pt x="1090" y="1298"/>
+                  <a:pt x="1090" y="1298"/>
+                </a:cubicBezTo>
+                <a:cubicBezTo>
+                  <a:pt x="1193" y="1232"/>
+                  <a:pt x="1276" y="1140"/>
+                  <a:pt x="1333" y="1031"/>
+                </a:cubicBezTo>
+                <a:close/>
+              </a:path>
+            </a:pathLst>
+          </a:custGeom>
+          <a:solidFill>
+            <a:schemeClr val="bg1">
+              <a:alpha val="75000"/>
+            </a:schemeClr>
+          </a:solidFill>
+          <a:ln w="50800" cap="sq" cmpd="dbl">
+            <a:noFill/>
+            <a:miter lim="800000"/>
+          </a:ln>
+          <a:effectLst/>
+          <a:extLst/>
+        </p:spPr>
+        <p:txBody>
+          <a:bodyPr vert="horz" lIns="91440" tIns="45720" rIns="91440" bIns="45720" rtlCol="0" anchor="t">
+            <a:normAutofit/>
+          </a:bodyPr>
+          <a:lstStyle/>
+          <a:p>
+            <a:pPr algn="ctr">
+              <a:spcAft>
+                <a:spcPts val="1000"/>
+              </a:spcAft>
+              <a:buClr>
+                <a:schemeClr val="tx1"/>
+              </a:buClr>
+              <a:buSzPct val="100000"/>
+              <a:buFont typeface="Arial"/>
+              <a:buNone/>
+            </a:pPr>
+            <a:endParaRPr lang="en-US" sz="1600" cap="all"/>
+          </a:p>
+        </p:txBody>
+      </p:sp>
+      <p:sp>
+        <p:nvSpPr>
+          <p:cNvPr id="2" name="Titel 1">
+            <a:extLst>
+              <a:ext uri="{FF2B5EF4-FFF2-40B4-BE49-F238E27FC236}">
+                <a16:creationId xmlns:a16="http://schemas.microsoft.com/office/drawing/2014/main" id="{ACA01065-2322-4731-AC5A-D1F52FC338C4}"/>
+              </a:ext>
+            </a:extLst>
+          </p:cNvPr>
+          <p:cNvSpPr>
+            <a:spLocks noGrp="1"/>
+          </p:cNvSpPr>
+          <p:nvPr>
+            <p:ph type="title"/>
+          </p:nvPr>
+        </p:nvSpPr>
+        <p:spPr>
+          <a:xfrm>
+            <a:off x="709448" y="1913950"/>
+            <a:ext cx="4204137" cy="1342754"/>
+          </a:xfrm>
+        </p:spPr>
+        <p:txBody>
+          <a:bodyPr>
+            <a:normAutofit/>
+          </a:bodyPr>
+          <a:lstStyle/>
+          <a:p>
+            <a:pPr algn="ctr"/>
+            <a:r>
+              <a:rPr lang="en-GB" sz="3600"/>
+              <a:t>What is LEDtrix?</a:t>
+            </a:r>
+          </a:p>
+        </p:txBody>
+      </p:sp>
+      <p:cxnSp>
+        <p:nvCxnSpPr>
+          <p:cNvPr id="42" name="Straight Connector 41">
+            <a:extLst>
+              <a:ext uri="{FF2B5EF4-FFF2-40B4-BE49-F238E27FC236}">
+                <a16:creationId xmlns:a16="http://schemas.microsoft.com/office/drawing/2014/main" id="{20E3A342-4D61-4E3F-AF90-1AB42AEB96CC}"/>
+              </a:ext>
+              <a:ext uri="{C183D7F6-B498-43B3-948B-1728B52AA6E4}">
+                <adec:decorative xmlns:adec="http://schemas.microsoft.com/office/drawing/2017/decorative" val="1"/>
+              </a:ext>
+            </a:extLst>
+          </p:cNvPr>
+          <p:cNvCxnSpPr>
+            <a:cxnSpLocks noGrp="1" noRot="1" noChangeAspect="1" noMove="1" noResize="1" noEditPoints="1" noAdjustHandles="1" noChangeArrowheads="1" noChangeShapeType="1"/>
+          </p:cNvCxnSpPr>
+          <p:nvPr>
+            <p:extLst>
+              <p:ext uri="{386F3935-93C4-4BCD-93E2-E3B085C9AB24}">
+                <p16:designElem xmlns:p16="http://schemas.microsoft.com/office/powerpoint/2015/main" val="1"/>
+              </p:ext>
+            </p:extLst>
+          </p:nvPr>
+        </p:nvCxnSpPr>
+        <p:spPr>
+          <a:xfrm>
+            <a:off x="2287051" y="3337139"/>
+            <a:ext cx="935420" cy="0"/>
+          </a:xfrm>
+          <a:prstGeom prst="line">
+            <a:avLst/>
+          </a:prstGeom>
+          <a:ln w="25400" cap="sq">
+            <a:solidFill>
+              <a:schemeClr val="tx1">
+                <a:lumMod val="85000"/>
+                <a:lumOff val="15000"/>
+              </a:schemeClr>
+            </a:solidFill>
+            <a:bevel/>
+          </a:ln>
+        </p:spPr>
+        <p:style>
+          <a:lnRef idx="1">
+            <a:schemeClr val="accent1"/>
+          </a:lnRef>
+          <a:fillRef idx="0">
+            <a:schemeClr val="accent1"/>
+          </a:fillRef>
+          <a:effectRef idx="0">
+            <a:schemeClr val="accent1"/>
+          </a:effectRef>
+          <a:fontRef idx="minor">
+            <a:schemeClr val="tx1"/>
+          </a:fontRef>
+        </p:style>
+      </p:cxnSp>
+      <p:sp>
+        <p:nvSpPr>
+          <p:cNvPr id="3" name="Inhaltsplatzhalter 2">
+            <a:extLst>
+              <a:ext uri="{FF2B5EF4-FFF2-40B4-BE49-F238E27FC236}">
+                <a16:creationId xmlns:a16="http://schemas.microsoft.com/office/drawing/2014/main" id="{FAC27CFD-75A2-4A2C-ACC8-9DCDB00D3FC6}"/>
+              </a:ext>
+            </a:extLst>
+          </p:cNvPr>
+          <p:cNvSpPr>
+            <a:spLocks noGrp="1"/>
+          </p:cNvSpPr>
+          <p:nvPr>
+            <p:ph idx="1"/>
+          </p:nvPr>
+        </p:nvSpPr>
+        <p:spPr>
+          <a:xfrm>
+            <a:off x="525516" y="3417573"/>
+            <a:ext cx="4593021" cy="2619839"/>
           </a:xfrm>
         </p:spPr>
         <p:txBody>
@@ -3916,58 +4033,20 @@
           <a:lstStyle/>
           <a:p>
             <a:r>
-              <a:rPr lang="en-GB" sz="2400" dirty="0">
-                <a:solidFill>
-                  <a:srgbClr val="000000"/>
-                </a:solidFill>
-              </a:rPr>
+              <a:rPr lang="en-GB" sz="1800"/>
               <a:t>LED matrix in a box</a:t>
             </a:r>
           </a:p>
           <a:p>
             <a:r>
-              <a:rPr lang="en-GB" sz="2400" dirty="0">
-                <a:solidFill>
-                  <a:srgbClr val="000000"/>
-                </a:solidFill>
-              </a:rPr>
+              <a:rPr lang="en-GB" sz="1800"/>
               <a:t>Controlled by Raspberry Pi</a:t>
             </a:r>
           </a:p>
           <a:p>
             <a:r>
-              <a:rPr lang="en-GB" sz="2400" dirty="0">
-                <a:solidFill>
-                  <a:srgbClr val="000000"/>
-                </a:solidFill>
-              </a:rPr>
-              <a:t>To play Tic Tac Toe, Raindrops and Snake</a:t>
-            </a:r>
-          </a:p>
-          <a:p>
-            <a:r>
-              <a:rPr lang="en-GB" sz="2400" dirty="0">
-                <a:solidFill>
-                  <a:srgbClr val="000000"/>
-                </a:solidFill>
-              </a:rPr>
-              <a:t>PICTURE </a:t>
-            </a:r>
-            <a:r>
-              <a:rPr lang="en-GB" sz="2400" dirty="0" err="1">
-                <a:solidFill>
-                  <a:srgbClr val="000000"/>
-                </a:solidFill>
-              </a:rPr>
-              <a:t>fertigi</a:t>
-            </a:r>
-            <a:r>
-              <a:rPr lang="en-GB" sz="2400" dirty="0">
-                <a:solidFill>
-                  <a:srgbClr val="000000"/>
-                </a:solidFill>
-              </a:rPr>
-              <a:t> box</a:t>
+              <a:rPr lang="en-GB" sz="1800"/>
+              <a:t>Tic Tac Toe, Raindrops and Snake</a:t>
             </a:r>
           </a:p>
         </p:txBody>
@@ -4020,10 +4099,10 @@
       </p:grpSpPr>
       <p:sp>
         <p:nvSpPr>
-          <p:cNvPr id="34" name="Rectangle 33">
-            <a:extLst>
-              <a:ext uri="{FF2B5EF4-FFF2-40B4-BE49-F238E27FC236}">
-                <a16:creationId xmlns:a16="http://schemas.microsoft.com/office/drawing/2014/main" id="{B4F5FA0D-0104-4987-8241-EFF7C85B88DE}"/>
+          <p:cNvPr id="74" name="Rectangle 70">
+            <a:extLst>
+              <a:ext uri="{FF2B5EF4-FFF2-40B4-BE49-F238E27FC236}">
+                <a16:creationId xmlns:a16="http://schemas.microsoft.com/office/drawing/2014/main" id="{99899462-FC16-43B0-966B-FCA263450716}"/>
               </a:ext>
               <a:ext uri="{C183D7F6-B498-43B3-948B-1728B52AA6E4}">
                 <adec:decorative xmlns:adec="http://schemas.microsoft.com/office/drawing/2017/decorative" val="1"/>
@@ -4041,41 +4120,21 @@
             </p:extLst>
           </p:nvPr>
         </p:nvSpPr>
-        <p:spPr>
+        <p:spPr bwMode="ltGray">
           <a:xfrm>
-            <a:off x="1" y="0"/>
-            <a:ext cx="6090572" cy="6858000"/>
+            <a:off x="4654295" y="478232"/>
+            <a:ext cx="7034121" cy="5918673"/>
           </a:xfrm>
           <a:prstGeom prst="rect">
             <a:avLst/>
           </a:prstGeom>
-          <a:gradFill>
-            <a:gsLst>
-              <a:gs pos="0">
-                <a:schemeClr val="accent6">
-                  <a:lumMod val="90000"/>
-                </a:schemeClr>
-              </a:gs>
-              <a:gs pos="25000">
-                <a:schemeClr val="accent6">
-                  <a:lumMod val="90000"/>
-                </a:schemeClr>
-              </a:gs>
-              <a:gs pos="94000">
-                <a:schemeClr val="bg2">
-                  <a:lumMod val="25000"/>
-                </a:schemeClr>
-              </a:gs>
-              <a:gs pos="100000">
-                <a:schemeClr val="bg2">
-                  <a:lumMod val="25000"/>
-                </a:schemeClr>
-              </a:gs>
-            </a:gsLst>
-            <a:lin ang="4200000" scaled="0"/>
-          </a:gradFill>
-          <a:ln>
-            <a:noFill/>
+          <a:solidFill>
+            <a:srgbClr val="404040"/>
+          </a:solidFill>
+          <a:ln w="127000" cap="sq" cmpd="thinThick">
+            <a:solidFill>
+              <a:srgbClr val="404040"/>
+            </a:solidFill>
           </a:ln>
         </p:spPr>
         <p:style>
@@ -4103,28 +4162,58 @@
           </a:p>
         </p:txBody>
       </p:sp>
+      <p:sp>
+        <p:nvSpPr>
+          <p:cNvPr id="2" name="Titel 1">
+            <a:extLst>
+              <a:ext uri="{FF2B5EF4-FFF2-40B4-BE49-F238E27FC236}">
+                <a16:creationId xmlns:a16="http://schemas.microsoft.com/office/drawing/2014/main" id="{9F911658-3497-45FE-B8DE-51AAAA6C7586}"/>
+              </a:ext>
+            </a:extLst>
+          </p:cNvPr>
+          <p:cNvSpPr>
+            <a:spLocks noGrp="1"/>
+          </p:cNvSpPr>
+          <p:nvPr>
+            <p:ph type="title"/>
+          </p:nvPr>
+        </p:nvSpPr>
+        <p:spPr>
+          <a:xfrm>
+            <a:off x="5297762" y="1053711"/>
+            <a:ext cx="5638994" cy="1424446"/>
+          </a:xfrm>
+        </p:spPr>
+        <p:txBody>
+          <a:bodyPr>
+            <a:normAutofit/>
+          </a:bodyPr>
+          <a:lstStyle/>
+          <a:p>
+            <a:r>
+              <a:rPr lang="en-GB">
+                <a:solidFill>
+                  <a:srgbClr val="FFFFFF"/>
+                </a:solidFill>
+              </a:rPr>
+              <a:t>What we used and why</a:t>
+            </a:r>
+          </a:p>
+        </p:txBody>
+      </p:sp>
       <p:pic>
         <p:nvPicPr>
-          <p:cNvPr id="36" name="Picture 35">
-            <a:extLst>
-              <a:ext uri="{FF2B5EF4-FFF2-40B4-BE49-F238E27FC236}">
-                <a16:creationId xmlns:a16="http://schemas.microsoft.com/office/drawing/2014/main" id="{2897127E-6CEF-446C-BE87-93B7C46E49D1}"/>
-              </a:ext>
-              <a:ext uri="{C183D7F6-B498-43B3-948B-1728B52AA6E4}">
-                <adec:decorative xmlns:adec="http://schemas.microsoft.com/office/drawing/2017/decorative" val="1"/>
+          <p:cNvPr id="13" name="Grafik 12">
+            <a:extLst>
+              <a:ext uri="{FF2B5EF4-FFF2-40B4-BE49-F238E27FC236}">
+                <a16:creationId xmlns:a16="http://schemas.microsoft.com/office/drawing/2014/main" id="{1C07BAF9-6605-4423-831E-CE460FF886B8}"/>
               </a:ext>
             </a:extLst>
           </p:cNvPr>
           <p:cNvPicPr>
-            <a:picLocks noGrp="1" noRot="1" noChangeAspect="1" noMove="1" noResize="1" noEditPoints="1" noAdjustHandles="1" noChangeArrowheads="1" noChangeShapeType="1" noCrop="1"/>
+            <a:picLocks noChangeAspect="1"/>
           </p:cNvPicPr>
-          <p:nvPr>
-            <p:extLst>
-              <p:ext uri="{386F3935-93C4-4BCD-93E2-E3B085C9AB24}">
-                <p16:designElem xmlns:p16="http://schemas.microsoft.com/office/powerpoint/2015/main" val="1"/>
-              </p:ext>
-            </p:extLst>
-          </p:nvPr>
+          <p:nvPr/>
         </p:nvPicPr>
         <p:blipFill>
           <a:blip r:embed="rId2">
@@ -4140,153 +4229,170 @@
         </p:blipFill>
         <p:spPr>
           <a:xfrm>
-            <a:off x="0" y="0"/>
-            <a:ext cx="12192000" cy="6858000"/>
+            <a:off x="918300" y="478232"/>
+            <a:ext cx="2789902" cy="2789902"/>
           </a:xfrm>
           <a:prstGeom prst="rect">
             <a:avLst/>
           </a:prstGeom>
         </p:spPr>
       </p:pic>
-      <p:sp>
-        <p:nvSpPr>
-          <p:cNvPr id="2" name="Titel 1">
-            <a:extLst>
-              <a:ext uri="{FF2B5EF4-FFF2-40B4-BE49-F238E27FC236}">
-                <a16:creationId xmlns:a16="http://schemas.microsoft.com/office/drawing/2014/main" id="{9F911658-3497-45FE-B8DE-51AAAA6C7586}"/>
-              </a:ext>
-            </a:extLst>
-          </p:cNvPr>
-          <p:cNvSpPr>
-            <a:spLocks noGrp="1"/>
-          </p:cNvSpPr>
-          <p:nvPr>
-            <p:ph type="title"/>
-          </p:nvPr>
-        </p:nvSpPr>
+      <p:cxnSp>
+        <p:nvCxnSpPr>
+          <p:cNvPr id="73" name="Straight Connector 72">
+            <a:extLst>
+              <a:ext uri="{FF2B5EF4-FFF2-40B4-BE49-F238E27FC236}">
+                <a16:creationId xmlns:a16="http://schemas.microsoft.com/office/drawing/2014/main" id="{AAFEA932-2DF1-410C-A00A-7A1E7DBF7511}"/>
+              </a:ext>
+              <a:ext uri="{C183D7F6-B498-43B3-948B-1728B52AA6E4}">
+                <adec:decorative xmlns:adec="http://schemas.microsoft.com/office/drawing/2017/decorative" val="1"/>
+              </a:ext>
+            </a:extLst>
+          </p:cNvPr>
+          <p:cNvCxnSpPr>
+            <a:cxnSpLocks noGrp="1" noRot="1" noChangeAspect="1" noMove="1" noResize="1" noEditPoints="1" noAdjustHandles="1" noChangeArrowheads="1" noChangeShapeType="1"/>
+          </p:cNvCxnSpPr>
+          <p:nvPr>
+            <p:extLst>
+              <p:ext uri="{386F3935-93C4-4BCD-93E2-E3B085C9AB24}">
+                <p16:designElem xmlns:p16="http://schemas.microsoft.com/office/powerpoint/2015/main" val="1"/>
+              </p:ext>
+            </p:extLst>
+          </p:nvPr>
+        </p:nvCxnSpPr>
         <p:spPr>
           <a:xfrm>
-            <a:off x="640079" y="2053641"/>
-            <a:ext cx="3669161" cy="2760098"/>
+            <a:off x="5430098" y="2639023"/>
+            <a:ext cx="4562441" cy="0"/>
+          </a:xfrm>
+          <a:prstGeom prst="line">
+            <a:avLst/>
+          </a:prstGeom>
+          <a:ln w="22225">
+            <a:solidFill>
+              <a:srgbClr val="E7E6E6"/>
+            </a:solidFill>
+          </a:ln>
+        </p:spPr>
+        <p:style>
+          <a:lnRef idx="1">
+            <a:schemeClr val="accent1"/>
+          </a:lnRef>
+          <a:fillRef idx="0">
+            <a:schemeClr val="accent1"/>
+          </a:fillRef>
+          <a:effectRef idx="0">
+            <a:schemeClr val="accent1"/>
+          </a:effectRef>
+          <a:fontRef idx="minor">
+            <a:schemeClr val="tx1"/>
+          </a:fontRef>
+        </p:style>
+      </p:cxnSp>
+      <p:pic>
+        <p:nvPicPr>
+          <p:cNvPr id="28" name="Grafik 27" descr="Ein Bild, das Wand, drinnen enthält.&#10;&#10;Mit sehr hoher Zuverlässigkeit generierte Beschreibung">
+            <a:extLst>
+              <a:ext uri="{FF2B5EF4-FFF2-40B4-BE49-F238E27FC236}">
+                <a16:creationId xmlns:a16="http://schemas.microsoft.com/office/drawing/2014/main" id="{7ED1A68E-AD7F-4E91-BB75-4EFF75D642E4}"/>
+              </a:ext>
+            </a:extLst>
+          </p:cNvPr>
+          <p:cNvPicPr>
+            <a:picLocks noChangeAspect="1"/>
+          </p:cNvPicPr>
+          <p:nvPr/>
+        </p:nvPicPr>
+        <p:blipFill>
+          <a:blip r:embed="rId3">
+            <a:extLst>
+              <a:ext uri="{28A0092B-C50C-407E-A947-70E740481C1C}">
+                <a14:useLocalDpi xmlns:a14="http://schemas.microsoft.com/office/drawing/2010/main" val="0"/>
+              </a:ext>
+            </a:extLst>
+          </a:blip>
+          <a:stretch>
+            <a:fillRect/>
+          </a:stretch>
+        </p:blipFill>
+        <p:spPr>
+          <a:xfrm>
+            <a:off x="481886" y="3610803"/>
+            <a:ext cx="3662730" cy="2747047"/>
+          </a:xfrm>
+          <a:prstGeom prst="rect">
+            <a:avLst/>
+          </a:prstGeom>
+        </p:spPr>
+      </p:pic>
+      <p:sp>
+        <p:nvSpPr>
+          <p:cNvPr id="10" name="Content Placeholder 9">
+            <a:extLst>
+              <a:ext uri="{FF2B5EF4-FFF2-40B4-BE49-F238E27FC236}">
+                <a16:creationId xmlns:a16="http://schemas.microsoft.com/office/drawing/2014/main" id="{2CB2D89F-CCCF-4F2B-9968-21C18C3406DE}"/>
+              </a:ext>
+            </a:extLst>
+          </p:cNvPr>
+          <p:cNvSpPr>
+            <a:spLocks noGrp="1"/>
+          </p:cNvSpPr>
+          <p:nvPr>
+            <p:ph idx="1"/>
+          </p:nvPr>
+        </p:nvSpPr>
+        <p:spPr>
+          <a:xfrm>
+            <a:off x="5297762" y="2799889"/>
+            <a:ext cx="5747187" cy="2987543"/>
           </a:xfrm>
         </p:spPr>
         <p:txBody>
-          <a:bodyPr>
+          <a:bodyPr anchor="t">
             <a:normAutofit/>
           </a:bodyPr>
           <a:lstStyle/>
           <a:p>
-            <a:r>
-              <a:rPr lang="en-GB" dirty="0">
+            <a:endParaRPr lang="en-US" sz="2400">
+              <a:solidFill>
+                <a:srgbClr val="FFFFFF"/>
+              </a:solidFill>
+            </a:endParaRPr>
+          </a:p>
+          <a:p>
+            <a:r>
+              <a:rPr lang="en-US" sz="2400">
                 <a:solidFill>
                   <a:srgbClr val="FFFFFF"/>
                 </a:solidFill>
               </a:rPr>
-              <a:t>What we used and why</a:t>
-            </a:r>
-          </a:p>
-        </p:txBody>
-      </p:sp>
-      <p:sp>
-        <p:nvSpPr>
-          <p:cNvPr id="10" name="Content Placeholder 9">
-            <a:extLst>
-              <a:ext uri="{FF2B5EF4-FFF2-40B4-BE49-F238E27FC236}">
-                <a16:creationId xmlns:a16="http://schemas.microsoft.com/office/drawing/2014/main" id="{2CB2D89F-CCCF-4F2B-9968-21C18C3406DE}"/>
-              </a:ext>
-            </a:extLst>
-          </p:cNvPr>
-          <p:cNvSpPr>
-            <a:spLocks noGrp="1"/>
-          </p:cNvSpPr>
-          <p:nvPr>
-            <p:ph idx="1"/>
-          </p:nvPr>
-        </p:nvSpPr>
-        <p:spPr>
-          <a:xfrm>
-            <a:off x="6090574" y="801866"/>
-            <a:ext cx="5306084" cy="5230634"/>
-          </a:xfrm>
-        </p:spPr>
-        <p:txBody>
-          <a:bodyPr anchor="ctr">
-            <a:normAutofit/>
-          </a:bodyPr>
-          <a:lstStyle/>
-          <a:p>
-            <a:endParaRPr lang="en-US" sz="2400" dirty="0">
-              <a:solidFill>
-                <a:srgbClr val="000000"/>
-              </a:solidFill>
-            </a:endParaRPr>
-          </a:p>
-          <a:p>
-            <a:r>
-              <a:rPr lang="en-US" sz="2400" dirty="0">
+              <a:t>APA -102 LED-strip (PICTURE ufgrollt)</a:t>
+            </a:r>
+          </a:p>
+          <a:p>
+            <a:r>
+              <a:rPr lang="en-US" sz="2400">
                 <a:solidFill>
-                  <a:srgbClr val="000000"/>
+                  <a:srgbClr val="FFFFFF"/>
                 </a:solidFill>
               </a:rPr>
-              <a:t>APA -102 LED-strip (PICTURE </a:t>
-            </a:r>
-            <a:r>
-              <a:rPr lang="en-US" sz="2400" dirty="0" err="1">
+              <a:t>Squid-Buttons (PICTURE knöpf)</a:t>
+            </a:r>
+          </a:p>
+          <a:p>
+            <a:r>
+              <a:rPr lang="en-US" sz="2400">
                 <a:solidFill>
-                  <a:srgbClr val="000000"/>
-                </a:solidFill>
-              </a:rPr>
-              <a:t>ufgrollt</a:t>
-            </a:r>
-            <a:r>
-              <a:rPr lang="en-US" sz="2400" dirty="0">
-                <a:solidFill>
-                  <a:srgbClr val="000000"/>
-                </a:solidFill>
-              </a:rPr>
-              <a:t>)</a:t>
-            </a:r>
-          </a:p>
-          <a:p>
-            <a:r>
-              <a:rPr lang="en-US" sz="2400" dirty="0">
-                <a:solidFill>
-                  <a:srgbClr val="000000"/>
-                </a:solidFill>
-              </a:rPr>
-              <a:t>Squid-Buttons (PICTURE </a:t>
-            </a:r>
-            <a:r>
-              <a:rPr lang="en-US" sz="2400" dirty="0" err="1">
-                <a:solidFill>
-                  <a:srgbClr val="000000"/>
-                </a:solidFill>
-              </a:rPr>
-              <a:t>knöpf</a:t>
-            </a:r>
-            <a:r>
-              <a:rPr lang="en-US" sz="2400" dirty="0">
-                <a:solidFill>
-                  <a:srgbClr val="000000"/>
-                </a:solidFill>
-              </a:rPr>
-              <a:t>)</a:t>
-            </a:r>
-          </a:p>
-          <a:p>
-            <a:r>
-              <a:rPr lang="en-US" sz="2400" dirty="0">
-                <a:solidFill>
-                  <a:srgbClr val="000000"/>
+                  <a:srgbClr val="FFFFFF"/>
                 </a:solidFill>
               </a:rPr>
               <a:t>Acrylic glass</a:t>
             </a:r>
           </a:p>
           <a:p>
-            <a:endParaRPr lang="en-US" sz="2400" dirty="0">
+            <a:endParaRPr lang="en-US" sz="2400">
               <a:solidFill>
-                <a:srgbClr val="000000"/>
+                <a:srgbClr val="FFFFFF"/>
               </a:solidFill>
             </a:endParaRPr>
           </a:p>
@@ -4338,12 +4444,47 @@
           <a:chExt cx="0" cy="0"/>
         </a:xfrm>
       </p:grpSpPr>
+      <p:sp>
+        <p:nvSpPr>
+          <p:cNvPr id="2" name="Titel 1">
+            <a:extLst>
+              <a:ext uri="{FF2B5EF4-FFF2-40B4-BE49-F238E27FC236}">
+                <a16:creationId xmlns:a16="http://schemas.microsoft.com/office/drawing/2014/main" id="{9F911658-3497-45FE-B8DE-51AAAA6C7586}"/>
+              </a:ext>
+            </a:extLst>
+          </p:cNvPr>
+          <p:cNvSpPr>
+            <a:spLocks noGrp="1"/>
+          </p:cNvSpPr>
+          <p:nvPr>
+            <p:ph type="title"/>
+          </p:nvPr>
+        </p:nvSpPr>
+        <p:spPr>
+          <a:xfrm>
+            <a:off x="2257214" y="2694018"/>
+            <a:ext cx="5406902" cy="1469965"/>
+          </a:xfrm>
+        </p:spPr>
+        <p:txBody>
+          <a:bodyPr anchor="ctr">
+            <a:normAutofit/>
+          </a:bodyPr>
+          <a:lstStyle/>
+          <a:p>
+            <a:r>
+              <a:rPr lang="en-GB"/>
+              <a:t>Budget</a:t>
+            </a:r>
+          </a:p>
+        </p:txBody>
+      </p:sp>
       <p:pic>
         <p:nvPicPr>
-          <p:cNvPr id="6" name="Grafik 5" descr="Ein Bild, das Boden, Person, Straße, draußen enthält.&#10;&#10;Mit sehr hoher Zuverlässigkeit generierte Beschreibung">
-            <a:extLst>
-              <a:ext uri="{FF2B5EF4-FFF2-40B4-BE49-F238E27FC236}">
-                <a16:creationId xmlns:a16="http://schemas.microsoft.com/office/drawing/2014/main" id="{3D162D89-B966-4A65-B48E-E0EC307D5E40}"/>
+          <p:cNvPr id="83" name="Graphic 82">
+            <a:extLst>
+              <a:ext uri="{FF2B5EF4-FFF2-40B4-BE49-F238E27FC236}">
+                <a16:creationId xmlns:a16="http://schemas.microsoft.com/office/drawing/2014/main" id="{C7B4D6E4-60FF-4116-BD10-9B340262DF58}"/>
               </a:ext>
             </a:extLst>
           </p:cNvPr>
@@ -4352,268 +4493,14 @@
           </p:cNvPicPr>
           <p:nvPr/>
         </p:nvPicPr>
-        <p:blipFill rotWithShape="1">
+        <p:blipFill>
           <a:blip r:embed="rId2">
-            <a:alphaModFix/>
             <a:extLst>
               <a:ext uri="{28A0092B-C50C-407E-A947-70E740481C1C}">
                 <a14:useLocalDpi xmlns:a14="http://schemas.microsoft.com/office/drawing/2010/main" val="0"/>
               </a:ext>
-            </a:extLst>
-          </a:blip>
-          <a:srcRect l="1480" r="5" b="5"/>
-          <a:stretch/>
-        </p:blipFill>
-        <p:spPr>
-          <a:xfrm>
-            <a:off x="8007861" y="1"/>
-            <a:ext cx="4184139" cy="4247004"/>
-          </a:xfrm>
-          <a:custGeom>
-            <a:avLst/>
-            <a:gdLst>
-              <a:gd name="connsiteX0" fmla="*/ 807468 w 4184139"/>
-              <a:gd name="connsiteY0" fmla="*/ 0 h 4247004"/>
-              <a:gd name="connsiteX1" fmla="*/ 4068803 w 4184139"/>
-              <a:gd name="connsiteY1" fmla="*/ 0 h 4247004"/>
-              <a:gd name="connsiteX2" fmla="*/ 4162158 w 4184139"/>
-              <a:gd name="connsiteY2" fmla="*/ 84846 h 4247004"/>
-              <a:gd name="connsiteX3" fmla="*/ 4184139 w 4184139"/>
-              <a:gd name="connsiteY3" fmla="*/ 109032 h 4247004"/>
-              <a:gd name="connsiteX4" fmla="*/ 4184139 w 4184139"/>
-              <a:gd name="connsiteY4" fmla="*/ 3508705 h 4247004"/>
-              <a:gd name="connsiteX5" fmla="*/ 4162158 w 4184139"/>
-              <a:gd name="connsiteY5" fmla="*/ 3532891 h 4247004"/>
-              <a:gd name="connsiteX6" fmla="*/ 2438135 w 4184139"/>
-              <a:gd name="connsiteY6" fmla="*/ 4247004 h 4247004"/>
-              <a:gd name="connsiteX7" fmla="*/ 0 w 4184139"/>
-              <a:gd name="connsiteY7" fmla="*/ 1808869 h 4247004"/>
-              <a:gd name="connsiteX8" fmla="*/ 714113 w 4184139"/>
-              <a:gd name="connsiteY8" fmla="*/ 84846 h 4247004"/>
-            </a:gdLst>
-            <a:ahLst/>
-            <a:cxnLst>
-              <a:cxn ang="0">
-                <a:pos x="connsiteX0" y="connsiteY0"/>
-              </a:cxn>
-              <a:cxn ang="0">
-                <a:pos x="connsiteX1" y="connsiteY1"/>
-              </a:cxn>
-              <a:cxn ang="0">
-                <a:pos x="connsiteX2" y="connsiteY2"/>
-              </a:cxn>
-              <a:cxn ang="0">
-                <a:pos x="connsiteX3" y="connsiteY3"/>
-              </a:cxn>
-              <a:cxn ang="0">
-                <a:pos x="connsiteX4" y="connsiteY4"/>
-              </a:cxn>
-              <a:cxn ang="0">
-                <a:pos x="connsiteX5" y="connsiteY5"/>
-              </a:cxn>
-              <a:cxn ang="0">
-                <a:pos x="connsiteX6" y="connsiteY6"/>
-              </a:cxn>
-              <a:cxn ang="0">
-                <a:pos x="connsiteX7" y="connsiteY7"/>
-              </a:cxn>
-              <a:cxn ang="0">
-                <a:pos x="connsiteX8" y="connsiteY8"/>
-              </a:cxn>
-            </a:cxnLst>
-            <a:rect l="l" t="t" r="r" b="b"/>
-            <a:pathLst>
-              <a:path w="4184139" h="4247004">
-                <a:moveTo>
-                  <a:pt x="807468" y="0"/>
-                </a:moveTo>
-                <a:lnTo>
-                  <a:pt x="4068803" y="0"/>
-                </a:lnTo>
-                <a:lnTo>
-                  <a:pt x="4162158" y="84846"/>
-                </a:lnTo>
-                <a:lnTo>
-                  <a:pt x="4184139" y="109032"/>
-                </a:lnTo>
-                <a:lnTo>
-                  <a:pt x="4184139" y="3508705"/>
-                </a:lnTo>
-                <a:lnTo>
-                  <a:pt x="4162158" y="3532891"/>
-                </a:lnTo>
-                <a:cubicBezTo>
-                  <a:pt x="3720942" y="3974107"/>
-                  <a:pt x="3111408" y="4247004"/>
-                  <a:pt x="2438135" y="4247004"/>
-                </a:cubicBezTo>
-                <a:cubicBezTo>
-                  <a:pt x="1091590" y="4247004"/>
-                  <a:pt x="0" y="3155414"/>
-                  <a:pt x="0" y="1808869"/>
-                </a:cubicBezTo>
-                <a:cubicBezTo>
-                  <a:pt x="0" y="1135596"/>
-                  <a:pt x="272898" y="526062"/>
-                  <a:pt x="714113" y="84846"/>
-                </a:cubicBezTo>
-                <a:close/>
-              </a:path>
-            </a:pathLst>
-          </a:custGeom>
-          <a:effectLst>
-            <a:softEdge rad="0"/>
-          </a:effectLst>
-        </p:spPr>
-      </p:pic>
-      <p:pic>
-        <p:nvPicPr>
-          <p:cNvPr id="8" name="Grafik 7">
-            <a:extLst>
-              <a:ext uri="{FF2B5EF4-FFF2-40B4-BE49-F238E27FC236}">
-                <a16:creationId xmlns:a16="http://schemas.microsoft.com/office/drawing/2014/main" id="{6A8346AC-DEF1-484F-96A1-C44A159710E0}"/>
-              </a:ext>
-            </a:extLst>
-          </p:cNvPr>
-          <p:cNvPicPr>
-            <a:picLocks noChangeAspect="1"/>
-          </p:cNvPicPr>
-          <p:nvPr/>
-        </p:nvPicPr>
-        <p:blipFill rotWithShape="1">
-          <a:blip r:embed="rId3">
-            <a:alphaModFix/>
-            <a:extLst>
-              <a:ext uri="{28A0092B-C50C-407E-A947-70E740481C1C}">
-                <a14:useLocalDpi xmlns:a14="http://schemas.microsoft.com/office/drawing/2010/main" val="0"/>
-              </a:ext>
-            </a:extLst>
-          </a:blip>
-          <a:srcRect l="6141"/>
-          <a:stretch/>
-        </p:blipFill>
-        <p:spPr>
-          <a:xfrm>
-            <a:off x="1" y="1337091"/>
-            <a:ext cx="5190767" cy="5530385"/>
-          </a:xfrm>
-          <a:custGeom>
-            <a:avLst/>
-            <a:gdLst>
-              <a:gd name="connsiteX0" fmla="*/ 1986067 w 5190767"/>
-              <a:gd name="connsiteY0" fmla="*/ 0 h 5530385"/>
-              <a:gd name="connsiteX1" fmla="*/ 5190767 w 5190767"/>
-              <a:gd name="connsiteY1" fmla="*/ 3204701 h 5530385"/>
-              <a:gd name="connsiteX2" fmla="*/ 4252132 w 5190767"/>
-              <a:gd name="connsiteY2" fmla="*/ 5470767 h 5530385"/>
-              <a:gd name="connsiteX3" fmla="*/ 4186536 w 5190767"/>
-              <a:gd name="connsiteY3" fmla="*/ 5530385 h 5530385"/>
-              <a:gd name="connsiteX4" fmla="*/ 0 w 5190767"/>
-              <a:gd name="connsiteY4" fmla="*/ 5530385 h 5530385"/>
-              <a:gd name="connsiteX5" fmla="*/ 0 w 5190767"/>
-              <a:gd name="connsiteY5" fmla="*/ 692598 h 5530385"/>
-              <a:gd name="connsiteX6" fmla="*/ 194287 w 5190767"/>
-              <a:gd name="connsiteY6" fmla="*/ 547313 h 5530385"/>
-              <a:gd name="connsiteX7" fmla="*/ 1986067 w 5190767"/>
-              <a:gd name="connsiteY7" fmla="*/ 0 h 5530385"/>
-            </a:gdLst>
-            <a:ahLst/>
-            <a:cxnLst>
-              <a:cxn ang="0">
-                <a:pos x="connsiteX0" y="connsiteY0"/>
-              </a:cxn>
-              <a:cxn ang="0">
-                <a:pos x="connsiteX1" y="connsiteY1"/>
-              </a:cxn>
-              <a:cxn ang="0">
-                <a:pos x="connsiteX2" y="connsiteY2"/>
-              </a:cxn>
-              <a:cxn ang="0">
-                <a:pos x="connsiteX3" y="connsiteY3"/>
-              </a:cxn>
-              <a:cxn ang="0">
-                <a:pos x="connsiteX4" y="connsiteY4"/>
-              </a:cxn>
-              <a:cxn ang="0">
-                <a:pos x="connsiteX5" y="connsiteY5"/>
-              </a:cxn>
-              <a:cxn ang="0">
-                <a:pos x="connsiteX6" y="connsiteY6"/>
-              </a:cxn>
-              <a:cxn ang="0">
-                <a:pos x="connsiteX7" y="connsiteY7"/>
-              </a:cxn>
-            </a:cxnLst>
-            <a:rect l="l" t="t" r="r" b="b"/>
-            <a:pathLst>
-              <a:path w="5190767" h="5530385">
-                <a:moveTo>
-                  <a:pt x="1986067" y="0"/>
-                </a:moveTo>
-                <a:cubicBezTo>
-                  <a:pt x="3755974" y="0"/>
-                  <a:pt x="5190767" y="1434794"/>
-                  <a:pt x="5190767" y="3204701"/>
-                </a:cubicBezTo>
-                <a:cubicBezTo>
-                  <a:pt x="5190767" y="4089655"/>
-                  <a:pt x="4832069" y="4890830"/>
-                  <a:pt x="4252132" y="5470767"/>
-                </a:cubicBezTo>
-                <a:lnTo>
-                  <a:pt x="4186536" y="5530385"/>
-                </a:lnTo>
-                <a:lnTo>
-                  <a:pt x="0" y="5530385"/>
-                </a:lnTo>
-                <a:lnTo>
-                  <a:pt x="0" y="692598"/>
-                </a:lnTo>
-                <a:lnTo>
-                  <a:pt x="194287" y="547313"/>
-                </a:lnTo>
-                <a:cubicBezTo>
-                  <a:pt x="705761" y="201768"/>
-                  <a:pt x="1322351" y="0"/>
-                  <a:pt x="1986067" y="0"/>
-                </a:cubicBezTo>
-                <a:close/>
-              </a:path>
-            </a:pathLst>
-          </a:custGeom>
-          <a:effectLst>
-            <a:softEdge rad="0"/>
-          </a:effectLst>
-        </p:spPr>
-      </p:pic>
-      <p:pic>
-        <p:nvPicPr>
-          <p:cNvPr id="50" name="Picture 49">
-            <a:extLst>
-              <a:ext uri="{FF2B5EF4-FFF2-40B4-BE49-F238E27FC236}">
-                <a16:creationId xmlns:a16="http://schemas.microsoft.com/office/drawing/2014/main" id="{4603FC70-67D9-49EF-983C-3853BF2B493D}"/>
-              </a:ext>
-              <a:ext uri="{C183D7F6-B498-43B3-948B-1728B52AA6E4}">
-                <adec:decorative xmlns:adec="http://schemas.microsoft.com/office/drawing/2017/decorative" val="1"/>
-              </a:ext>
-            </a:extLst>
-          </p:cNvPr>
-          <p:cNvPicPr>
-            <a:picLocks noGrp="1" noRot="1" noChangeAspect="1" noMove="1" noResize="1" noEditPoints="1" noAdjustHandles="1" noChangeArrowheads="1" noChangeShapeType="1" noCrop="1"/>
-          </p:cNvPicPr>
-          <p:nvPr>
-            <p:extLst>
-              <p:ext uri="{386F3935-93C4-4BCD-93E2-E3B085C9AB24}">
-                <p16:designElem xmlns:p16="http://schemas.microsoft.com/office/powerpoint/2015/main" val="1"/>
-              </p:ext>
-            </p:extLst>
-          </p:nvPr>
-        </p:nvPicPr>
-        <p:blipFill>
-          <a:blip r:embed="rId4">
-            <a:extLst>
-              <a:ext uri="{28A0092B-C50C-407E-A947-70E740481C1C}">
-                <a14:useLocalDpi xmlns:a14="http://schemas.microsoft.com/office/drawing/2010/main" val="0"/>
+              <a:ext uri="{96DAC541-7B7A-43D3-8B79-37D633B846F1}">
+                <asvg:svgBlip xmlns:asvg="http://schemas.microsoft.com/office/drawing/2016/SVG/main" r:embed="rId3"/>
               </a:ext>
             </a:extLst>
           </a:blip>
@@ -4623,177 +4510,120 @@
         </p:blipFill>
         <p:spPr>
           <a:xfrm>
-            <a:off x="0" y="0"/>
-            <a:ext cx="12192000" cy="6858000"/>
+            <a:off x="838200" y="2880360"/>
+            <a:ext cx="1097280" cy="1097280"/>
           </a:xfrm>
           <a:prstGeom prst="rect">
             <a:avLst/>
           </a:prstGeom>
         </p:spPr>
       </p:pic>
+      <p:sp>
+        <p:nvSpPr>
+          <p:cNvPr id="52" name="Content Placeholder 9">
+            <a:extLst>
+              <a:ext uri="{FF2B5EF4-FFF2-40B4-BE49-F238E27FC236}">
+                <a16:creationId xmlns:a16="http://schemas.microsoft.com/office/drawing/2014/main" id="{2CB2D89F-CCCF-4F2B-9968-21C18C3406DE}"/>
+              </a:ext>
+            </a:extLst>
+          </p:cNvPr>
+          <p:cNvSpPr>
+            <a:spLocks noGrp="1"/>
+          </p:cNvSpPr>
+          <p:nvPr>
+            <p:ph idx="1"/>
+          </p:nvPr>
+        </p:nvSpPr>
+        <p:spPr>
+          <a:xfrm>
+            <a:off x="2257215" y="4352917"/>
+            <a:ext cx="5406902" cy="1688746"/>
+          </a:xfrm>
+        </p:spPr>
+        <p:txBody>
+          <a:bodyPr>
+            <a:normAutofit/>
+          </a:bodyPr>
+          <a:lstStyle/>
+          <a:p>
+            <a:r>
+              <a:rPr lang="en-US" sz="2000"/>
+              <a:t>Too long strip</a:t>
+            </a:r>
+          </a:p>
+          <a:p>
+            <a:r>
+              <a:rPr lang="en-US" sz="2000"/>
+              <a:t>Not enough power</a:t>
+            </a:r>
+          </a:p>
+          <a:p>
+            <a:r>
+              <a:rPr lang="en-US" sz="2000"/>
+              <a:t>Flickering</a:t>
+            </a:r>
+          </a:p>
+          <a:p>
+            <a:r>
+              <a:rPr lang="en-US" sz="2000"/>
+              <a:t>Buttons</a:t>
+            </a:r>
+          </a:p>
+        </p:txBody>
+      </p:sp>
       <p:pic>
         <p:nvPicPr>
-          <p:cNvPr id="62" name="Inhaltsplatzhalter 3" descr="Ein Bild, das Person, drinnen, Boden, Musik enthält.&#10;&#10;Mit sehr hoher Zuverlässigkeit generierte Beschreibung">
-            <a:extLst>
-              <a:ext uri="{FF2B5EF4-FFF2-40B4-BE49-F238E27FC236}">
-                <a16:creationId xmlns:a16="http://schemas.microsoft.com/office/drawing/2014/main" id="{67A3483F-A59C-45F6-8722-A002A2073577}"/>
+          <p:cNvPr id="85" name="Graphic 84">
+            <a:extLst>
+              <a:ext uri="{FF2B5EF4-FFF2-40B4-BE49-F238E27FC236}">
+                <a16:creationId xmlns:a16="http://schemas.microsoft.com/office/drawing/2014/main" id="{553A9F82-6418-40FD-BEE6-8D0BDF800B12}"/>
+              </a:ext>
+              <a:ext uri="{C183D7F6-B498-43B3-948B-1728B52AA6E4}">
+                <adec:decorative xmlns:adec="http://schemas.microsoft.com/office/drawing/2017/decorative" val="1"/>
               </a:ext>
             </a:extLst>
           </p:cNvPr>
           <p:cNvPicPr>
-            <a:picLocks noGrp="1" noChangeAspect="1"/>
+            <a:picLocks noGrp="1" noRot="1" noChangeAspect="1" noMove="1" noResize="1" noEditPoints="1" noAdjustHandles="1" noChangeArrowheads="1" noChangeShapeType="1" noCrop="1"/>
           </p:cNvPicPr>
           <p:nvPr>
-            <p:ph idx="1"/>
+            <p:extLst>
+              <p:ext uri="{386F3935-93C4-4BCD-93E2-E3B085C9AB24}">
+                <p16:designElem xmlns:p16="http://schemas.microsoft.com/office/powerpoint/2015/main" val="1"/>
+              </p:ext>
+            </p:extLst>
           </p:nvPr>
         </p:nvPicPr>
-        <p:blipFill rotWithShape="1">
-          <a:blip r:embed="rId5">
-            <a:alphaModFix/>
+        <p:blipFill>
+          <a:blip r:embed="rId2">
+            <a:alphaModFix amt="15000"/>
             <a:extLst>
               <a:ext uri="{28A0092B-C50C-407E-A947-70E740481C1C}">
                 <a14:useLocalDpi xmlns:a14="http://schemas.microsoft.com/office/drawing/2010/main" val="0"/>
               </a:ext>
+              <a:ext uri="{96DAC541-7B7A-43D3-8B79-37D633B846F1}">
+                <asvg:svgBlip xmlns:asvg="http://schemas.microsoft.com/office/drawing/2016/SVG/main" r:embed="rId3"/>
+              </a:ext>
             </a:extLst>
           </a:blip>
-          <a:srcRect t="2447" r="-2" b="17332"/>
-          <a:stretch/>
+          <a:stretch>
+            <a:fillRect/>
+          </a:stretch>
         </p:blipFill>
         <p:spPr>
           <a:xfrm>
-            <a:off x="3834182" y="1"/>
-            <a:ext cx="4215670" cy="3381796"/>
+            <a:off x="6641431" y="816337"/>
+            <a:ext cx="5225327" cy="5225327"/>
           </a:xfrm>
-          <a:custGeom>
+          <a:prstGeom prst="rect">
             <a:avLst/>
-            <a:gdLst>
-              <a:gd name="connsiteX0" fmla="*/ 431362 w 4215670"/>
-              <a:gd name="connsiteY0" fmla="*/ 0 h 3381796"/>
-              <a:gd name="connsiteX1" fmla="*/ 3784309 w 4215670"/>
-              <a:gd name="connsiteY1" fmla="*/ 0 h 3381796"/>
-              <a:gd name="connsiteX2" fmla="*/ 3855685 w 4215670"/>
-              <a:gd name="connsiteY2" fmla="*/ 95451 h 3381796"/>
-              <a:gd name="connsiteX3" fmla="*/ 4215670 w 4215670"/>
-              <a:gd name="connsiteY3" fmla="*/ 1273961 h 3381796"/>
-              <a:gd name="connsiteX4" fmla="*/ 2107836 w 4215670"/>
-              <a:gd name="connsiteY4" fmla="*/ 3381796 h 3381796"/>
-              <a:gd name="connsiteX5" fmla="*/ 0 w 4215670"/>
-              <a:gd name="connsiteY5" fmla="*/ 1273961 h 3381796"/>
-              <a:gd name="connsiteX6" fmla="*/ 359986 w 4215670"/>
-              <a:gd name="connsiteY6" fmla="*/ 95451 h 3381796"/>
-            </a:gdLst>
-            <a:ahLst/>
-            <a:cxnLst>
-              <a:cxn ang="0">
-                <a:pos x="connsiteX0" y="connsiteY0"/>
-              </a:cxn>
-              <a:cxn ang="0">
-                <a:pos x="connsiteX1" y="connsiteY1"/>
-              </a:cxn>
-              <a:cxn ang="0">
-                <a:pos x="connsiteX2" y="connsiteY2"/>
-              </a:cxn>
-              <a:cxn ang="0">
-                <a:pos x="connsiteX3" y="connsiteY3"/>
-              </a:cxn>
-              <a:cxn ang="0">
-                <a:pos x="connsiteX4" y="connsiteY4"/>
-              </a:cxn>
-              <a:cxn ang="0">
-                <a:pos x="connsiteX5" y="connsiteY5"/>
-              </a:cxn>
-              <a:cxn ang="0">
-                <a:pos x="connsiteX6" y="connsiteY6"/>
-              </a:cxn>
-            </a:cxnLst>
-            <a:rect l="l" t="t" r="r" b="b"/>
-            <a:pathLst>
-              <a:path w="4215670" h="3381796">
-                <a:moveTo>
-                  <a:pt x="431362" y="0"/>
-                </a:moveTo>
-                <a:lnTo>
-                  <a:pt x="3784309" y="0"/>
-                </a:lnTo>
-                <a:lnTo>
-                  <a:pt x="3855685" y="95451"/>
-                </a:lnTo>
-                <a:cubicBezTo>
-                  <a:pt x="4082961" y="431863"/>
-                  <a:pt x="4215670" y="837414"/>
-                  <a:pt x="4215670" y="1273961"/>
-                </a:cubicBezTo>
-                <a:cubicBezTo>
-                  <a:pt x="4215670" y="2438087"/>
-                  <a:pt x="3271960" y="3381796"/>
-                  <a:pt x="2107836" y="3381796"/>
-                </a:cubicBezTo>
-                <a:cubicBezTo>
-                  <a:pt x="943711" y="3381796"/>
-                  <a:pt x="0" y="2438087"/>
-                  <a:pt x="0" y="1273961"/>
-                </a:cubicBezTo>
-                <a:cubicBezTo>
-                  <a:pt x="0" y="837414"/>
-                  <a:pt x="132710" y="431863"/>
-                  <a:pt x="359986" y="95451"/>
-                </a:cubicBezTo>
-                <a:close/>
-              </a:path>
-            </a:pathLst>
-          </a:custGeom>
-          <a:effectLst>
-            <a:softEdge rad="0"/>
-          </a:effectLst>
+          </a:prstGeom>
         </p:spPr>
       </p:pic>
-      <p:sp>
-        <p:nvSpPr>
-          <p:cNvPr id="2" name="Titel 1">
-            <a:extLst>
-              <a:ext uri="{FF2B5EF4-FFF2-40B4-BE49-F238E27FC236}">
-                <a16:creationId xmlns:a16="http://schemas.microsoft.com/office/drawing/2014/main" id="{9F911658-3497-45FE-B8DE-51AAAA6C7586}"/>
-              </a:ext>
-            </a:extLst>
-          </p:cNvPr>
-          <p:cNvSpPr>
-            <a:spLocks noGrp="1"/>
-          </p:cNvSpPr>
-          <p:nvPr>
-            <p:ph type="title"/>
-          </p:nvPr>
-        </p:nvSpPr>
-        <p:spPr>
-          <a:xfrm>
-            <a:off x="5190767" y="5059192"/>
-            <a:ext cx="6201111" cy="1160633"/>
-          </a:xfrm>
-        </p:spPr>
-        <p:txBody>
-          <a:bodyPr vert="horz" lIns="91440" tIns="45720" rIns="91440" bIns="45720" rtlCol="0" anchor="t">
-            <a:normAutofit/>
-          </a:bodyPr>
-          <a:lstStyle/>
-          <a:p>
-            <a:pPr algn="r"/>
-            <a:r>
-              <a:rPr lang="en-US" sz="3200" kern="1200">
-                <a:solidFill>
-                  <a:srgbClr val="000000"/>
-                </a:solidFill>
-                <a:latin typeface="+mj-lt"/>
-                <a:ea typeface="+mj-ea"/>
-                <a:cs typeface="+mj-cs"/>
-              </a:rPr>
-              <a:t>Hardware</a:t>
-            </a:r>
-          </a:p>
-        </p:txBody>
-      </p:sp>
     </p:spTree>
     <p:extLst>
       <p:ext uri="{BB962C8B-B14F-4D97-AF65-F5344CB8AC3E}">
-        <p14:creationId xmlns:p14="http://schemas.microsoft.com/office/powerpoint/2010/main" val="867894399"/>
+        <p14:creationId xmlns:p14="http://schemas.microsoft.com/office/powerpoint/2010/main" val="2373764760"/>
       </p:ext>
     </p:extLst>
   </p:cSld>
@@ -4836,21 +4666,171 @@
           <a:chExt cx="0" cy="0"/>
         </a:xfrm>
       </p:grpSpPr>
-      <p:sp useBgFill="1">
-        <p:nvSpPr>
-          <p:cNvPr id="41" name="Rectangle 40">
-            <a:extLst>
-              <a:ext uri="{FF2B5EF4-FFF2-40B4-BE49-F238E27FC236}">
-                <a16:creationId xmlns:a16="http://schemas.microsoft.com/office/drawing/2014/main" id="{3B854194-185D-494D-905C-7C7CB2E30F6E}"/>
+      <p:sp>
+        <p:nvSpPr>
+          <p:cNvPr id="2" name="Titel 1">
+            <a:extLst>
+              <a:ext uri="{FF2B5EF4-FFF2-40B4-BE49-F238E27FC236}">
+                <a16:creationId xmlns:a16="http://schemas.microsoft.com/office/drawing/2014/main" id="{9F911658-3497-45FE-B8DE-51AAAA6C7586}"/>
+              </a:ext>
+            </a:extLst>
+          </p:cNvPr>
+          <p:cNvSpPr>
+            <a:spLocks noGrp="1"/>
+          </p:cNvSpPr>
+          <p:nvPr>
+            <p:ph type="title"/>
+          </p:nvPr>
+        </p:nvSpPr>
+        <p:spPr>
+          <a:xfrm>
+            <a:off x="642996" y="4571216"/>
+            <a:ext cx="10906008" cy="1115415"/>
+          </a:xfrm>
+        </p:spPr>
+        <p:txBody>
+          <a:bodyPr vert="horz" lIns="91440" tIns="45720" rIns="91440" bIns="45720" rtlCol="0" anchor="b">
+            <a:normAutofit/>
+          </a:bodyPr>
+          <a:lstStyle/>
+          <a:p>
+            <a:pPr algn="ctr"/>
+            <a:r>
+              <a:rPr lang="en-US" sz="6000" kern="1200">
+                <a:solidFill>
+                  <a:schemeClr val="tx1"/>
+                </a:solidFill>
+                <a:latin typeface="+mj-lt"/>
+                <a:ea typeface="+mj-ea"/>
+                <a:cs typeface="+mj-cs"/>
+              </a:rPr>
+              <a:t>Hardware</a:t>
+            </a:r>
+          </a:p>
+        </p:txBody>
+      </p:sp>
+      <p:pic>
+        <p:nvPicPr>
+          <p:cNvPr id="8" name="Grafik 7">
+            <a:extLst>
+              <a:ext uri="{FF2B5EF4-FFF2-40B4-BE49-F238E27FC236}">
+                <a16:creationId xmlns:a16="http://schemas.microsoft.com/office/drawing/2014/main" id="{6A8346AC-DEF1-484F-96A1-C44A159710E0}"/>
+              </a:ext>
+            </a:extLst>
+          </p:cNvPr>
+          <p:cNvPicPr>
+            <a:picLocks noChangeAspect="1"/>
+          </p:cNvPicPr>
+          <p:nvPr/>
+        </p:nvPicPr>
+        <p:blipFill rotWithShape="1">
+          <a:blip r:embed="rId2">
+            <a:extLst>
+              <a:ext uri="{28A0092B-C50C-407E-A947-70E740481C1C}">
+                <a14:useLocalDpi xmlns:a14="http://schemas.microsoft.com/office/drawing/2010/main" val="0"/>
+              </a:ext>
+            </a:extLst>
+          </a:blip>
+          <a:srcRect l="3465" r="-5" b="-5"/>
+          <a:stretch/>
+        </p:blipFill>
+        <p:spPr>
+          <a:xfrm>
+            <a:off x="321628" y="320511"/>
+            <a:ext cx="3794760" cy="3930978"/>
+          </a:xfrm>
+          <a:prstGeom prst="rect">
+            <a:avLst/>
+          </a:prstGeom>
+        </p:spPr>
+      </p:pic>
+      <p:pic>
+        <p:nvPicPr>
+          <p:cNvPr id="6" name="Grafik 5" descr="Ein Bild, das Boden, Person, Straße, draußen enthält.&#10;&#10;Mit sehr hoher Zuverlässigkeit generierte Beschreibung">
+            <a:extLst>
+              <a:ext uri="{FF2B5EF4-FFF2-40B4-BE49-F238E27FC236}">
+                <a16:creationId xmlns:a16="http://schemas.microsoft.com/office/drawing/2014/main" id="{3D162D89-B966-4A65-B48E-E0EC307D5E40}"/>
+              </a:ext>
+            </a:extLst>
+          </p:cNvPr>
+          <p:cNvPicPr>
+            <a:picLocks noChangeAspect="1"/>
+          </p:cNvPicPr>
+          <p:nvPr/>
+        </p:nvPicPr>
+        <p:blipFill rotWithShape="1">
+          <a:blip r:embed="rId3">
+            <a:extLst>
+              <a:ext uri="{28A0092B-C50C-407E-A947-70E740481C1C}">
+                <a14:useLocalDpi xmlns:a14="http://schemas.microsoft.com/office/drawing/2010/main" val="0"/>
+              </a:ext>
+            </a:extLst>
+          </a:blip>
+          <a:srcRect l="3465" r="-5" b="-5"/>
+          <a:stretch/>
+        </p:blipFill>
+        <p:spPr>
+          <a:xfrm>
+            <a:off x="4198385" y="320511"/>
+            <a:ext cx="3794760" cy="3930978"/>
+          </a:xfrm>
+          <a:prstGeom prst="rect">
+            <a:avLst/>
+          </a:prstGeom>
+        </p:spPr>
+      </p:pic>
+      <p:pic>
+        <p:nvPicPr>
+          <p:cNvPr id="62" name="Inhaltsplatzhalter 3" descr="Ein Bild, das Person, drinnen, Boden, Musik enthält.&#10;&#10;Mit sehr hoher Zuverlässigkeit generierte Beschreibung">
+            <a:extLst>
+              <a:ext uri="{FF2B5EF4-FFF2-40B4-BE49-F238E27FC236}">
+                <a16:creationId xmlns:a16="http://schemas.microsoft.com/office/drawing/2014/main" id="{67A3483F-A59C-45F6-8722-A002A2073577}"/>
+              </a:ext>
+            </a:extLst>
+          </p:cNvPr>
+          <p:cNvPicPr>
+            <a:picLocks noGrp="1" noChangeAspect="1"/>
+          </p:cNvPicPr>
+          <p:nvPr>
+            <p:ph idx="1"/>
+          </p:nvPr>
+        </p:nvPicPr>
+        <p:blipFill rotWithShape="1">
+          <a:blip r:embed="rId4">
+            <a:extLst>
+              <a:ext uri="{28A0092B-C50C-407E-A947-70E740481C1C}">
+                <a14:useLocalDpi xmlns:a14="http://schemas.microsoft.com/office/drawing/2010/main" val="0"/>
+              </a:ext>
+            </a:extLst>
+          </a:blip>
+          <a:srcRect l="3465" r="-5" b="-5"/>
+          <a:stretch/>
+        </p:blipFill>
+        <p:spPr>
+          <a:xfrm>
+            <a:off x="8075142" y="320511"/>
+            <a:ext cx="3794760" cy="3930978"/>
+          </a:xfrm>
+          <a:prstGeom prst="rect">
+            <a:avLst/>
+          </a:prstGeom>
+        </p:spPr>
+      </p:pic>
+      <p:cxnSp>
+        <p:nvCxnSpPr>
+          <p:cNvPr id="77" name="Straight Connector 76">
+            <a:extLst>
+              <a:ext uri="{FF2B5EF4-FFF2-40B4-BE49-F238E27FC236}">
+                <a16:creationId xmlns:a16="http://schemas.microsoft.com/office/drawing/2014/main" id="{60188E89-AF78-40F6-B787-E9BD9C625686}"/>
               </a:ext>
               <a:ext uri="{C183D7F6-B498-43B3-948B-1728B52AA6E4}">
                 <adec:decorative xmlns:adec="http://schemas.microsoft.com/office/drawing/2017/decorative" val="1"/>
               </a:ext>
             </a:extLst>
           </p:cNvPr>
-          <p:cNvSpPr>
-            <a:spLocks noGrp="1" noRot="1" noChangeAspect="1" noMove="1" noResize="1" noEditPoints="1" noAdjustHandles="1" noChangeArrowheads="1" noChangeShapeType="1" noTextEdit="1"/>
-          </p:cNvSpPr>
+          <p:cNvCxnSpPr>
+            <a:cxnSpLocks noGrp="1" noRot="1" noChangeAspect="1" noMove="1" noResize="1" noEditPoints="1" noAdjustHandles="1" noChangeArrowheads="1" noChangeShapeType="1"/>
+          </p:cNvCxnSpPr>
           <p:nvPr>
             <p:extLst>
               <p:ext uri="{386F3935-93C4-4BCD-93E2-E3B085C9AB24}">
@@ -4858,291 +4838,40 @@
               </p:ext>
             </p:extLst>
           </p:nvPr>
-        </p:nvSpPr>
+        </p:nvCxnSpPr>
         <p:spPr>
           <a:xfrm>
-            <a:off x="1" y="0"/>
-            <a:ext cx="6082110" cy="6858000"/>
+            <a:off x="1524000" y="5778706"/>
+            <a:ext cx="9144000" cy="0"/>
           </a:xfrm>
-          <a:prstGeom prst="rect">
+          <a:prstGeom prst="line">
             <a:avLst/>
           </a:prstGeom>
-          <a:ln>
-            <a:noFill/>
+          <a:ln w="19050">
+            <a:solidFill>
+              <a:srgbClr val="E1BE84"/>
+            </a:solidFill>
           </a:ln>
         </p:spPr>
         <p:style>
-          <a:lnRef idx="2">
-            <a:schemeClr val="accent1">
-              <a:shade val="50000"/>
-            </a:schemeClr>
+          <a:lnRef idx="1">
+            <a:schemeClr val="accent1"/>
           </a:lnRef>
-          <a:fillRef idx="1">
+          <a:fillRef idx="0">
             <a:schemeClr val="accent1"/>
           </a:fillRef>
           <a:effectRef idx="0">
             <a:schemeClr val="accent1"/>
           </a:effectRef>
           <a:fontRef idx="minor">
-            <a:schemeClr val="lt1"/>
+            <a:schemeClr val="tx1"/>
           </a:fontRef>
         </p:style>
-        <p:txBody>
-          <a:bodyPr rtlCol="0" anchor="ctr"/>
-          <a:lstStyle/>
-          <a:p>
-            <a:pPr algn="ctr"/>
-            <a:endParaRPr lang="en-US"/>
-          </a:p>
-        </p:txBody>
-      </p:sp>
-      <p:sp>
-        <p:nvSpPr>
-          <p:cNvPr id="43" name="Rectangle 42">
-            <a:extLst>
-              <a:ext uri="{FF2B5EF4-FFF2-40B4-BE49-F238E27FC236}">
-                <a16:creationId xmlns:a16="http://schemas.microsoft.com/office/drawing/2014/main" id="{B4F5FA0D-0104-4987-8241-EFF7C85B88DE}"/>
-              </a:ext>
-              <a:ext uri="{C183D7F6-B498-43B3-948B-1728B52AA6E4}">
-                <adec:decorative xmlns:adec="http://schemas.microsoft.com/office/drawing/2017/decorative" val="1"/>
-              </a:ext>
-            </a:extLst>
-          </p:cNvPr>
-          <p:cNvSpPr>
-            <a:spLocks noGrp="1" noRot="1" noChangeAspect="1" noMove="1" noResize="1" noEditPoints="1" noAdjustHandles="1" noChangeArrowheads="1" noChangeShapeType="1" noTextEdit="1"/>
-          </p:cNvSpPr>
-          <p:nvPr>
-            <p:extLst>
-              <p:ext uri="{386F3935-93C4-4BCD-93E2-E3B085C9AB24}">
-                <p16:designElem xmlns:p16="http://schemas.microsoft.com/office/powerpoint/2015/main" val="1"/>
-              </p:ext>
-            </p:extLst>
-          </p:nvPr>
-        </p:nvSpPr>
-        <p:spPr>
-          <a:xfrm>
-            <a:off x="1" y="0"/>
-            <a:ext cx="12191998" cy="6858000"/>
-          </a:xfrm>
-          <a:prstGeom prst="rect">
-            <a:avLst/>
-          </a:prstGeom>
-          <a:gradFill>
-            <a:gsLst>
-              <a:gs pos="0">
-                <a:schemeClr val="accent1">
-                  <a:lumMod val="90000"/>
-                </a:schemeClr>
-              </a:gs>
-              <a:gs pos="25000">
-                <a:schemeClr val="accent1">
-                  <a:lumMod val="90000"/>
-                </a:schemeClr>
-              </a:gs>
-              <a:gs pos="94000">
-                <a:schemeClr val="bg2">
-                  <a:lumMod val="25000"/>
-                </a:schemeClr>
-              </a:gs>
-              <a:gs pos="100000">
-                <a:schemeClr val="bg2">
-                  <a:lumMod val="25000"/>
-                </a:schemeClr>
-              </a:gs>
-            </a:gsLst>
-            <a:lin ang="4200000" scaled="0"/>
-          </a:gradFill>
-          <a:ln>
-            <a:noFill/>
-          </a:ln>
-        </p:spPr>
-        <p:style>
-          <a:lnRef idx="2">
-            <a:schemeClr val="accent1">
-              <a:shade val="50000"/>
-            </a:schemeClr>
-          </a:lnRef>
-          <a:fillRef idx="1">
-            <a:schemeClr val="accent1"/>
-          </a:fillRef>
-          <a:effectRef idx="0">
-            <a:schemeClr val="accent1"/>
-          </a:effectRef>
-          <a:fontRef idx="minor">
-            <a:schemeClr val="lt1"/>
-          </a:fontRef>
-        </p:style>
-        <p:txBody>
-          <a:bodyPr rtlCol="0" anchor="ctr"/>
-          <a:lstStyle/>
-          <a:p>
-            <a:pPr algn="ctr"/>
-            <a:endParaRPr lang="en-US"/>
-          </a:p>
-        </p:txBody>
-      </p:sp>
-      <p:pic>
-        <p:nvPicPr>
-          <p:cNvPr id="45" name="Picture 44">
-            <a:extLst>
-              <a:ext uri="{FF2B5EF4-FFF2-40B4-BE49-F238E27FC236}">
-                <a16:creationId xmlns:a16="http://schemas.microsoft.com/office/drawing/2014/main" id="{2897127E-6CEF-446C-BE87-93B7C46E49D1}"/>
-              </a:ext>
-              <a:ext uri="{C183D7F6-B498-43B3-948B-1728B52AA6E4}">
-                <adec:decorative xmlns:adec="http://schemas.microsoft.com/office/drawing/2017/decorative" val="1"/>
-              </a:ext>
-            </a:extLst>
-          </p:cNvPr>
-          <p:cNvPicPr>
-            <a:picLocks noGrp="1" noRot="1" noChangeAspect="1" noMove="1" noResize="1" noEditPoints="1" noAdjustHandles="1" noChangeArrowheads="1" noChangeShapeType="1" noCrop="1"/>
-          </p:cNvPicPr>
-          <p:nvPr>
-            <p:extLst>
-              <p:ext uri="{386F3935-93C4-4BCD-93E2-E3B085C9AB24}">
-                <p16:designElem xmlns:p16="http://schemas.microsoft.com/office/powerpoint/2015/main" val="1"/>
-              </p:ext>
-            </p:extLst>
-          </p:nvPr>
-        </p:nvPicPr>
-        <p:blipFill>
-          <a:blip r:embed="rId2">
-            <a:extLst>
-              <a:ext uri="{28A0092B-C50C-407E-A947-70E740481C1C}">
-                <a14:useLocalDpi xmlns:a14="http://schemas.microsoft.com/office/drawing/2010/main" val="0"/>
-              </a:ext>
-            </a:extLst>
-          </a:blip>
-          <a:stretch>
-            <a:fillRect/>
-          </a:stretch>
-        </p:blipFill>
-        <p:spPr>
-          <a:xfrm>
-            <a:off x="0" y="0"/>
-            <a:ext cx="12192000" cy="6858000"/>
-          </a:xfrm>
-          <a:prstGeom prst="rect">
-            <a:avLst/>
-          </a:prstGeom>
-        </p:spPr>
-      </p:pic>
-      <p:sp>
-        <p:nvSpPr>
-          <p:cNvPr id="2" name="Titel 1">
-            <a:extLst>
-              <a:ext uri="{FF2B5EF4-FFF2-40B4-BE49-F238E27FC236}">
-                <a16:creationId xmlns:a16="http://schemas.microsoft.com/office/drawing/2014/main" id="{9F911658-3497-45FE-B8DE-51AAAA6C7586}"/>
-              </a:ext>
-            </a:extLst>
-          </p:cNvPr>
-          <p:cNvSpPr>
-            <a:spLocks noGrp="1"/>
-          </p:cNvSpPr>
-          <p:nvPr>
-            <p:ph type="title"/>
-          </p:nvPr>
-        </p:nvSpPr>
-        <p:spPr>
-          <a:xfrm>
-            <a:off x="640079" y="2053641"/>
-            <a:ext cx="3669161" cy="2760098"/>
-          </a:xfrm>
-        </p:spPr>
-        <p:txBody>
-          <a:bodyPr>
-            <a:normAutofit/>
-          </a:bodyPr>
-          <a:lstStyle/>
-          <a:p>
-            <a:r>
-              <a:rPr lang="en-GB">
-                <a:solidFill>
-                  <a:srgbClr val="FFFFFF"/>
-                </a:solidFill>
-              </a:rPr>
-              <a:t>Problems on the way</a:t>
-            </a:r>
-            <a:endParaRPr lang="en-GB" dirty="0">
-              <a:solidFill>
-                <a:srgbClr val="FFFFFF"/>
-              </a:solidFill>
-            </a:endParaRPr>
-          </a:p>
-        </p:txBody>
-      </p:sp>
-      <p:sp>
-        <p:nvSpPr>
-          <p:cNvPr id="52" name="Content Placeholder 9">
-            <a:extLst>
-              <a:ext uri="{FF2B5EF4-FFF2-40B4-BE49-F238E27FC236}">
-                <a16:creationId xmlns:a16="http://schemas.microsoft.com/office/drawing/2014/main" id="{2CB2D89F-CCCF-4F2B-9968-21C18C3406DE}"/>
-              </a:ext>
-            </a:extLst>
-          </p:cNvPr>
-          <p:cNvSpPr>
-            <a:spLocks noGrp="1"/>
-          </p:cNvSpPr>
-          <p:nvPr>
-            <p:ph idx="1"/>
-          </p:nvPr>
-        </p:nvSpPr>
-        <p:spPr>
-          <a:xfrm>
-            <a:off x="6090574" y="801866"/>
-            <a:ext cx="5306084" cy="5230634"/>
-          </a:xfrm>
-        </p:spPr>
-        <p:txBody>
-          <a:bodyPr anchor="ctr">
-            <a:normAutofit/>
-          </a:bodyPr>
-          <a:lstStyle/>
-          <a:p>
-            <a:r>
-              <a:rPr lang="en-US" sz="2400">
-                <a:solidFill>
-                  <a:srgbClr val="000000"/>
-                </a:solidFill>
-              </a:rPr>
-              <a:t>Too long strip</a:t>
-            </a:r>
-          </a:p>
-          <a:p>
-            <a:r>
-              <a:rPr lang="en-US" sz="2400">
-                <a:solidFill>
-                  <a:srgbClr val="000000"/>
-                </a:solidFill>
-              </a:rPr>
-              <a:t>Not enough power</a:t>
-            </a:r>
-          </a:p>
-          <a:p>
-            <a:r>
-              <a:rPr lang="en-US" sz="2400">
-                <a:solidFill>
-                  <a:srgbClr val="000000"/>
-                </a:solidFill>
-              </a:rPr>
-              <a:t>Flickering</a:t>
-            </a:r>
-          </a:p>
-          <a:p>
-            <a:r>
-              <a:rPr lang="en-US" sz="2400">
-                <a:solidFill>
-                  <a:srgbClr val="000000"/>
-                </a:solidFill>
-              </a:rPr>
-              <a:t>Buttons</a:t>
-            </a:r>
-          </a:p>
-        </p:txBody>
-      </p:sp>
+      </p:cxnSp>
     </p:spTree>
     <p:extLst>
       <p:ext uri="{BB962C8B-B14F-4D97-AF65-F5344CB8AC3E}">
-        <p14:creationId xmlns:p14="http://schemas.microsoft.com/office/powerpoint/2010/main" val="586020942"/>
+        <p14:creationId xmlns:p14="http://schemas.microsoft.com/office/powerpoint/2010/main" val="867894399"/>
       </p:ext>
     </p:extLst>
   </p:cSld>
@@ -5185,12 +4914,47 @@
           <a:chExt cx="0" cy="0"/>
         </a:xfrm>
       </p:grpSpPr>
-      <p:sp useBgFill="1">
-        <p:nvSpPr>
-          <p:cNvPr id="41" name="Rectangle 40">
-            <a:extLst>
-              <a:ext uri="{FF2B5EF4-FFF2-40B4-BE49-F238E27FC236}">
-                <a16:creationId xmlns:a16="http://schemas.microsoft.com/office/drawing/2014/main" id="{3B854194-185D-494D-905C-7C7CB2E30F6E}"/>
+      <p:pic>
+        <p:nvPicPr>
+          <p:cNvPr id="6" name="Grafik 5" descr="Ein Bild, das Boden, drinnen, rot, sitzend enthält.&#10;&#10;Mit sehr hoher Zuverlässigkeit generierte Beschreibung">
+            <a:extLst>
+              <a:ext uri="{FF2B5EF4-FFF2-40B4-BE49-F238E27FC236}">
+                <a16:creationId xmlns:a16="http://schemas.microsoft.com/office/drawing/2014/main" id="{0B8A8427-A142-4430-B17E-A5B39ACB38BB}"/>
+              </a:ext>
+            </a:extLst>
+          </p:cNvPr>
+          <p:cNvPicPr>
+            <a:picLocks noChangeAspect="1"/>
+          </p:cNvPicPr>
+          <p:nvPr/>
+        </p:nvPicPr>
+        <p:blipFill rotWithShape="1">
+          <a:blip r:embed="rId2">
+            <a:extLst>
+              <a:ext uri="{28A0092B-C50C-407E-A947-70E740481C1C}">
+                <a14:useLocalDpi xmlns:a14="http://schemas.microsoft.com/office/drawing/2010/main" val="0"/>
+              </a:ext>
+            </a:extLst>
+          </a:blip>
+          <a:srcRect t="16497" b="8503"/>
+          <a:stretch/>
+        </p:blipFill>
+        <p:spPr>
+          <a:xfrm>
+            <a:off x="-1" y="10"/>
+            <a:ext cx="12192000" cy="6857990"/>
+          </a:xfrm>
+          <a:prstGeom prst="rect">
+            <a:avLst/>
+          </a:prstGeom>
+        </p:spPr>
+      </p:pic>
+      <p:sp>
+        <p:nvSpPr>
+          <p:cNvPr id="77" name="Freeform 5">
+            <a:extLst>
+              <a:ext uri="{FF2B5EF4-FFF2-40B4-BE49-F238E27FC236}">
+                <a16:creationId xmlns:a16="http://schemas.microsoft.com/office/drawing/2014/main" id="{3CD9DF72-87A3-404E-A828-84CBF11A8303}"/>
               </a:ext>
               <a:ext uri="{C183D7F6-B498-43B3-948B-1728B52AA6E4}">
                 <adec:decorative xmlns:adec="http://schemas.microsoft.com/office/drawing/2017/decorative" val="1"/>
@@ -5208,232 +4972,238 @@
             </p:extLst>
           </p:nvPr>
         </p:nvSpPr>
+        <p:spPr bwMode="grayWhite">
+          <a:xfrm flipH="1">
+            <a:off x="0" y="998175"/>
+            <a:ext cx="6017172" cy="5859825"/>
+          </a:xfrm>
+          <a:custGeom>
+            <a:avLst/>
+            <a:gdLst>
+              <a:gd name="T0" fmla="*/ 1333 w 1333"/>
+              <a:gd name="T1" fmla="*/ 1031 h 1298"/>
+              <a:gd name="T2" fmla="*/ 1333 w 1333"/>
+              <a:gd name="T3" fmla="*/ 380 h 1298"/>
+              <a:gd name="T4" fmla="*/ 706 w 1333"/>
+              <a:gd name="T5" fmla="*/ 0 h 1298"/>
+              <a:gd name="T6" fmla="*/ 0 w 1333"/>
+              <a:gd name="T7" fmla="*/ 706 h 1298"/>
+              <a:gd name="T8" fmla="*/ 323 w 1333"/>
+              <a:gd name="T9" fmla="*/ 1298 h 1298"/>
+              <a:gd name="T10" fmla="*/ 1090 w 1333"/>
+              <a:gd name="T11" fmla="*/ 1298 h 1298"/>
+              <a:gd name="T12" fmla="*/ 1333 w 1333"/>
+              <a:gd name="T13" fmla="*/ 1031 h 1298"/>
+            </a:gdLst>
+            <a:ahLst/>
+            <a:cxnLst>
+              <a:cxn ang="0">
+                <a:pos x="T0" y="T1"/>
+              </a:cxn>
+              <a:cxn ang="0">
+                <a:pos x="T2" y="T3"/>
+              </a:cxn>
+              <a:cxn ang="0">
+                <a:pos x="T4" y="T5"/>
+              </a:cxn>
+              <a:cxn ang="0">
+                <a:pos x="T6" y="T7"/>
+              </a:cxn>
+              <a:cxn ang="0">
+                <a:pos x="T8" y="T9"/>
+              </a:cxn>
+              <a:cxn ang="0">
+                <a:pos x="T10" y="T11"/>
+              </a:cxn>
+              <a:cxn ang="0">
+                <a:pos x="T12" y="T13"/>
+              </a:cxn>
+            </a:cxnLst>
+            <a:rect l="0" t="0" r="r" b="b"/>
+            <a:pathLst>
+              <a:path w="1333" h="1298">
+                <a:moveTo>
+                  <a:pt x="1333" y="1031"/>
+                </a:moveTo>
+                <a:cubicBezTo>
+                  <a:pt x="1333" y="380"/>
+                  <a:pt x="1333" y="380"/>
+                  <a:pt x="1333" y="380"/>
+                </a:cubicBezTo>
+                <a:cubicBezTo>
+                  <a:pt x="1215" y="154"/>
+                  <a:pt x="979" y="0"/>
+                  <a:pt x="706" y="0"/>
+                </a:cubicBezTo>
+                <a:cubicBezTo>
+                  <a:pt x="317" y="0"/>
+                  <a:pt x="0" y="316"/>
+                  <a:pt x="0" y="706"/>
+                </a:cubicBezTo>
+                <a:cubicBezTo>
+                  <a:pt x="0" y="954"/>
+                  <a:pt x="129" y="1172"/>
+                  <a:pt x="323" y="1298"/>
+                </a:cubicBezTo>
+                <a:cubicBezTo>
+                  <a:pt x="1090" y="1298"/>
+                  <a:pt x="1090" y="1298"/>
+                  <a:pt x="1090" y="1298"/>
+                </a:cubicBezTo>
+                <a:cubicBezTo>
+                  <a:pt x="1193" y="1232"/>
+                  <a:pt x="1276" y="1140"/>
+                  <a:pt x="1333" y="1031"/>
+                </a:cubicBezTo>
+                <a:close/>
+              </a:path>
+            </a:pathLst>
+          </a:custGeom>
+          <a:solidFill>
+            <a:schemeClr val="bg1">
+              <a:alpha val="75000"/>
+            </a:schemeClr>
+          </a:solidFill>
+          <a:ln w="50800" cap="sq" cmpd="dbl">
+            <a:noFill/>
+            <a:miter lim="800000"/>
+          </a:ln>
+          <a:effectLst/>
+          <a:extLst/>
+        </p:spPr>
+        <p:txBody>
+          <a:bodyPr vert="horz" lIns="91440" tIns="45720" rIns="91440" bIns="45720" rtlCol="0" anchor="t">
+            <a:normAutofit/>
+          </a:bodyPr>
+          <a:lstStyle/>
+          <a:p>
+            <a:pPr algn="ctr">
+              <a:spcAft>
+                <a:spcPts val="1000"/>
+              </a:spcAft>
+              <a:buClr>
+                <a:schemeClr val="tx1"/>
+              </a:buClr>
+              <a:buSzPct val="100000"/>
+              <a:buFont typeface="Arial"/>
+              <a:buNone/>
+            </a:pPr>
+            <a:endParaRPr lang="en-US" sz="1600" cap="all"/>
+          </a:p>
+        </p:txBody>
+      </p:sp>
+      <p:sp>
+        <p:nvSpPr>
+          <p:cNvPr id="2" name="Titel 1">
+            <a:extLst>
+              <a:ext uri="{FF2B5EF4-FFF2-40B4-BE49-F238E27FC236}">
+                <a16:creationId xmlns:a16="http://schemas.microsoft.com/office/drawing/2014/main" id="{9F911658-3497-45FE-B8DE-51AAAA6C7586}"/>
+              </a:ext>
+            </a:extLst>
+          </p:cNvPr>
+          <p:cNvSpPr>
+            <a:spLocks noGrp="1"/>
+          </p:cNvSpPr>
+          <p:nvPr>
+            <p:ph type="title"/>
+          </p:nvPr>
+        </p:nvSpPr>
         <p:spPr>
           <a:xfrm>
-            <a:off x="1" y="0"/>
-            <a:ext cx="6082110" cy="6858000"/>
+            <a:off x="709448" y="1913950"/>
+            <a:ext cx="4204137" cy="1342754"/>
           </a:xfrm>
-          <a:prstGeom prst="rect">
+        </p:spPr>
+        <p:txBody>
+          <a:bodyPr>
+            <a:normAutofit/>
+          </a:bodyPr>
+          <a:lstStyle/>
+          <a:p>
+            <a:pPr algn="ctr"/>
+            <a:r>
+              <a:rPr lang="en-GB" sz="3600"/>
+              <a:t>Problems on the way</a:t>
+            </a:r>
+          </a:p>
+        </p:txBody>
+      </p:sp>
+      <p:cxnSp>
+        <p:nvCxnSpPr>
+          <p:cNvPr id="79" name="Straight Connector 78">
+            <a:extLst>
+              <a:ext uri="{FF2B5EF4-FFF2-40B4-BE49-F238E27FC236}">
+                <a16:creationId xmlns:a16="http://schemas.microsoft.com/office/drawing/2014/main" id="{20E3A342-4D61-4E3F-AF90-1AB42AEB96CC}"/>
+              </a:ext>
+              <a:ext uri="{C183D7F6-B498-43B3-948B-1728B52AA6E4}">
+                <adec:decorative xmlns:adec="http://schemas.microsoft.com/office/drawing/2017/decorative" val="1"/>
+              </a:ext>
+            </a:extLst>
+          </p:cNvPr>
+          <p:cNvCxnSpPr>
+            <a:cxnSpLocks noGrp="1" noRot="1" noChangeAspect="1" noMove="1" noResize="1" noEditPoints="1" noAdjustHandles="1" noChangeArrowheads="1" noChangeShapeType="1"/>
+          </p:cNvCxnSpPr>
+          <p:nvPr>
+            <p:extLst>
+              <p:ext uri="{386F3935-93C4-4BCD-93E2-E3B085C9AB24}">
+                <p16:designElem xmlns:p16="http://schemas.microsoft.com/office/powerpoint/2015/main" val="1"/>
+              </p:ext>
+            </p:extLst>
+          </p:nvPr>
+        </p:nvCxnSpPr>
+        <p:spPr>
+          <a:xfrm>
+            <a:off x="2287051" y="3337139"/>
+            <a:ext cx="935420" cy="0"/>
+          </a:xfrm>
+          <a:prstGeom prst="line">
             <a:avLst/>
           </a:prstGeom>
-          <a:ln>
-            <a:noFill/>
+          <a:ln w="25400" cap="sq">
+            <a:solidFill>
+              <a:schemeClr val="tx1">
+                <a:lumMod val="85000"/>
+                <a:lumOff val="15000"/>
+              </a:schemeClr>
+            </a:solidFill>
+            <a:bevel/>
           </a:ln>
         </p:spPr>
         <p:style>
-          <a:lnRef idx="2">
-            <a:schemeClr val="accent1">
-              <a:shade val="50000"/>
-            </a:schemeClr>
+          <a:lnRef idx="1">
+            <a:schemeClr val="accent1"/>
           </a:lnRef>
-          <a:fillRef idx="1">
+          <a:fillRef idx="0">
             <a:schemeClr val="accent1"/>
           </a:fillRef>
           <a:effectRef idx="0">
             <a:schemeClr val="accent1"/>
           </a:effectRef>
           <a:fontRef idx="minor">
-            <a:schemeClr val="lt1"/>
+            <a:schemeClr val="tx1"/>
           </a:fontRef>
         </p:style>
-        <p:txBody>
-          <a:bodyPr rtlCol="0" anchor="ctr"/>
-          <a:lstStyle/>
-          <a:p>
-            <a:pPr algn="ctr"/>
-            <a:endParaRPr lang="en-US"/>
-          </a:p>
-        </p:txBody>
-      </p:sp>
-      <p:sp>
-        <p:nvSpPr>
-          <p:cNvPr id="43" name="Rectangle 42">
-            <a:extLst>
-              <a:ext uri="{FF2B5EF4-FFF2-40B4-BE49-F238E27FC236}">
-                <a16:creationId xmlns:a16="http://schemas.microsoft.com/office/drawing/2014/main" id="{B4F5FA0D-0104-4987-8241-EFF7C85B88DE}"/>
-              </a:ext>
-              <a:ext uri="{C183D7F6-B498-43B3-948B-1728B52AA6E4}">
-                <adec:decorative xmlns:adec="http://schemas.microsoft.com/office/drawing/2017/decorative" val="1"/>
-              </a:ext>
-            </a:extLst>
-          </p:cNvPr>
-          <p:cNvSpPr>
-            <a:spLocks noGrp="1" noRot="1" noChangeAspect="1" noMove="1" noResize="1" noEditPoints="1" noAdjustHandles="1" noChangeArrowheads="1" noChangeShapeType="1" noTextEdit="1"/>
-          </p:cNvSpPr>
-          <p:nvPr>
-            <p:extLst>
-              <p:ext uri="{386F3935-93C4-4BCD-93E2-E3B085C9AB24}">
-                <p16:designElem xmlns:p16="http://schemas.microsoft.com/office/powerpoint/2015/main" val="1"/>
-              </p:ext>
-            </p:extLst>
+      </p:cxnSp>
+      <p:sp>
+        <p:nvSpPr>
+          <p:cNvPr id="52" name="Content Placeholder 9">
+            <a:extLst>
+              <a:ext uri="{FF2B5EF4-FFF2-40B4-BE49-F238E27FC236}">
+                <a16:creationId xmlns:a16="http://schemas.microsoft.com/office/drawing/2014/main" id="{2CB2D89F-CCCF-4F2B-9968-21C18C3406DE}"/>
+              </a:ext>
+            </a:extLst>
+          </p:cNvPr>
+          <p:cNvSpPr>
+            <a:spLocks noGrp="1"/>
+          </p:cNvSpPr>
+          <p:nvPr>
+            <p:ph idx="1"/>
           </p:nvPr>
         </p:nvSpPr>
         <p:spPr>
           <a:xfrm>
-            <a:off x="1" y="0"/>
-            <a:ext cx="12191998" cy="6858000"/>
-          </a:xfrm>
-          <a:prstGeom prst="rect">
-            <a:avLst/>
-          </a:prstGeom>
-          <a:gradFill>
-            <a:gsLst>
-              <a:gs pos="0">
-                <a:schemeClr val="accent1">
-                  <a:lumMod val="90000"/>
-                </a:schemeClr>
-              </a:gs>
-              <a:gs pos="25000">
-                <a:schemeClr val="accent1">
-                  <a:lumMod val="90000"/>
-                </a:schemeClr>
-              </a:gs>
-              <a:gs pos="94000">
-                <a:schemeClr val="bg2">
-                  <a:lumMod val="25000"/>
-                </a:schemeClr>
-              </a:gs>
-              <a:gs pos="100000">
-                <a:schemeClr val="bg2">
-                  <a:lumMod val="25000"/>
-                </a:schemeClr>
-              </a:gs>
-            </a:gsLst>
-            <a:lin ang="4200000" scaled="0"/>
-          </a:gradFill>
-          <a:ln>
-            <a:noFill/>
-          </a:ln>
-        </p:spPr>
-        <p:style>
-          <a:lnRef idx="2">
-            <a:schemeClr val="accent1">
-              <a:shade val="50000"/>
-            </a:schemeClr>
-          </a:lnRef>
-          <a:fillRef idx="1">
-            <a:schemeClr val="accent1"/>
-          </a:fillRef>
-          <a:effectRef idx="0">
-            <a:schemeClr val="accent1"/>
-          </a:effectRef>
-          <a:fontRef idx="minor">
-            <a:schemeClr val="lt1"/>
-          </a:fontRef>
-        </p:style>
-        <p:txBody>
-          <a:bodyPr rtlCol="0" anchor="ctr"/>
-          <a:lstStyle/>
-          <a:p>
-            <a:pPr algn="ctr"/>
-            <a:endParaRPr lang="en-US"/>
-          </a:p>
-        </p:txBody>
-      </p:sp>
-      <p:pic>
-        <p:nvPicPr>
-          <p:cNvPr id="45" name="Picture 44">
-            <a:extLst>
-              <a:ext uri="{FF2B5EF4-FFF2-40B4-BE49-F238E27FC236}">
-                <a16:creationId xmlns:a16="http://schemas.microsoft.com/office/drawing/2014/main" id="{2897127E-6CEF-446C-BE87-93B7C46E49D1}"/>
-              </a:ext>
-              <a:ext uri="{C183D7F6-B498-43B3-948B-1728B52AA6E4}">
-                <adec:decorative xmlns:adec="http://schemas.microsoft.com/office/drawing/2017/decorative" val="1"/>
-              </a:ext>
-            </a:extLst>
-          </p:cNvPr>
-          <p:cNvPicPr>
-            <a:picLocks noGrp="1" noRot="1" noChangeAspect="1" noMove="1" noResize="1" noEditPoints="1" noAdjustHandles="1" noChangeArrowheads="1" noChangeShapeType="1" noCrop="1"/>
-          </p:cNvPicPr>
-          <p:nvPr>
-            <p:extLst>
-              <p:ext uri="{386F3935-93C4-4BCD-93E2-E3B085C9AB24}">
-                <p16:designElem xmlns:p16="http://schemas.microsoft.com/office/powerpoint/2015/main" val="1"/>
-              </p:ext>
-            </p:extLst>
-          </p:nvPr>
-        </p:nvPicPr>
-        <p:blipFill>
-          <a:blip r:embed="rId2">
-            <a:extLst>
-              <a:ext uri="{28A0092B-C50C-407E-A947-70E740481C1C}">
-                <a14:useLocalDpi xmlns:a14="http://schemas.microsoft.com/office/drawing/2010/main" val="0"/>
-              </a:ext>
-            </a:extLst>
-          </a:blip>
-          <a:stretch>
-            <a:fillRect/>
-          </a:stretch>
-        </p:blipFill>
-        <p:spPr>
-          <a:xfrm>
-            <a:off x="0" y="0"/>
-            <a:ext cx="12192000" cy="6858000"/>
-          </a:xfrm>
-          <a:prstGeom prst="rect">
-            <a:avLst/>
-          </a:prstGeom>
-        </p:spPr>
-      </p:pic>
-      <p:sp>
-        <p:nvSpPr>
-          <p:cNvPr id="2" name="Titel 1">
-            <a:extLst>
-              <a:ext uri="{FF2B5EF4-FFF2-40B4-BE49-F238E27FC236}">
-                <a16:creationId xmlns:a16="http://schemas.microsoft.com/office/drawing/2014/main" id="{9F911658-3497-45FE-B8DE-51AAAA6C7586}"/>
-              </a:ext>
-            </a:extLst>
-          </p:cNvPr>
-          <p:cNvSpPr>
-            <a:spLocks noGrp="1"/>
-          </p:cNvSpPr>
-          <p:nvPr>
-            <p:ph type="title"/>
-          </p:nvPr>
-        </p:nvSpPr>
-        <p:spPr>
-          <a:xfrm>
-            <a:off x="640079" y="2053641"/>
-            <a:ext cx="3669161" cy="2760098"/>
-          </a:xfrm>
-        </p:spPr>
-        <p:txBody>
-          <a:bodyPr>
-            <a:normAutofit/>
-          </a:bodyPr>
-          <a:lstStyle/>
-          <a:p>
-            <a:r>
-              <a:rPr lang="en-GB">
-                <a:solidFill>
-                  <a:srgbClr val="FFFFFF"/>
-                </a:solidFill>
-              </a:rPr>
-              <a:t>Lessons Learned</a:t>
-            </a:r>
-          </a:p>
-        </p:txBody>
-      </p:sp>
-      <p:sp>
-        <p:nvSpPr>
-          <p:cNvPr id="10" name="Content Placeholder 9">
-            <a:extLst>
-              <a:ext uri="{FF2B5EF4-FFF2-40B4-BE49-F238E27FC236}">
-                <a16:creationId xmlns:a16="http://schemas.microsoft.com/office/drawing/2014/main" id="{2CB2D89F-CCCF-4F2B-9968-21C18C3406DE}"/>
-              </a:ext>
-            </a:extLst>
-          </p:cNvPr>
-          <p:cNvSpPr>
-            <a:spLocks noGrp="1"/>
-          </p:cNvSpPr>
-          <p:nvPr>
-            <p:ph idx="1"/>
-          </p:nvPr>
-        </p:nvSpPr>
-        <p:spPr>
-          <a:xfrm>
-            <a:off x="6090574" y="801866"/>
-            <a:ext cx="5306084" cy="5230634"/>
+            <a:off x="525516" y="3417573"/>
+            <a:ext cx="4593021" cy="2619839"/>
           </a:xfrm>
         </p:spPr>
         <p:txBody>
@@ -5443,47 +5213,34 @@
           <a:lstStyle/>
           <a:p>
             <a:r>
-              <a:rPr lang="en-US" sz="2400" dirty="0">
-                <a:solidFill>
-                  <a:srgbClr val="000000"/>
-                </a:solidFill>
-              </a:rPr>
-              <a:t>Code-and-Fix</a:t>
-            </a:r>
-          </a:p>
-          <a:p>
-            <a:r>
-              <a:rPr lang="en-US" sz="2400" dirty="0">
-                <a:solidFill>
-                  <a:srgbClr val="000000"/>
-                </a:solidFill>
-              </a:rPr>
-              <a:t>More Brainstorming</a:t>
-            </a:r>
-          </a:p>
-          <a:p>
-            <a:r>
-              <a:rPr lang="en-US" sz="2400" dirty="0">
-                <a:solidFill>
-                  <a:srgbClr val="000000"/>
-                </a:solidFill>
-              </a:rPr>
-              <a:t>Take notes</a:t>
-            </a:r>
-          </a:p>
-          <a:p>
-            <a:endParaRPr lang="en-US" sz="2400" dirty="0">
-              <a:solidFill>
-                <a:srgbClr val="000000"/>
-              </a:solidFill>
-            </a:endParaRPr>
+              <a:rPr lang="en-US" sz="1800"/>
+              <a:t>Too long strip</a:t>
+            </a:r>
+          </a:p>
+          <a:p>
+            <a:r>
+              <a:rPr lang="en-US" sz="1800"/>
+              <a:t>Not enough power</a:t>
+            </a:r>
+          </a:p>
+          <a:p>
+            <a:r>
+              <a:rPr lang="en-US" sz="1800"/>
+              <a:t>Flickering</a:t>
+            </a:r>
+          </a:p>
+          <a:p>
+            <a:r>
+              <a:rPr lang="en-US" sz="1800"/>
+              <a:t>Buttons</a:t>
+            </a:r>
           </a:p>
         </p:txBody>
       </p:sp>
     </p:spTree>
     <p:extLst>
       <p:ext uri="{BB962C8B-B14F-4D97-AF65-F5344CB8AC3E}">
-        <p14:creationId xmlns:p14="http://schemas.microsoft.com/office/powerpoint/2010/main" val="1157231479"/>
+        <p14:creationId xmlns:p14="http://schemas.microsoft.com/office/powerpoint/2010/main" val="586020942"/>
       </p:ext>
     </p:extLst>
   </p:cSld>
@@ -5526,12 +5283,47 @@
           <a:chExt cx="0" cy="0"/>
         </a:xfrm>
       </p:grpSpPr>
-      <p:sp>
-        <p:nvSpPr>
-          <p:cNvPr id="15" name="Rectangle 14">
-            <a:extLst>
-              <a:ext uri="{FF2B5EF4-FFF2-40B4-BE49-F238E27FC236}">
-                <a16:creationId xmlns:a16="http://schemas.microsoft.com/office/drawing/2014/main" id="{B4F5FA0D-0104-4987-8241-EFF7C85B88DE}"/>
+      <p:pic>
+        <p:nvPicPr>
+          <p:cNvPr id="4" name="Grafik 3" descr="Ein Bild, das Boden, drinnen, rot, sitzend enthält.&#10;&#10;Mit sehr hoher Zuverlässigkeit generierte Beschreibung">
+            <a:extLst>
+              <a:ext uri="{FF2B5EF4-FFF2-40B4-BE49-F238E27FC236}">
+                <a16:creationId xmlns:a16="http://schemas.microsoft.com/office/drawing/2014/main" id="{31DC2CF7-D39B-4C82-999D-205421B5D769}"/>
+              </a:ext>
+            </a:extLst>
+          </p:cNvPr>
+          <p:cNvPicPr>
+            <a:picLocks noChangeAspect="1"/>
+          </p:cNvPicPr>
+          <p:nvPr/>
+        </p:nvPicPr>
+        <p:blipFill rotWithShape="1">
+          <a:blip r:embed="rId2">
+            <a:extLst>
+              <a:ext uri="{28A0092B-C50C-407E-A947-70E740481C1C}">
+                <a14:useLocalDpi xmlns:a14="http://schemas.microsoft.com/office/drawing/2010/main" val="0"/>
+              </a:ext>
+            </a:extLst>
+          </a:blip>
+          <a:srcRect t="16497" b="8503"/>
+          <a:stretch/>
+        </p:blipFill>
+        <p:spPr>
+          <a:xfrm>
+            <a:off x="-1" y="10"/>
+            <a:ext cx="12192000" cy="6857990"/>
+          </a:xfrm>
+          <a:prstGeom prst="rect">
+            <a:avLst/>
+          </a:prstGeom>
+        </p:spPr>
+      </p:pic>
+      <p:sp>
+        <p:nvSpPr>
+          <p:cNvPr id="57" name="Freeform 5">
+            <a:extLst>
+              <a:ext uri="{FF2B5EF4-FFF2-40B4-BE49-F238E27FC236}">
+                <a16:creationId xmlns:a16="http://schemas.microsoft.com/office/drawing/2014/main" id="{3CD9DF72-87A3-404E-A828-84CBF11A8303}"/>
               </a:ext>
               <a:ext uri="{C183D7F6-B498-43B3-948B-1728B52AA6E4}">
                 <adec:decorative xmlns:adec="http://schemas.microsoft.com/office/drawing/2017/decorative" val="1"/>
@@ -5549,92 +5341,331 @@
             </p:extLst>
           </p:nvPr>
         </p:nvSpPr>
+        <p:spPr bwMode="grayWhite">
+          <a:xfrm flipH="1">
+            <a:off x="0" y="998175"/>
+            <a:ext cx="6017172" cy="5859825"/>
+          </a:xfrm>
+          <a:custGeom>
+            <a:avLst/>
+            <a:gdLst>
+              <a:gd name="T0" fmla="*/ 1333 w 1333"/>
+              <a:gd name="T1" fmla="*/ 1031 h 1298"/>
+              <a:gd name="T2" fmla="*/ 1333 w 1333"/>
+              <a:gd name="T3" fmla="*/ 380 h 1298"/>
+              <a:gd name="T4" fmla="*/ 706 w 1333"/>
+              <a:gd name="T5" fmla="*/ 0 h 1298"/>
+              <a:gd name="T6" fmla="*/ 0 w 1333"/>
+              <a:gd name="T7" fmla="*/ 706 h 1298"/>
+              <a:gd name="T8" fmla="*/ 323 w 1333"/>
+              <a:gd name="T9" fmla="*/ 1298 h 1298"/>
+              <a:gd name="T10" fmla="*/ 1090 w 1333"/>
+              <a:gd name="T11" fmla="*/ 1298 h 1298"/>
+              <a:gd name="T12" fmla="*/ 1333 w 1333"/>
+              <a:gd name="T13" fmla="*/ 1031 h 1298"/>
+            </a:gdLst>
+            <a:ahLst/>
+            <a:cxnLst>
+              <a:cxn ang="0">
+                <a:pos x="T0" y="T1"/>
+              </a:cxn>
+              <a:cxn ang="0">
+                <a:pos x="T2" y="T3"/>
+              </a:cxn>
+              <a:cxn ang="0">
+                <a:pos x="T4" y="T5"/>
+              </a:cxn>
+              <a:cxn ang="0">
+                <a:pos x="T6" y="T7"/>
+              </a:cxn>
+              <a:cxn ang="0">
+                <a:pos x="T8" y="T9"/>
+              </a:cxn>
+              <a:cxn ang="0">
+                <a:pos x="T10" y="T11"/>
+              </a:cxn>
+              <a:cxn ang="0">
+                <a:pos x="T12" y="T13"/>
+              </a:cxn>
+            </a:cxnLst>
+            <a:rect l="0" t="0" r="r" b="b"/>
+            <a:pathLst>
+              <a:path w="1333" h="1298">
+                <a:moveTo>
+                  <a:pt x="1333" y="1031"/>
+                </a:moveTo>
+                <a:cubicBezTo>
+                  <a:pt x="1333" y="380"/>
+                  <a:pt x="1333" y="380"/>
+                  <a:pt x="1333" y="380"/>
+                </a:cubicBezTo>
+                <a:cubicBezTo>
+                  <a:pt x="1215" y="154"/>
+                  <a:pt x="979" y="0"/>
+                  <a:pt x="706" y="0"/>
+                </a:cubicBezTo>
+                <a:cubicBezTo>
+                  <a:pt x="317" y="0"/>
+                  <a:pt x="0" y="316"/>
+                  <a:pt x="0" y="706"/>
+                </a:cubicBezTo>
+                <a:cubicBezTo>
+                  <a:pt x="0" y="954"/>
+                  <a:pt x="129" y="1172"/>
+                  <a:pt x="323" y="1298"/>
+                </a:cubicBezTo>
+                <a:cubicBezTo>
+                  <a:pt x="1090" y="1298"/>
+                  <a:pt x="1090" y="1298"/>
+                  <a:pt x="1090" y="1298"/>
+                </a:cubicBezTo>
+                <a:cubicBezTo>
+                  <a:pt x="1193" y="1232"/>
+                  <a:pt x="1276" y="1140"/>
+                  <a:pt x="1333" y="1031"/>
+                </a:cubicBezTo>
+                <a:close/>
+              </a:path>
+            </a:pathLst>
+          </a:custGeom>
+          <a:solidFill>
+            <a:schemeClr val="bg1">
+              <a:alpha val="75000"/>
+            </a:schemeClr>
+          </a:solidFill>
+          <a:ln w="50800" cap="sq" cmpd="dbl">
+            <a:noFill/>
+            <a:miter lim="800000"/>
+          </a:ln>
+          <a:effectLst/>
+          <a:extLst/>
+        </p:spPr>
+        <p:txBody>
+          <a:bodyPr vert="horz" lIns="91440" tIns="45720" rIns="91440" bIns="45720" rtlCol="0" anchor="t">
+            <a:normAutofit/>
+          </a:bodyPr>
+          <a:lstStyle/>
+          <a:p>
+            <a:pPr algn="ctr">
+              <a:spcAft>
+                <a:spcPts val="1000"/>
+              </a:spcAft>
+              <a:buClr>
+                <a:schemeClr val="tx1"/>
+              </a:buClr>
+              <a:buSzPct val="100000"/>
+              <a:buFont typeface="Arial"/>
+              <a:buNone/>
+            </a:pPr>
+            <a:endParaRPr lang="en-US" sz="1600" cap="all"/>
+          </a:p>
+        </p:txBody>
+      </p:sp>
+      <p:sp>
+        <p:nvSpPr>
+          <p:cNvPr id="2" name="Titel 1">
+            <a:extLst>
+              <a:ext uri="{FF2B5EF4-FFF2-40B4-BE49-F238E27FC236}">
+                <a16:creationId xmlns:a16="http://schemas.microsoft.com/office/drawing/2014/main" id="{9F911658-3497-45FE-B8DE-51AAAA6C7586}"/>
+              </a:ext>
+            </a:extLst>
+          </p:cNvPr>
+          <p:cNvSpPr>
+            <a:spLocks noGrp="1"/>
+          </p:cNvSpPr>
+          <p:nvPr>
+            <p:ph type="title"/>
+          </p:nvPr>
+        </p:nvSpPr>
         <p:spPr>
           <a:xfrm>
-            <a:off x="1" y="0"/>
-            <a:ext cx="6090572" cy="6858000"/>
+            <a:off x="709448" y="1913950"/>
+            <a:ext cx="4204137" cy="1342754"/>
           </a:xfrm>
-          <a:prstGeom prst="rect">
+        </p:spPr>
+        <p:txBody>
+          <a:bodyPr>
+            <a:normAutofit/>
+          </a:bodyPr>
+          <a:lstStyle/>
+          <a:p>
+            <a:pPr algn="ctr"/>
+            <a:r>
+              <a:rPr lang="en-GB" sz="3600"/>
+              <a:t>Lessons Learned</a:t>
+            </a:r>
+          </a:p>
+        </p:txBody>
+      </p:sp>
+      <p:cxnSp>
+        <p:nvCxnSpPr>
+          <p:cNvPr id="59" name="Straight Connector 58">
+            <a:extLst>
+              <a:ext uri="{FF2B5EF4-FFF2-40B4-BE49-F238E27FC236}">
+                <a16:creationId xmlns:a16="http://schemas.microsoft.com/office/drawing/2014/main" id="{20E3A342-4D61-4E3F-AF90-1AB42AEB96CC}"/>
+              </a:ext>
+              <a:ext uri="{C183D7F6-B498-43B3-948B-1728B52AA6E4}">
+                <adec:decorative xmlns:adec="http://schemas.microsoft.com/office/drawing/2017/decorative" val="1"/>
+              </a:ext>
+            </a:extLst>
+          </p:cNvPr>
+          <p:cNvCxnSpPr>
+            <a:cxnSpLocks noGrp="1" noRot="1" noChangeAspect="1" noMove="1" noResize="1" noEditPoints="1" noAdjustHandles="1" noChangeArrowheads="1" noChangeShapeType="1"/>
+          </p:cNvCxnSpPr>
+          <p:nvPr>
+            <p:extLst>
+              <p:ext uri="{386F3935-93C4-4BCD-93E2-E3B085C9AB24}">
+                <p16:designElem xmlns:p16="http://schemas.microsoft.com/office/powerpoint/2015/main" val="1"/>
+              </p:ext>
+            </p:extLst>
+          </p:nvPr>
+        </p:nvCxnSpPr>
+        <p:spPr>
+          <a:xfrm>
+            <a:off x="2287051" y="3337139"/>
+            <a:ext cx="935420" cy="0"/>
+          </a:xfrm>
+          <a:prstGeom prst="line">
             <a:avLst/>
           </a:prstGeom>
-          <a:gradFill>
-            <a:gsLst>
-              <a:gs pos="0">
-                <a:schemeClr val="accent6">
-                  <a:lumMod val="90000"/>
-                </a:schemeClr>
-              </a:gs>
-              <a:gs pos="25000">
-                <a:schemeClr val="accent6">
-                  <a:lumMod val="90000"/>
-                </a:schemeClr>
-              </a:gs>
-              <a:gs pos="94000">
-                <a:schemeClr val="bg2">
-                  <a:lumMod val="25000"/>
-                </a:schemeClr>
-              </a:gs>
-              <a:gs pos="100000">
-                <a:schemeClr val="bg2">
-                  <a:lumMod val="25000"/>
-                </a:schemeClr>
-              </a:gs>
-            </a:gsLst>
-            <a:lin ang="4200000" scaled="0"/>
-          </a:gradFill>
-          <a:ln>
-            <a:noFill/>
+          <a:ln w="25400" cap="sq">
+            <a:solidFill>
+              <a:schemeClr val="tx1">
+                <a:lumMod val="85000"/>
+                <a:lumOff val="15000"/>
+              </a:schemeClr>
+            </a:solidFill>
+            <a:bevel/>
           </a:ln>
         </p:spPr>
         <p:style>
-          <a:lnRef idx="2">
-            <a:schemeClr val="accent1">
-              <a:shade val="50000"/>
-            </a:schemeClr>
+          <a:lnRef idx="1">
+            <a:schemeClr val="accent1"/>
           </a:lnRef>
-          <a:fillRef idx="1">
+          <a:fillRef idx="0">
             <a:schemeClr val="accent1"/>
           </a:fillRef>
           <a:effectRef idx="0">
             <a:schemeClr val="accent1"/>
           </a:effectRef>
           <a:fontRef idx="minor">
-            <a:schemeClr val="lt1"/>
+            <a:schemeClr val="tx1"/>
           </a:fontRef>
         </p:style>
-        <p:txBody>
-          <a:bodyPr rtlCol="0" anchor="ctr"/>
-          <a:lstStyle/>
-          <a:p>
-            <a:pPr algn="ctr"/>
-            <a:endParaRPr lang="en-US"/>
-          </a:p>
-        </p:txBody>
-      </p:sp>
+      </p:cxnSp>
+      <p:sp>
+        <p:nvSpPr>
+          <p:cNvPr id="10" name="Content Placeholder 9">
+            <a:extLst>
+              <a:ext uri="{FF2B5EF4-FFF2-40B4-BE49-F238E27FC236}">
+                <a16:creationId xmlns:a16="http://schemas.microsoft.com/office/drawing/2014/main" id="{2CB2D89F-CCCF-4F2B-9968-21C18C3406DE}"/>
+              </a:ext>
+            </a:extLst>
+          </p:cNvPr>
+          <p:cNvSpPr>
+            <a:spLocks noGrp="1"/>
+          </p:cNvSpPr>
+          <p:nvPr>
+            <p:ph idx="1"/>
+          </p:nvPr>
+        </p:nvSpPr>
+        <p:spPr>
+          <a:xfrm>
+            <a:off x="525516" y="3417573"/>
+            <a:ext cx="4593021" cy="2619839"/>
+          </a:xfrm>
+        </p:spPr>
+        <p:txBody>
+          <a:bodyPr anchor="ctr">
+            <a:normAutofit/>
+          </a:bodyPr>
+          <a:lstStyle/>
+          <a:p>
+            <a:r>
+              <a:rPr lang="en-US" sz="1800"/>
+              <a:t>Code-and-Fix</a:t>
+            </a:r>
+          </a:p>
+          <a:p>
+            <a:r>
+              <a:rPr lang="en-US" sz="1800"/>
+              <a:t>More Brainstorming</a:t>
+            </a:r>
+          </a:p>
+          <a:p>
+            <a:r>
+              <a:rPr lang="en-US" sz="1800"/>
+              <a:t>Take notes</a:t>
+            </a:r>
+          </a:p>
+          <a:p>
+            <a:endParaRPr lang="en-US" sz="1800"/>
+          </a:p>
+        </p:txBody>
+      </p:sp>
+    </p:spTree>
+    <p:extLst>
+      <p:ext uri="{BB962C8B-B14F-4D97-AF65-F5344CB8AC3E}">
+        <p14:creationId xmlns:p14="http://schemas.microsoft.com/office/powerpoint/2010/main" val="1157231479"/>
+      </p:ext>
+    </p:extLst>
+  </p:cSld>
+  <p:clrMapOvr>
+    <a:masterClrMapping/>
+  </p:clrMapOvr>
+  <mc:AlternateContent xmlns:mc="http://schemas.openxmlformats.org/markup-compatibility/2006" xmlns:p14="http://schemas.microsoft.com/office/powerpoint/2010/main">
+    <mc:Choice Requires="p14">
+      <p:transition spd="slow" p14:dur="2000" advTm="647"/>
+    </mc:Choice>
+    <mc:Fallback xmlns="">
+      <p:transition spd="slow" advTm="647"/>
+    </mc:Fallback>
+  </mc:AlternateContent>
+</p:sld>
+</file>
+
+<file path=ppt/slides/slide8.xml><?xml version="1.0" encoding="utf-8"?>
+<p:sld xmlns:a="http://schemas.openxmlformats.org/drawingml/2006/main" xmlns:r="http://schemas.openxmlformats.org/officeDocument/2006/relationships" xmlns:p="http://schemas.openxmlformats.org/presentationml/2006/main">
+  <p:cSld>
+    <p:bg>
+      <p:bgPr>
+        <a:solidFill>
+          <a:schemeClr val="bg1"/>
+        </a:solidFill>
+        <a:effectLst/>
+      </p:bgPr>
+    </p:bg>
+    <p:spTree>
+      <p:nvGrpSpPr>
+        <p:cNvPr id="1" name=""/>
+        <p:cNvGrpSpPr/>
+        <p:nvPr/>
+      </p:nvGrpSpPr>
+      <p:grpSpPr>
+        <a:xfrm>
+          <a:off x="0" y="0"/>
+          <a:ext cx="0" cy="0"/>
+          <a:chOff x="0" y="0"/>
+          <a:chExt cx="0" cy="0"/>
+        </a:xfrm>
+      </p:grpSpPr>
       <p:pic>
         <p:nvPicPr>
-          <p:cNvPr id="17" name="Picture 16">
-            <a:extLst>
-              <a:ext uri="{FF2B5EF4-FFF2-40B4-BE49-F238E27FC236}">
-                <a16:creationId xmlns:a16="http://schemas.microsoft.com/office/drawing/2014/main" id="{2897127E-6CEF-446C-BE87-93B7C46E49D1}"/>
-              </a:ext>
-              <a:ext uri="{C183D7F6-B498-43B3-948B-1728B52AA6E4}">
-                <adec:decorative xmlns:adec="http://schemas.microsoft.com/office/drawing/2017/decorative" val="1"/>
+          <p:cNvPr id="5" name="Inhaltsplatzhalter 4" descr="Ein Bild, das Boden, drinnen, rot, sitzend enthält.&#10;&#10;Mit sehr hoher Zuverlässigkeit generierte Beschreibung">
+            <a:extLst>
+              <a:ext uri="{FF2B5EF4-FFF2-40B4-BE49-F238E27FC236}">
+                <a16:creationId xmlns:a16="http://schemas.microsoft.com/office/drawing/2014/main" id="{1D14ED3A-4550-4139-B080-E931333EAECC}"/>
               </a:ext>
             </a:extLst>
           </p:cNvPr>
           <p:cNvPicPr>
-            <a:picLocks noGrp="1" noRot="1" noChangeAspect="1" noMove="1" noResize="1" noEditPoints="1" noAdjustHandles="1" noChangeArrowheads="1" noChangeShapeType="1" noCrop="1"/>
+            <a:picLocks noGrp="1" noChangeAspect="1"/>
           </p:cNvPicPr>
           <p:nvPr>
-            <p:extLst>
-              <p:ext uri="{386F3935-93C4-4BCD-93E2-E3B085C9AB24}">
-                <p16:designElem xmlns:p16="http://schemas.microsoft.com/office/powerpoint/2015/main" val="1"/>
-              </p:ext>
-            </p:extLst>
+            <p:ph idx="1"/>
           </p:nvPr>
         </p:nvPicPr>
-        <p:blipFill>
+        <p:blipFill rotWithShape="1">
           <a:blip r:embed="rId2">
             <a:extLst>
               <a:ext uri="{28A0092B-C50C-407E-A947-70E740481C1C}">
@@ -5642,14 +5673,13 @@
               </a:ext>
             </a:extLst>
           </a:blip>
-          <a:stretch>
-            <a:fillRect/>
-          </a:stretch>
+          <a:srcRect t="16497" b="8503"/>
+          <a:stretch/>
         </p:blipFill>
         <p:spPr>
           <a:xfrm>
-            <a:off x="0" y="0"/>
-            <a:ext cx="12192000" cy="6858000"/>
+            <a:off x="20" y="10"/>
+            <a:ext cx="12191980" cy="6857990"/>
           </a:xfrm>
           <a:prstGeom prst="rect">
             <a:avLst/>
@@ -5658,6 +5688,149 @@
       </p:pic>
       <p:sp>
         <p:nvSpPr>
+          <p:cNvPr id="29" name="Freeform 5">
+            <a:extLst>
+              <a:ext uri="{FF2B5EF4-FFF2-40B4-BE49-F238E27FC236}">
+                <a16:creationId xmlns:a16="http://schemas.microsoft.com/office/drawing/2014/main" id="{87CC2527-562A-4F69-B487-4371E5B243E7}"/>
+              </a:ext>
+              <a:ext uri="{C183D7F6-B498-43B3-948B-1728B52AA6E4}">
+                <adec:decorative xmlns:adec="http://schemas.microsoft.com/office/drawing/2017/decorative" val="1"/>
+              </a:ext>
+            </a:extLst>
+          </p:cNvPr>
+          <p:cNvSpPr>
+            <a:spLocks noGrp="1" noRot="1" noChangeAspect="1" noMove="1" noResize="1" noEditPoints="1" noAdjustHandles="1" noChangeArrowheads="1" noChangeShapeType="1" noTextEdit="1"/>
+          </p:cNvSpPr>
+          <p:nvPr>
+            <p:extLst>
+              <p:ext uri="{386F3935-93C4-4BCD-93E2-E3B085C9AB24}">
+                <p16:designElem xmlns:p16="http://schemas.microsoft.com/office/powerpoint/2015/main" val="1"/>
+              </p:ext>
+            </p:extLst>
+          </p:nvPr>
+        </p:nvSpPr>
+        <p:spPr bwMode="grayWhite">
+          <a:xfrm>
+            <a:off x="7488621" y="2277613"/>
+            <a:ext cx="4703379" cy="4580387"/>
+          </a:xfrm>
+          <a:custGeom>
+            <a:avLst/>
+            <a:gdLst>
+              <a:gd name="T0" fmla="*/ 1333 w 1333"/>
+              <a:gd name="T1" fmla="*/ 1031 h 1298"/>
+              <a:gd name="T2" fmla="*/ 1333 w 1333"/>
+              <a:gd name="T3" fmla="*/ 380 h 1298"/>
+              <a:gd name="T4" fmla="*/ 706 w 1333"/>
+              <a:gd name="T5" fmla="*/ 0 h 1298"/>
+              <a:gd name="T6" fmla="*/ 0 w 1333"/>
+              <a:gd name="T7" fmla="*/ 706 h 1298"/>
+              <a:gd name="T8" fmla="*/ 323 w 1333"/>
+              <a:gd name="T9" fmla="*/ 1298 h 1298"/>
+              <a:gd name="T10" fmla="*/ 1090 w 1333"/>
+              <a:gd name="T11" fmla="*/ 1298 h 1298"/>
+              <a:gd name="T12" fmla="*/ 1333 w 1333"/>
+              <a:gd name="T13" fmla="*/ 1031 h 1298"/>
+            </a:gdLst>
+            <a:ahLst/>
+            <a:cxnLst>
+              <a:cxn ang="0">
+                <a:pos x="T0" y="T1"/>
+              </a:cxn>
+              <a:cxn ang="0">
+                <a:pos x="T2" y="T3"/>
+              </a:cxn>
+              <a:cxn ang="0">
+                <a:pos x="T4" y="T5"/>
+              </a:cxn>
+              <a:cxn ang="0">
+                <a:pos x="T6" y="T7"/>
+              </a:cxn>
+              <a:cxn ang="0">
+                <a:pos x="T8" y="T9"/>
+              </a:cxn>
+              <a:cxn ang="0">
+                <a:pos x="T10" y="T11"/>
+              </a:cxn>
+              <a:cxn ang="0">
+                <a:pos x="T12" y="T13"/>
+              </a:cxn>
+            </a:cxnLst>
+            <a:rect l="0" t="0" r="r" b="b"/>
+            <a:pathLst>
+              <a:path w="1333" h="1298">
+                <a:moveTo>
+                  <a:pt x="1333" y="1031"/>
+                </a:moveTo>
+                <a:cubicBezTo>
+                  <a:pt x="1333" y="380"/>
+                  <a:pt x="1333" y="380"/>
+                  <a:pt x="1333" y="380"/>
+                </a:cubicBezTo>
+                <a:cubicBezTo>
+                  <a:pt x="1215" y="154"/>
+                  <a:pt x="979" y="0"/>
+                  <a:pt x="706" y="0"/>
+                </a:cubicBezTo>
+                <a:cubicBezTo>
+                  <a:pt x="317" y="0"/>
+                  <a:pt x="0" y="316"/>
+                  <a:pt x="0" y="706"/>
+                </a:cubicBezTo>
+                <a:cubicBezTo>
+                  <a:pt x="0" y="954"/>
+                  <a:pt x="129" y="1172"/>
+                  <a:pt x="323" y="1298"/>
+                </a:cubicBezTo>
+                <a:cubicBezTo>
+                  <a:pt x="1090" y="1298"/>
+                  <a:pt x="1090" y="1298"/>
+                  <a:pt x="1090" y="1298"/>
+                </a:cubicBezTo>
+                <a:cubicBezTo>
+                  <a:pt x="1193" y="1232"/>
+                  <a:pt x="1276" y="1140"/>
+                  <a:pt x="1333" y="1031"/>
+                </a:cubicBezTo>
+                <a:close/>
+              </a:path>
+            </a:pathLst>
+          </a:custGeom>
+          <a:solidFill>
+            <a:schemeClr val="bg1">
+              <a:alpha val="70000"/>
+            </a:schemeClr>
+          </a:solidFill>
+          <a:ln w="50800" cap="sq" cmpd="dbl">
+            <a:noFill/>
+            <a:miter lim="800000"/>
+          </a:ln>
+          <a:effectLst/>
+          <a:extLst/>
+        </p:spPr>
+        <p:txBody>
+          <a:bodyPr vert="horz" lIns="91440" tIns="45720" rIns="91440" bIns="45720" rtlCol="0" anchor="t">
+            <a:normAutofit/>
+          </a:bodyPr>
+          <a:lstStyle/>
+          <a:p>
+            <a:pPr algn="ctr">
+              <a:spcAft>
+                <a:spcPts val="1000"/>
+              </a:spcAft>
+              <a:buClr>
+                <a:schemeClr val="tx1"/>
+              </a:buClr>
+              <a:buSzPct val="100000"/>
+              <a:buFont typeface="Arial"/>
+              <a:buNone/>
+            </a:pPr>
+            <a:endParaRPr lang="en-US" sz="1600" cap="all"/>
+          </a:p>
+        </p:txBody>
+      </p:sp>
+      <p:sp>
+        <p:nvSpPr>
           <p:cNvPr id="2" name="Titel 1">
             <a:extLst>
               <a:ext uri="{FF2B5EF4-FFF2-40B4-BE49-F238E27FC236}">
@@ -5674,63 +5847,80 @@
         </p:nvSpPr>
         <p:spPr>
           <a:xfrm>
-            <a:off x="640079" y="2053641"/>
-            <a:ext cx="3669161" cy="2760098"/>
+            <a:off x="8022021" y="3231931"/>
+            <a:ext cx="3852041" cy="1834056"/>
           </a:xfrm>
         </p:spPr>
         <p:txBody>
-          <a:bodyPr>
+          <a:bodyPr vert="horz" lIns="91440" tIns="45720" rIns="91440" bIns="45720" rtlCol="0" anchor="b">
             <a:normAutofit/>
           </a:bodyPr>
           <a:lstStyle/>
           <a:p>
-            <a:r>
-              <a:rPr lang="en-GB">
-                <a:solidFill>
-                  <a:srgbClr val="FFFFFF"/>
-                </a:solidFill>
-              </a:rPr>
+            <a:pPr algn="ctr"/>
+            <a:r>
+              <a:rPr lang="en-US" sz="4000"/>
               <a:t>Questions?</a:t>
             </a:r>
           </a:p>
         </p:txBody>
       </p:sp>
-      <p:sp>
-        <p:nvSpPr>
-          <p:cNvPr id="4" name="Inhaltsplatzhalter 3">
-            <a:extLst>
-              <a:ext uri="{FF2B5EF4-FFF2-40B4-BE49-F238E27FC236}">
-                <a16:creationId xmlns:a16="http://schemas.microsoft.com/office/drawing/2014/main" id="{55DDF708-3964-4A4A-8DDD-4F4C6AE96CE1}"/>
-              </a:ext>
-            </a:extLst>
-          </p:cNvPr>
-          <p:cNvSpPr>
-            <a:spLocks noGrp="1"/>
-          </p:cNvSpPr>
-          <p:nvPr>
-            <p:ph idx="1"/>
-          </p:nvPr>
-        </p:nvSpPr>
+      <p:cxnSp>
+        <p:nvCxnSpPr>
+          <p:cNvPr id="31" name="Straight Connector 30">
+            <a:extLst>
+              <a:ext uri="{FF2B5EF4-FFF2-40B4-BE49-F238E27FC236}">
+                <a16:creationId xmlns:a16="http://schemas.microsoft.com/office/drawing/2014/main" id="{BCDAEC91-5BCE-4B55-9CC0-43EF94CB734B}"/>
+              </a:ext>
+              <a:ext uri="{C183D7F6-B498-43B3-948B-1728B52AA6E4}">
+                <adec:decorative xmlns:adec="http://schemas.microsoft.com/office/drawing/2017/decorative" val="1"/>
+              </a:ext>
+            </a:extLst>
+          </p:cNvPr>
+          <p:cNvCxnSpPr>
+            <a:cxnSpLocks noGrp="1" noRot="1" noChangeAspect="1" noMove="1" noResize="1" noEditPoints="1" noAdjustHandles="1" noChangeArrowheads="1" noChangeShapeType="1"/>
+          </p:cNvCxnSpPr>
+          <p:nvPr>
+            <p:extLst>
+              <p:ext uri="{386F3935-93C4-4BCD-93E2-E3B085C9AB24}">
+                <p16:designElem xmlns:p16="http://schemas.microsoft.com/office/powerpoint/2015/main" val="1"/>
+              </p:ext>
+            </p:extLst>
+          </p:nvPr>
+        </p:nvCxnSpPr>
         <p:spPr>
           <a:xfrm>
-            <a:off x="6090574" y="801866"/>
-            <a:ext cx="5306084" cy="5230634"/>
+            <a:off x="9480331" y="5123793"/>
+            <a:ext cx="935420" cy="0"/>
           </a:xfrm>
+          <a:prstGeom prst="line">
+            <a:avLst/>
+          </a:prstGeom>
+          <a:ln w="25400" cap="sq">
+            <a:solidFill>
+              <a:schemeClr val="tx1">
+                <a:lumMod val="85000"/>
+                <a:lumOff val="15000"/>
+              </a:schemeClr>
+            </a:solidFill>
+            <a:bevel/>
+          </a:ln>
         </p:spPr>
-        <p:txBody>
-          <a:bodyPr anchor="ctr">
-            <a:normAutofit/>
-          </a:bodyPr>
-          <a:lstStyle/>
-          <a:p>
-            <a:endParaRPr lang="en-GB" sz="2400">
-              <a:solidFill>
-                <a:srgbClr val="000000"/>
-              </a:solidFill>
-            </a:endParaRPr>
-          </a:p>
-        </p:txBody>
-      </p:sp>
+        <p:style>
+          <a:lnRef idx="1">
+            <a:schemeClr val="accent1"/>
+          </a:lnRef>
+          <a:fillRef idx="0">
+            <a:schemeClr val="accent1"/>
+          </a:fillRef>
+          <a:effectRef idx="0">
+            <a:schemeClr val="accent1"/>
+          </a:effectRef>
+          <a:fontRef idx="minor">
+            <a:schemeClr val="tx1"/>
+          </a:fontRef>
+        </p:style>
+      </p:cxnSp>
     </p:spTree>
     <p:extLst>
       <p:ext uri="{BB962C8B-B14F-4D97-AF65-F5344CB8AC3E}">

--- a/Bericht/Presentation.pptx
+++ b/Bericht/Presentation.pptx
@@ -4,6 +4,9 @@
   <p:sldMasterIdLst>
     <p:sldMasterId id="2147483648" r:id="rId1"/>
   </p:sldMasterIdLst>
+  <p:notesMasterIdLst>
+    <p:notesMasterId r:id="rId10"/>
+  </p:notesMasterIdLst>
   <p:sldIdLst>
     <p:sldId id="256" r:id="rId2"/>
     <p:sldId id="259" r:id="rId3"/>
@@ -212,6 +215,440 @@
     </pc:docChg>
   </pc:docChgLst>
 </pc:chgInfo>
+</file>
+
+<file path=ppt/notesMasters/notesMaster1.xml><?xml version="1.0" encoding="utf-8"?>
+<p:notesMaster xmlns:a="http://schemas.openxmlformats.org/drawingml/2006/main" xmlns:r="http://schemas.openxmlformats.org/officeDocument/2006/relationships" xmlns:p="http://schemas.openxmlformats.org/presentationml/2006/main">
+  <p:cSld>
+    <p:bg>
+      <p:bgRef idx="1001">
+        <a:schemeClr val="bg1"/>
+      </p:bgRef>
+    </p:bg>
+    <p:spTree>
+      <p:nvGrpSpPr>
+        <p:cNvPr id="1" name=""/>
+        <p:cNvGrpSpPr/>
+        <p:nvPr/>
+      </p:nvGrpSpPr>
+      <p:grpSpPr>
+        <a:xfrm>
+          <a:off x="0" y="0"/>
+          <a:ext cx="0" cy="0"/>
+          <a:chOff x="0" y="0"/>
+          <a:chExt cx="0" cy="0"/>
+        </a:xfrm>
+      </p:grpSpPr>
+      <p:sp>
+        <p:nvSpPr>
+          <p:cNvPr id="2" name="Kopfzeilenplatzhalter 1"/>
+          <p:cNvSpPr>
+            <a:spLocks noGrp="1"/>
+          </p:cNvSpPr>
+          <p:nvPr>
+            <p:ph type="hdr" sz="quarter"/>
+          </p:nvPr>
+        </p:nvSpPr>
+        <p:spPr>
+          <a:xfrm>
+            <a:off x="0" y="0"/>
+            <a:ext cx="2971800" cy="458788"/>
+          </a:xfrm>
+          <a:prstGeom prst="rect">
+            <a:avLst/>
+          </a:prstGeom>
+        </p:spPr>
+        <p:txBody>
+          <a:bodyPr vert="horz" lIns="91440" tIns="45720" rIns="91440" bIns="45720" rtlCol="0"/>
+          <a:lstStyle>
+            <a:lvl1pPr algn="l">
+              <a:defRPr sz="1200"/>
+            </a:lvl1pPr>
+          </a:lstStyle>
+          <a:p>
+            <a:endParaRPr lang="de-CH"/>
+          </a:p>
+        </p:txBody>
+      </p:sp>
+      <p:sp>
+        <p:nvSpPr>
+          <p:cNvPr id="3" name="Datumsplatzhalter 2"/>
+          <p:cNvSpPr>
+            <a:spLocks noGrp="1"/>
+          </p:cNvSpPr>
+          <p:nvPr>
+            <p:ph type="dt" idx="1"/>
+          </p:nvPr>
+        </p:nvSpPr>
+        <p:spPr>
+          <a:xfrm>
+            <a:off x="3884613" y="0"/>
+            <a:ext cx="2971800" cy="458788"/>
+          </a:xfrm>
+          <a:prstGeom prst="rect">
+            <a:avLst/>
+          </a:prstGeom>
+        </p:spPr>
+        <p:txBody>
+          <a:bodyPr vert="horz" lIns="91440" tIns="45720" rIns="91440" bIns="45720" rtlCol="0"/>
+          <a:lstStyle>
+            <a:lvl1pPr algn="r">
+              <a:defRPr sz="1200"/>
+            </a:lvl1pPr>
+          </a:lstStyle>
+          <a:p>
+            <a:fld id="{66289C31-164B-471D-8644-EA3262DCF4BD}" type="datetimeFigureOut">
+              <a:rPr lang="de-CH" smtClean="0"/>
+              <a:t>27.01.2019</a:t>
+            </a:fld>
+            <a:endParaRPr lang="de-CH"/>
+          </a:p>
+        </p:txBody>
+      </p:sp>
+      <p:sp>
+        <p:nvSpPr>
+          <p:cNvPr id="4" name="Folienbildplatzhalter 3"/>
+          <p:cNvSpPr>
+            <a:spLocks noGrp="1" noRot="1" noChangeAspect="1"/>
+          </p:cNvSpPr>
+          <p:nvPr>
+            <p:ph type="sldImg" idx="2"/>
+          </p:nvPr>
+        </p:nvSpPr>
+        <p:spPr>
+          <a:xfrm>
+            <a:off x="685800" y="1143000"/>
+            <a:ext cx="5486400" cy="3086100"/>
+          </a:xfrm>
+          <a:prstGeom prst="rect">
+            <a:avLst/>
+          </a:prstGeom>
+          <a:noFill/>
+          <a:ln w="12700">
+            <a:solidFill>
+              <a:prstClr val="black"/>
+            </a:solidFill>
+          </a:ln>
+        </p:spPr>
+        <p:txBody>
+          <a:bodyPr vert="horz" lIns="91440" tIns="45720" rIns="91440" bIns="45720" rtlCol="0" anchor="ctr"/>
+          <a:lstStyle/>
+          <a:p>
+            <a:endParaRPr lang="de-CH"/>
+          </a:p>
+        </p:txBody>
+      </p:sp>
+      <p:sp>
+        <p:nvSpPr>
+          <p:cNvPr id="5" name="Notizenplatzhalter 4"/>
+          <p:cNvSpPr>
+            <a:spLocks noGrp="1"/>
+          </p:cNvSpPr>
+          <p:nvPr>
+            <p:ph type="body" sz="quarter" idx="3"/>
+          </p:nvPr>
+        </p:nvSpPr>
+        <p:spPr>
+          <a:xfrm>
+            <a:off x="685800" y="4400550"/>
+            <a:ext cx="5486400" cy="3600450"/>
+          </a:xfrm>
+          <a:prstGeom prst="rect">
+            <a:avLst/>
+          </a:prstGeom>
+        </p:spPr>
+        <p:txBody>
+          <a:bodyPr vert="horz" lIns="91440" tIns="45720" rIns="91440" bIns="45720" rtlCol="0"/>
+          <a:lstStyle/>
+          <a:p>
+            <a:pPr lvl="0"/>
+            <a:r>
+              <a:rPr lang="de-DE"/>
+              <a:t>Mastertextformat bearbeiten</a:t>
+            </a:r>
+          </a:p>
+          <a:p>
+            <a:pPr lvl="1"/>
+            <a:r>
+              <a:rPr lang="de-DE"/>
+              <a:t>Zweite Ebene</a:t>
+            </a:r>
+          </a:p>
+          <a:p>
+            <a:pPr lvl="2"/>
+            <a:r>
+              <a:rPr lang="de-DE"/>
+              <a:t>Dritte Ebene</a:t>
+            </a:r>
+          </a:p>
+          <a:p>
+            <a:pPr lvl="3"/>
+            <a:r>
+              <a:rPr lang="de-DE"/>
+              <a:t>Vierte Ebene</a:t>
+            </a:r>
+          </a:p>
+          <a:p>
+            <a:pPr lvl="4"/>
+            <a:r>
+              <a:rPr lang="de-DE"/>
+              <a:t>Fünfte Ebene</a:t>
+            </a:r>
+            <a:endParaRPr lang="de-CH"/>
+          </a:p>
+        </p:txBody>
+      </p:sp>
+      <p:sp>
+        <p:nvSpPr>
+          <p:cNvPr id="6" name="Fußzeilenplatzhalter 5"/>
+          <p:cNvSpPr>
+            <a:spLocks noGrp="1"/>
+          </p:cNvSpPr>
+          <p:nvPr>
+            <p:ph type="ftr" sz="quarter" idx="4"/>
+          </p:nvPr>
+        </p:nvSpPr>
+        <p:spPr>
+          <a:xfrm>
+            <a:off x="0" y="8685213"/>
+            <a:ext cx="2971800" cy="458787"/>
+          </a:xfrm>
+          <a:prstGeom prst="rect">
+            <a:avLst/>
+          </a:prstGeom>
+        </p:spPr>
+        <p:txBody>
+          <a:bodyPr vert="horz" lIns="91440" tIns="45720" rIns="91440" bIns="45720" rtlCol="0" anchor="b"/>
+          <a:lstStyle>
+            <a:lvl1pPr algn="l">
+              <a:defRPr sz="1200"/>
+            </a:lvl1pPr>
+          </a:lstStyle>
+          <a:p>
+            <a:endParaRPr lang="de-CH"/>
+          </a:p>
+        </p:txBody>
+      </p:sp>
+      <p:sp>
+        <p:nvSpPr>
+          <p:cNvPr id="7" name="Foliennummernplatzhalter 6"/>
+          <p:cNvSpPr>
+            <a:spLocks noGrp="1"/>
+          </p:cNvSpPr>
+          <p:nvPr>
+            <p:ph type="sldNum" sz="quarter" idx="5"/>
+          </p:nvPr>
+        </p:nvSpPr>
+        <p:spPr>
+          <a:xfrm>
+            <a:off x="3884613" y="8685213"/>
+            <a:ext cx="2971800" cy="458787"/>
+          </a:xfrm>
+          <a:prstGeom prst="rect">
+            <a:avLst/>
+          </a:prstGeom>
+        </p:spPr>
+        <p:txBody>
+          <a:bodyPr vert="horz" lIns="91440" tIns="45720" rIns="91440" bIns="45720" rtlCol="0" anchor="b"/>
+          <a:lstStyle>
+            <a:lvl1pPr algn="r">
+              <a:defRPr sz="1200"/>
+            </a:lvl1pPr>
+          </a:lstStyle>
+          <a:p>
+            <a:fld id="{F0121506-F8AC-4668-B7A8-FB7B031AB35B}" type="slidenum">
+              <a:rPr lang="de-CH" smtClean="0"/>
+              <a:t>‹Nr.›</a:t>
+            </a:fld>
+            <a:endParaRPr lang="de-CH"/>
+          </a:p>
+        </p:txBody>
+      </p:sp>
+    </p:spTree>
+    <p:extLst>
+      <p:ext uri="{BB962C8B-B14F-4D97-AF65-F5344CB8AC3E}">
+        <p14:creationId xmlns:p14="http://schemas.microsoft.com/office/powerpoint/2010/main" val="2695944788"/>
+      </p:ext>
+    </p:extLst>
+  </p:cSld>
+  <p:clrMap bg1="lt1" tx1="dk1" bg2="lt2" tx2="dk2" accent1="accent1" accent2="accent2" accent3="accent3" accent4="accent4" accent5="accent5" accent6="accent6" hlink="hlink" folHlink="folHlink"/>
+  <p:notesStyle>
+    <a:lvl1pPr marL="0" algn="l" defTabSz="914400" rtl="0" eaLnBrk="1" latinLnBrk="0" hangingPunct="1">
+      <a:defRPr sz="1200" kern="1200">
+        <a:solidFill>
+          <a:schemeClr val="tx1"/>
+        </a:solidFill>
+        <a:latin typeface="+mn-lt"/>
+        <a:ea typeface="+mn-ea"/>
+        <a:cs typeface="+mn-cs"/>
+      </a:defRPr>
+    </a:lvl1pPr>
+    <a:lvl2pPr marL="457200" algn="l" defTabSz="914400" rtl="0" eaLnBrk="1" latinLnBrk="0" hangingPunct="1">
+      <a:defRPr sz="1200" kern="1200">
+        <a:solidFill>
+          <a:schemeClr val="tx1"/>
+        </a:solidFill>
+        <a:latin typeface="+mn-lt"/>
+        <a:ea typeface="+mn-ea"/>
+        <a:cs typeface="+mn-cs"/>
+      </a:defRPr>
+    </a:lvl2pPr>
+    <a:lvl3pPr marL="914400" algn="l" defTabSz="914400" rtl="0" eaLnBrk="1" latinLnBrk="0" hangingPunct="1">
+      <a:defRPr sz="1200" kern="1200">
+        <a:solidFill>
+          <a:schemeClr val="tx1"/>
+        </a:solidFill>
+        <a:latin typeface="+mn-lt"/>
+        <a:ea typeface="+mn-ea"/>
+        <a:cs typeface="+mn-cs"/>
+      </a:defRPr>
+    </a:lvl3pPr>
+    <a:lvl4pPr marL="1371600" algn="l" defTabSz="914400" rtl="0" eaLnBrk="1" latinLnBrk="0" hangingPunct="1">
+      <a:defRPr sz="1200" kern="1200">
+        <a:solidFill>
+          <a:schemeClr val="tx1"/>
+        </a:solidFill>
+        <a:latin typeface="+mn-lt"/>
+        <a:ea typeface="+mn-ea"/>
+        <a:cs typeface="+mn-cs"/>
+      </a:defRPr>
+    </a:lvl4pPr>
+    <a:lvl5pPr marL="1828800" algn="l" defTabSz="914400" rtl="0" eaLnBrk="1" latinLnBrk="0" hangingPunct="1">
+      <a:defRPr sz="1200" kern="1200">
+        <a:solidFill>
+          <a:schemeClr val="tx1"/>
+        </a:solidFill>
+        <a:latin typeface="+mn-lt"/>
+        <a:ea typeface="+mn-ea"/>
+        <a:cs typeface="+mn-cs"/>
+      </a:defRPr>
+    </a:lvl5pPr>
+    <a:lvl6pPr marL="2286000" algn="l" defTabSz="914400" rtl="0" eaLnBrk="1" latinLnBrk="0" hangingPunct="1">
+      <a:defRPr sz="1200" kern="1200">
+        <a:solidFill>
+          <a:schemeClr val="tx1"/>
+        </a:solidFill>
+        <a:latin typeface="+mn-lt"/>
+        <a:ea typeface="+mn-ea"/>
+        <a:cs typeface="+mn-cs"/>
+      </a:defRPr>
+    </a:lvl6pPr>
+    <a:lvl7pPr marL="2743200" algn="l" defTabSz="914400" rtl="0" eaLnBrk="1" latinLnBrk="0" hangingPunct="1">
+      <a:defRPr sz="1200" kern="1200">
+        <a:solidFill>
+          <a:schemeClr val="tx1"/>
+        </a:solidFill>
+        <a:latin typeface="+mn-lt"/>
+        <a:ea typeface="+mn-ea"/>
+        <a:cs typeface="+mn-cs"/>
+      </a:defRPr>
+    </a:lvl7pPr>
+    <a:lvl8pPr marL="3200400" algn="l" defTabSz="914400" rtl="0" eaLnBrk="1" latinLnBrk="0" hangingPunct="1">
+      <a:defRPr sz="1200" kern="1200">
+        <a:solidFill>
+          <a:schemeClr val="tx1"/>
+        </a:solidFill>
+        <a:latin typeface="+mn-lt"/>
+        <a:ea typeface="+mn-ea"/>
+        <a:cs typeface="+mn-cs"/>
+      </a:defRPr>
+    </a:lvl8pPr>
+    <a:lvl9pPr marL="3657600" algn="l" defTabSz="914400" rtl="0" eaLnBrk="1" latinLnBrk="0" hangingPunct="1">
+      <a:defRPr sz="1200" kern="1200">
+        <a:solidFill>
+          <a:schemeClr val="tx1"/>
+        </a:solidFill>
+        <a:latin typeface="+mn-lt"/>
+        <a:ea typeface="+mn-ea"/>
+        <a:cs typeface="+mn-cs"/>
+      </a:defRPr>
+    </a:lvl9pPr>
+  </p:notesStyle>
+</p:notesMaster>
+</file>
+
+<file path=ppt/notesSlides/notesSlide1.xml><?xml version="1.0" encoding="utf-8"?>
+<p:notes xmlns:a="http://schemas.openxmlformats.org/drawingml/2006/main" xmlns:r="http://schemas.openxmlformats.org/officeDocument/2006/relationships" xmlns:p="http://schemas.openxmlformats.org/presentationml/2006/main">
+  <p:cSld>
+    <p:spTree>
+      <p:nvGrpSpPr>
+        <p:cNvPr id="1" name=""/>
+        <p:cNvGrpSpPr/>
+        <p:nvPr/>
+      </p:nvGrpSpPr>
+      <p:grpSpPr>
+        <a:xfrm>
+          <a:off x="0" y="0"/>
+          <a:ext cx="0" cy="0"/>
+          <a:chOff x="0" y="0"/>
+          <a:chExt cx="0" cy="0"/>
+        </a:xfrm>
+      </p:grpSpPr>
+      <p:sp>
+        <p:nvSpPr>
+          <p:cNvPr id="2" name="Folienbildplatzhalter 1"/>
+          <p:cNvSpPr>
+            <a:spLocks noGrp="1" noRot="1" noChangeAspect="1"/>
+          </p:cNvSpPr>
+          <p:nvPr>
+            <p:ph type="sldImg"/>
+          </p:nvPr>
+        </p:nvSpPr>
+        <p:spPr/>
+      </p:sp>
+      <p:sp>
+        <p:nvSpPr>
+          <p:cNvPr id="3" name="Notizenplatzhalter 2"/>
+          <p:cNvSpPr>
+            <a:spLocks noGrp="1"/>
+          </p:cNvSpPr>
+          <p:nvPr>
+            <p:ph type="body" idx="1"/>
+          </p:nvPr>
+        </p:nvSpPr>
+        <p:spPr/>
+        <p:txBody>
+          <a:bodyPr/>
+          <a:lstStyle/>
+          <a:p>
+            <a:endParaRPr lang="de-CH" dirty="0"/>
+          </a:p>
+        </p:txBody>
+      </p:sp>
+      <p:sp>
+        <p:nvSpPr>
+          <p:cNvPr id="4" name="Foliennummernplatzhalter 3"/>
+          <p:cNvSpPr>
+            <a:spLocks noGrp="1"/>
+          </p:cNvSpPr>
+          <p:nvPr>
+            <p:ph type="sldNum" sz="quarter" idx="5"/>
+          </p:nvPr>
+        </p:nvSpPr>
+        <p:spPr/>
+        <p:txBody>
+          <a:bodyPr/>
+          <a:lstStyle/>
+          <a:p>
+            <a:fld id="{F0121506-F8AC-4668-B7A8-FB7B031AB35B}" type="slidenum">
+              <a:rPr lang="de-CH" smtClean="0"/>
+              <a:t>3</a:t>
+            </a:fld>
+            <a:endParaRPr lang="de-CH"/>
+          </a:p>
+        </p:txBody>
+      </p:sp>
+    </p:spTree>
+    <p:extLst>
+      <p:ext uri="{BB962C8B-B14F-4D97-AF65-F5344CB8AC3E}">
+        <p14:creationId xmlns:p14="http://schemas.microsoft.com/office/powerpoint/2010/main" val="2261454117"/>
+      </p:ext>
+    </p:extLst>
+  </p:cSld>
+  <p:clrMapOvr>
+    <a:masterClrMapping/>
+  </p:clrMapOvr>
+</p:notes>
 </file>
 
 <file path=ppt/slideLayouts/slideLayout1.xml><?xml version="1.0" encoding="utf-8"?>
@@ -3459,7 +3896,7 @@
       </p:grpSpPr>
       <p:sp>
         <p:nvSpPr>
-          <p:cNvPr id="24" name="Rectangle 23">
+          <p:cNvPr id="41" name="Rectangle 40">
             <a:extLst>
               <a:ext uri="{FF2B5EF4-FFF2-40B4-BE49-F238E27FC236}">
                 <a16:creationId xmlns:a16="http://schemas.microsoft.com/office/drawing/2014/main" id="{23962611-DFD5-4092-AAFD-559E3DFCE2C9}"/>
@@ -3544,7 +3981,7 @@
       </p:sp>
       <p:pic>
         <p:nvPicPr>
-          <p:cNvPr id="26" name="Picture 25">
+          <p:cNvPr id="43" name="Picture 42">
             <a:extLst>
               <a:ext uri="{FF2B5EF4-FFF2-40B4-BE49-F238E27FC236}">
                 <a16:creationId xmlns:a16="http://schemas.microsoft.com/office/drawing/2014/main" id="{2270F1FA-0425-408F-9861-80BF5AFB276D}"/>
@@ -3611,35 +4048,22 @@
         </p:spPr>
         <p:txBody>
           <a:bodyPr>
-            <a:normAutofit fontScale="85000" lnSpcReduction="20000"/>
+            <a:normAutofit/>
           </a:bodyPr>
           <a:lstStyle/>
           <a:p>
             <a:r>
-              <a:rPr lang="en-GB" dirty="0">
+              <a:rPr lang="en-GB" sz="1500">
                 <a:solidFill>
                   <a:srgbClr val="FFFFFF"/>
                 </a:solidFill>
               </a:rPr>
-              <a:t>Maurizio </a:t>
-            </a:r>
-            <a:r>
-              <a:rPr lang="en-GB" dirty="0" err="1">
-                <a:solidFill>
-                  <a:srgbClr val="FFFFFF"/>
-                </a:solidFill>
-              </a:rPr>
-              <a:t>Pasquinelli</a:t>
-            </a:r>
-            <a:endParaRPr lang="en-GB" dirty="0">
-              <a:solidFill>
-                <a:srgbClr val="FFFFFF"/>
-              </a:solidFill>
-            </a:endParaRPr>
-          </a:p>
-          <a:p>
-            <a:r>
-              <a:rPr lang="en-GB" dirty="0">
+              <a:t>Maurizio Pasquinelli</a:t>
+            </a:r>
+          </a:p>
+          <a:p>
+            <a:r>
+              <a:rPr lang="en-GB" sz="1500">
                 <a:solidFill>
                   <a:srgbClr val="FFFFFF"/>
                 </a:solidFill>
@@ -3761,7 +4185,7 @@
         </p:blipFill>
         <p:spPr>
           <a:xfrm>
-            <a:off x="0" y="10"/>
+            <a:off x="-1" y="10"/>
             <a:ext cx="12192000" cy="6857990"/>
           </a:xfrm>
           <a:prstGeom prst="rect">
@@ -3771,7 +4195,7 @@
       </p:pic>
       <p:sp>
         <p:nvSpPr>
-          <p:cNvPr id="40" name="Freeform 5">
+          <p:cNvPr id="10" name="Freeform 5">
             <a:extLst>
               <a:ext uri="{FF2B5EF4-FFF2-40B4-BE49-F238E27FC236}">
                 <a16:creationId xmlns:a16="http://schemas.microsoft.com/office/drawing/2014/main" id="{3CD9DF72-87A3-404E-A828-84CBF11A8303}"/>
@@ -3950,7 +4374,7 @@
       </p:sp>
       <p:cxnSp>
         <p:nvCxnSpPr>
-          <p:cNvPr id="42" name="Straight Connector 41">
+          <p:cNvPr id="12" name="Straight Connector 11">
             <a:extLst>
               <a:ext uri="{FF2B5EF4-FFF2-40B4-BE49-F238E27FC236}">
                 <a16:creationId xmlns:a16="http://schemas.microsoft.com/office/drawing/2014/main" id="{20E3A342-4D61-4E3F-AF90-1AB42AEB96CC}"/>
@@ -4033,19 +4457,19 @@
           <a:lstStyle/>
           <a:p>
             <a:r>
-              <a:rPr lang="en-GB" sz="1800"/>
+              <a:rPr lang="en-GB" sz="1800" dirty="0"/>
               <a:t>LED matrix in a box</a:t>
             </a:r>
           </a:p>
           <a:p>
             <a:r>
-              <a:rPr lang="en-GB" sz="1800"/>
+              <a:rPr lang="en-GB" sz="1800" dirty="0"/>
               <a:t>Controlled by Raspberry Pi</a:t>
             </a:r>
           </a:p>
           <a:p>
             <a:r>
-              <a:rPr lang="en-GB" sz="1800"/>
+              <a:rPr lang="en-GB" sz="1800" dirty="0"/>
               <a:t>Tic Tac Toe, Raindrops and Snake</a:t>
             </a:r>
           </a:p>
@@ -4097,21 +4521,60 @@
           <a:chExt cx="0" cy="0"/>
         </a:xfrm>
       </p:grpSpPr>
-      <p:sp>
-        <p:nvSpPr>
-          <p:cNvPr id="74" name="Rectangle 70">
-            <a:extLst>
-              <a:ext uri="{FF2B5EF4-FFF2-40B4-BE49-F238E27FC236}">
-                <a16:creationId xmlns:a16="http://schemas.microsoft.com/office/drawing/2014/main" id="{99899462-FC16-43B0-966B-FCA263450716}"/>
+      <p:pic>
+        <p:nvPicPr>
+          <p:cNvPr id="28" name="Grafik 27" descr="Ein Bild, das Wand, drinnen enthält.&#10;&#10;Mit sehr hoher Zuverlässigkeit generierte Beschreibung">
+            <a:extLst>
+              <a:ext uri="{FF2B5EF4-FFF2-40B4-BE49-F238E27FC236}">
+                <a16:creationId xmlns:a16="http://schemas.microsoft.com/office/drawing/2014/main" id="{7ED1A68E-AD7F-4E91-BB75-4EFF75D642E4}"/>
+              </a:ext>
+            </a:extLst>
+          </p:cNvPr>
+          <p:cNvPicPr>
+            <a:picLocks noChangeAspect="1"/>
+          </p:cNvPicPr>
+          <p:nvPr/>
+        </p:nvPicPr>
+        <p:blipFill rotWithShape="1">
+          <a:blip r:embed="rId3">
+            <a:alphaModFix/>
+            <a:extLst>
+              <a:ext uri="{28A0092B-C50C-407E-A947-70E740481C1C}">
+                <a14:useLocalDpi xmlns:a14="http://schemas.microsoft.com/office/drawing/2010/main" val="0"/>
+              </a:ext>
+            </a:extLst>
+          </a:blip>
+          <a:srcRect l="-3123" t="939" r="3121" b="19538"/>
+          <a:stretch/>
+        </p:blipFill>
+        <p:spPr>
+          <a:xfrm>
+            <a:off x="-491372" y="2506398"/>
+            <a:ext cx="6447707" cy="3845519"/>
+          </a:xfrm>
+          <a:prstGeom prst="rect">
+            <a:avLst/>
+          </a:prstGeom>
+          <a:effectLst>
+            <a:softEdge rad="533400"/>
+          </a:effectLst>
+        </p:spPr>
+      </p:pic>
+      <p:pic>
+        <p:nvPicPr>
+          <p:cNvPr id="118" name="Picture 117">
+            <a:extLst>
+              <a:ext uri="{FF2B5EF4-FFF2-40B4-BE49-F238E27FC236}">
+                <a16:creationId xmlns:a16="http://schemas.microsoft.com/office/drawing/2014/main" id="{D41E2C02-494F-4A6B-A67B-1D965948F9D3}"/>
               </a:ext>
               <a:ext uri="{C183D7F6-B498-43B3-948B-1728B52AA6E4}">
                 <adec:decorative xmlns:adec="http://schemas.microsoft.com/office/drawing/2017/decorative" val="1"/>
               </a:ext>
             </a:extLst>
           </p:cNvPr>
-          <p:cNvSpPr>
-            <a:spLocks noGrp="1" noRot="1" noChangeAspect="1" noMove="1" noResize="1" noEditPoints="1" noAdjustHandles="1" noChangeArrowheads="1" noChangeShapeType="1" noTextEdit="1"/>
-          </p:cNvSpPr>
+          <p:cNvPicPr>
+            <a:picLocks noGrp="1" noRot="1" noChangeAspect="1" noMove="1" noResize="1" noEditPoints="1" noAdjustHandles="1" noChangeArrowheads="1" noChangeShapeType="1" noCrop="1"/>
+          </p:cNvPicPr>
           <p:nvPr>
             <p:extLst>
               <p:ext uri="{386F3935-93C4-4BCD-93E2-E3B085C9AB24}">
@@ -4119,104 +4582,9 @@
               </p:ext>
             </p:extLst>
           </p:nvPr>
-        </p:nvSpPr>
-        <p:spPr bwMode="ltGray">
-          <a:xfrm>
-            <a:off x="4654295" y="478232"/>
-            <a:ext cx="7034121" cy="5918673"/>
-          </a:xfrm>
-          <a:prstGeom prst="rect">
-            <a:avLst/>
-          </a:prstGeom>
-          <a:solidFill>
-            <a:srgbClr val="404040"/>
-          </a:solidFill>
-          <a:ln w="127000" cap="sq" cmpd="thinThick">
-            <a:solidFill>
-              <a:srgbClr val="404040"/>
-            </a:solidFill>
-          </a:ln>
-        </p:spPr>
-        <p:style>
-          <a:lnRef idx="2">
-            <a:schemeClr val="accent1">
-              <a:shade val="50000"/>
-            </a:schemeClr>
-          </a:lnRef>
-          <a:fillRef idx="1">
-            <a:schemeClr val="accent1"/>
-          </a:fillRef>
-          <a:effectRef idx="0">
-            <a:schemeClr val="accent1"/>
-          </a:effectRef>
-          <a:fontRef idx="minor">
-            <a:schemeClr val="lt1"/>
-          </a:fontRef>
-        </p:style>
-        <p:txBody>
-          <a:bodyPr rtlCol="0" anchor="ctr"/>
-          <a:lstStyle/>
-          <a:p>
-            <a:pPr algn="ctr"/>
-            <a:endParaRPr lang="en-US"/>
-          </a:p>
-        </p:txBody>
-      </p:sp>
-      <p:sp>
-        <p:nvSpPr>
-          <p:cNvPr id="2" name="Titel 1">
-            <a:extLst>
-              <a:ext uri="{FF2B5EF4-FFF2-40B4-BE49-F238E27FC236}">
-                <a16:creationId xmlns:a16="http://schemas.microsoft.com/office/drawing/2014/main" id="{9F911658-3497-45FE-B8DE-51AAAA6C7586}"/>
-              </a:ext>
-            </a:extLst>
-          </p:cNvPr>
-          <p:cNvSpPr>
-            <a:spLocks noGrp="1"/>
-          </p:cNvSpPr>
-          <p:nvPr>
-            <p:ph type="title"/>
-          </p:nvPr>
-        </p:nvSpPr>
-        <p:spPr>
-          <a:xfrm>
-            <a:off x="5297762" y="1053711"/>
-            <a:ext cx="5638994" cy="1424446"/>
-          </a:xfrm>
-        </p:spPr>
-        <p:txBody>
-          <a:bodyPr>
-            <a:normAutofit/>
-          </a:bodyPr>
-          <a:lstStyle/>
-          <a:p>
-            <a:r>
-              <a:rPr lang="en-GB">
-                <a:solidFill>
-                  <a:srgbClr val="FFFFFF"/>
-                </a:solidFill>
-              </a:rPr>
-              <a:t>What we used and why</a:t>
-            </a:r>
-          </a:p>
-        </p:txBody>
-      </p:sp>
-      <p:pic>
-        <p:nvPicPr>
-          <p:cNvPr id="13" name="Grafik 12">
-            <a:extLst>
-              <a:ext uri="{FF2B5EF4-FFF2-40B4-BE49-F238E27FC236}">
-                <a16:creationId xmlns:a16="http://schemas.microsoft.com/office/drawing/2014/main" id="{1C07BAF9-6605-4423-831E-CE460FF886B8}"/>
-              </a:ext>
-            </a:extLst>
-          </p:cNvPr>
-          <p:cNvPicPr>
-            <a:picLocks noChangeAspect="1"/>
-          </p:cNvPicPr>
-          <p:nvPr/>
         </p:nvPicPr>
         <p:blipFill>
-          <a:blip r:embed="rId2">
+          <a:blip r:embed="rId4">
             <a:extLst>
               <a:ext uri="{28A0092B-C50C-407E-A947-70E740481C1C}">
                 <a14:useLocalDpi xmlns:a14="http://schemas.microsoft.com/office/drawing/2010/main" val="0"/>
@@ -4229,72 +4597,132 @@
         </p:blipFill>
         <p:spPr>
           <a:xfrm>
-            <a:off x="918300" y="478232"/>
-            <a:ext cx="2789902" cy="2789902"/>
+            <a:off x="0" y="0"/>
+            <a:ext cx="12192000" cy="6858000"/>
           </a:xfrm>
           <a:prstGeom prst="rect">
             <a:avLst/>
           </a:prstGeom>
         </p:spPr>
       </p:pic>
-      <p:cxnSp>
-        <p:nvCxnSpPr>
-          <p:cNvPr id="73" name="Straight Connector 72">
-            <a:extLst>
-              <a:ext uri="{FF2B5EF4-FFF2-40B4-BE49-F238E27FC236}">
-                <a16:creationId xmlns:a16="http://schemas.microsoft.com/office/drawing/2014/main" id="{AAFEA932-2DF1-410C-A00A-7A1E7DBF7511}"/>
-              </a:ext>
-              <a:ext uri="{C183D7F6-B498-43B3-948B-1728B52AA6E4}">
-                <adec:decorative xmlns:adec="http://schemas.microsoft.com/office/drawing/2017/decorative" val="1"/>
-              </a:ext>
-            </a:extLst>
-          </p:cNvPr>
-          <p:cNvCxnSpPr>
-            <a:cxnSpLocks noGrp="1" noRot="1" noChangeAspect="1" noMove="1" noResize="1" noEditPoints="1" noAdjustHandles="1" noChangeArrowheads="1" noChangeShapeType="1"/>
-          </p:cNvCxnSpPr>
-          <p:nvPr>
-            <p:extLst>
-              <p:ext uri="{386F3935-93C4-4BCD-93E2-E3B085C9AB24}">
-                <p16:designElem xmlns:p16="http://schemas.microsoft.com/office/powerpoint/2015/main" val="1"/>
-              </p:ext>
-            </p:extLst>
-          </p:nvPr>
-        </p:nvCxnSpPr>
+      <p:sp>
+        <p:nvSpPr>
+          <p:cNvPr id="2" name="Titel 1">
+            <a:extLst>
+              <a:ext uri="{FF2B5EF4-FFF2-40B4-BE49-F238E27FC236}">
+                <a16:creationId xmlns:a16="http://schemas.microsoft.com/office/drawing/2014/main" id="{9F911658-3497-45FE-B8DE-51AAAA6C7586}"/>
+              </a:ext>
+            </a:extLst>
+          </p:cNvPr>
+          <p:cNvSpPr>
+            <a:spLocks noGrp="1"/>
+          </p:cNvSpPr>
+          <p:nvPr>
+            <p:ph type="title"/>
+          </p:nvPr>
+        </p:nvSpPr>
         <p:spPr>
           <a:xfrm>
-            <a:off x="5430098" y="2639023"/>
-            <a:ext cx="4562441" cy="0"/>
+            <a:off x="6094105" y="802955"/>
+            <a:ext cx="4977976" cy="1454051"/>
           </a:xfrm>
-          <a:prstGeom prst="line">
-            <a:avLst/>
-          </a:prstGeom>
-          <a:ln w="22225">
-            <a:solidFill>
-              <a:srgbClr val="E7E6E6"/>
-            </a:solidFill>
-          </a:ln>
         </p:spPr>
-        <p:style>
-          <a:lnRef idx="1">
-            <a:schemeClr val="accent1"/>
-          </a:lnRef>
-          <a:fillRef idx="0">
-            <a:schemeClr val="accent1"/>
-          </a:fillRef>
-          <a:effectRef idx="0">
-            <a:schemeClr val="accent1"/>
-          </a:effectRef>
-          <a:fontRef idx="minor">
-            <a:schemeClr val="tx1"/>
-          </a:fontRef>
-        </p:style>
-      </p:cxnSp>
+        <p:txBody>
+          <a:bodyPr>
+            <a:normAutofit/>
+          </a:bodyPr>
+          <a:lstStyle/>
+          <a:p>
+            <a:r>
+              <a:rPr lang="en-GB" sz="4000">
+                <a:solidFill>
+                  <a:srgbClr val="000000"/>
+                </a:solidFill>
+              </a:rPr>
+              <a:t>What we used</a:t>
+            </a:r>
+          </a:p>
+        </p:txBody>
+      </p:sp>
+      <p:sp>
+        <p:nvSpPr>
+          <p:cNvPr id="10" name="Content Placeholder 9">
+            <a:extLst>
+              <a:ext uri="{FF2B5EF4-FFF2-40B4-BE49-F238E27FC236}">
+                <a16:creationId xmlns:a16="http://schemas.microsoft.com/office/drawing/2014/main" id="{2CB2D89F-CCCF-4F2B-9968-21C18C3406DE}"/>
+              </a:ext>
+            </a:extLst>
+          </p:cNvPr>
+          <p:cNvSpPr>
+            <a:spLocks noGrp="1"/>
+          </p:cNvSpPr>
+          <p:nvPr>
+            <p:ph idx="1"/>
+          </p:nvPr>
+        </p:nvSpPr>
+        <p:spPr>
+          <a:xfrm>
+            <a:off x="6090574" y="2421682"/>
+            <a:ext cx="4977578" cy="3639289"/>
+          </a:xfrm>
+        </p:spPr>
+        <p:txBody>
+          <a:bodyPr anchor="ctr">
+            <a:normAutofit/>
+          </a:bodyPr>
+          <a:lstStyle/>
+          <a:p>
+            <a:endParaRPr lang="en-US" sz="2000" dirty="0">
+              <a:solidFill>
+                <a:srgbClr val="000000"/>
+              </a:solidFill>
+            </a:endParaRPr>
+          </a:p>
+          <a:p>
+            <a:r>
+              <a:rPr lang="en-US" sz="2000" dirty="0">
+                <a:solidFill>
+                  <a:srgbClr val="000000"/>
+                </a:solidFill>
+              </a:rPr>
+              <a:t>APA102 LED-strip</a:t>
+            </a:r>
+          </a:p>
+          <a:p>
+            <a:r>
+              <a:rPr lang="en-US" sz="2000" dirty="0">
+                <a:solidFill>
+                  <a:srgbClr val="000000"/>
+                </a:solidFill>
+              </a:rPr>
+              <a:t>Squid-Buttons</a:t>
+            </a:r>
+          </a:p>
+          <a:p>
+            <a:r>
+              <a:rPr lang="en-US" sz="2000" dirty="0">
+                <a:solidFill>
+                  <a:srgbClr val="000000"/>
+                </a:solidFill>
+              </a:rPr>
+              <a:t>Acrylic glass</a:t>
+            </a:r>
+          </a:p>
+          <a:p>
+            <a:endParaRPr lang="en-US" sz="2000" dirty="0">
+              <a:solidFill>
+                <a:srgbClr val="000000"/>
+              </a:solidFill>
+            </a:endParaRPr>
+          </a:p>
+        </p:txBody>
+      </p:sp>
       <p:pic>
         <p:nvPicPr>
-          <p:cNvPr id="28" name="Grafik 27" descr="Ein Bild, das Wand, drinnen enthält.&#10;&#10;Mit sehr hoher Zuverlässigkeit generierte Beschreibung">
-            <a:extLst>
-              <a:ext uri="{FF2B5EF4-FFF2-40B4-BE49-F238E27FC236}">
-                <a16:creationId xmlns:a16="http://schemas.microsoft.com/office/drawing/2014/main" id="{7ED1A68E-AD7F-4E91-BB75-4EFF75D642E4}"/>
+          <p:cNvPr id="13" name="Grafik 12">
+            <a:extLst>
+              <a:ext uri="{FF2B5EF4-FFF2-40B4-BE49-F238E27FC236}">
+                <a16:creationId xmlns:a16="http://schemas.microsoft.com/office/drawing/2014/main" id="{1C07BAF9-6605-4423-831E-CE460FF886B8}"/>
               </a:ext>
             </a:extLst>
           </p:cNvPr>
@@ -4303,101 +4731,31 @@
           </p:cNvPicPr>
           <p:nvPr/>
         </p:nvPicPr>
-        <p:blipFill>
-          <a:blip r:embed="rId3">
+        <p:blipFill rotWithShape="1">
+          <a:blip r:embed="rId5">
+            <a:alphaModFix/>
             <a:extLst>
               <a:ext uri="{28A0092B-C50C-407E-A947-70E740481C1C}">
                 <a14:useLocalDpi xmlns:a14="http://schemas.microsoft.com/office/drawing/2010/main" val="0"/>
               </a:ext>
             </a:extLst>
           </a:blip>
-          <a:stretch>
-            <a:fillRect/>
-          </a:stretch>
+          <a:srcRect t="5750" r="-2" b="22560"/>
+          <a:stretch/>
         </p:blipFill>
         <p:spPr>
           <a:xfrm>
-            <a:off x="481886" y="3610803"/>
-            <a:ext cx="3662730" cy="2747047"/>
+            <a:off x="-180332" y="-193135"/>
+            <a:ext cx="6447707" cy="4622292"/>
           </a:xfrm>
           <a:prstGeom prst="rect">
             <a:avLst/>
           </a:prstGeom>
+          <a:effectLst>
+            <a:softEdge rad="533400"/>
+          </a:effectLst>
         </p:spPr>
       </p:pic>
-      <p:sp>
-        <p:nvSpPr>
-          <p:cNvPr id="10" name="Content Placeholder 9">
-            <a:extLst>
-              <a:ext uri="{FF2B5EF4-FFF2-40B4-BE49-F238E27FC236}">
-                <a16:creationId xmlns:a16="http://schemas.microsoft.com/office/drawing/2014/main" id="{2CB2D89F-CCCF-4F2B-9968-21C18C3406DE}"/>
-              </a:ext>
-            </a:extLst>
-          </p:cNvPr>
-          <p:cNvSpPr>
-            <a:spLocks noGrp="1"/>
-          </p:cNvSpPr>
-          <p:nvPr>
-            <p:ph idx="1"/>
-          </p:nvPr>
-        </p:nvSpPr>
-        <p:spPr>
-          <a:xfrm>
-            <a:off x="5297762" y="2799889"/>
-            <a:ext cx="5747187" cy="2987543"/>
-          </a:xfrm>
-        </p:spPr>
-        <p:txBody>
-          <a:bodyPr anchor="t">
-            <a:normAutofit/>
-          </a:bodyPr>
-          <a:lstStyle/>
-          <a:p>
-            <a:endParaRPr lang="en-US" sz="2400">
-              <a:solidFill>
-                <a:srgbClr val="FFFFFF"/>
-              </a:solidFill>
-            </a:endParaRPr>
-          </a:p>
-          <a:p>
-            <a:r>
-              <a:rPr lang="en-US" sz="2400">
-                <a:solidFill>
-                  <a:srgbClr val="FFFFFF"/>
-                </a:solidFill>
-              </a:rPr>
-              <a:t>APA -102 LED-strip (PICTURE ufgrollt)</a:t>
-            </a:r>
-          </a:p>
-          <a:p>
-            <a:r>
-              <a:rPr lang="en-US" sz="2400">
-                <a:solidFill>
-                  <a:srgbClr val="FFFFFF"/>
-                </a:solidFill>
-              </a:rPr>
-              <a:t>Squid-Buttons (PICTURE knöpf)</a:t>
-            </a:r>
-          </a:p>
-          <a:p>
-            <a:r>
-              <a:rPr lang="en-US" sz="2400">
-                <a:solidFill>
-                  <a:srgbClr val="FFFFFF"/>
-                </a:solidFill>
-              </a:rPr>
-              <a:t>Acrylic glass</a:t>
-            </a:r>
-          </a:p>
-          <a:p>
-            <a:endParaRPr lang="en-US" sz="2400">
-              <a:solidFill>
-                <a:srgbClr val="FFFFFF"/>
-              </a:solidFill>
-            </a:endParaRPr>
-          </a:p>
-        </p:txBody>
-      </p:sp>
     </p:spTree>
     <p:extLst>
       <p:ext uri="{BB962C8B-B14F-4D97-AF65-F5344CB8AC3E}">
@@ -4446,61 +4804,117 @@
       </p:grpSpPr>
       <p:sp>
         <p:nvSpPr>
-          <p:cNvPr id="2" name="Titel 1">
-            <a:extLst>
-              <a:ext uri="{FF2B5EF4-FFF2-40B4-BE49-F238E27FC236}">
-                <a16:creationId xmlns:a16="http://schemas.microsoft.com/office/drawing/2014/main" id="{9F911658-3497-45FE-B8DE-51AAAA6C7586}"/>
-              </a:ext>
-            </a:extLst>
-          </p:cNvPr>
-          <p:cNvSpPr>
-            <a:spLocks noGrp="1"/>
-          </p:cNvSpPr>
-          <p:nvPr>
-            <p:ph type="title"/>
+          <p:cNvPr id="49" name="Rectangle 48">
+            <a:extLst>
+              <a:ext uri="{FF2B5EF4-FFF2-40B4-BE49-F238E27FC236}">
+                <a16:creationId xmlns:a16="http://schemas.microsoft.com/office/drawing/2014/main" id="{84867EAF-AE1D-4322-9DE8-383AE3F7BCD9}"/>
+              </a:ext>
+              <a:ext uri="{C183D7F6-B498-43B3-948B-1728B52AA6E4}">
+                <adec:decorative xmlns:adec="http://schemas.microsoft.com/office/drawing/2017/decorative" val="1"/>
+              </a:ext>
+            </a:extLst>
+          </p:cNvPr>
+          <p:cNvSpPr>
+            <a:spLocks noGrp="1" noRot="1" noChangeAspect="1" noMove="1" noResize="1" noEditPoints="1" noAdjustHandles="1" noChangeArrowheads="1" noChangeShapeType="1" noTextEdit="1"/>
+          </p:cNvSpPr>
+          <p:nvPr>
+            <p:extLst>
+              <p:ext uri="{386F3935-93C4-4BCD-93E2-E3B085C9AB24}">
+                <p16:designElem xmlns:p16="http://schemas.microsoft.com/office/powerpoint/2015/main" val="1"/>
+              </p:ext>
+            </p:extLst>
           </p:nvPr>
         </p:nvSpPr>
         <p:spPr>
           <a:xfrm>
-            <a:off x="2257214" y="2694018"/>
-            <a:ext cx="5406902" cy="1469965"/>
+            <a:off x="6096" y="-4691"/>
+            <a:ext cx="5446920" cy="6858000"/>
           </a:xfrm>
+          <a:prstGeom prst="rect">
+            <a:avLst/>
+          </a:prstGeom>
+          <a:gradFill>
+            <a:gsLst>
+              <a:gs pos="0">
+                <a:schemeClr val="accent1">
+                  <a:lumMod val="90000"/>
+                </a:schemeClr>
+              </a:gs>
+              <a:gs pos="25000">
+                <a:schemeClr val="accent1">
+                  <a:lumMod val="90000"/>
+                </a:schemeClr>
+              </a:gs>
+              <a:gs pos="94000">
+                <a:schemeClr val="bg2">
+                  <a:lumMod val="25000"/>
+                </a:schemeClr>
+              </a:gs>
+              <a:gs pos="100000">
+                <a:schemeClr val="bg2">
+                  <a:lumMod val="25000"/>
+                </a:schemeClr>
+              </a:gs>
+            </a:gsLst>
+            <a:lin ang="4200000" scaled="0"/>
+          </a:gradFill>
+          <a:ln>
+            <a:noFill/>
+          </a:ln>
         </p:spPr>
-        <p:txBody>
-          <a:bodyPr anchor="ctr">
-            <a:normAutofit/>
-          </a:bodyPr>
+        <p:style>
+          <a:lnRef idx="2">
+            <a:schemeClr val="accent1">
+              <a:shade val="50000"/>
+            </a:schemeClr>
+          </a:lnRef>
+          <a:fillRef idx="1">
+            <a:schemeClr val="accent1"/>
+          </a:fillRef>
+          <a:effectRef idx="0">
+            <a:schemeClr val="accent1"/>
+          </a:effectRef>
+          <a:fontRef idx="minor">
+            <a:schemeClr val="lt1"/>
+          </a:fontRef>
+        </p:style>
+        <p:txBody>
+          <a:bodyPr rtlCol="0" anchor="ctr"/>
           <a:lstStyle/>
           <a:p>
-            <a:r>
-              <a:rPr lang="en-GB"/>
-              <a:t>Budget</a:t>
-            </a:r>
+            <a:pPr algn="ctr"/>
+            <a:endParaRPr lang="en-US"/>
           </a:p>
         </p:txBody>
       </p:sp>
       <p:pic>
         <p:nvPicPr>
-          <p:cNvPr id="83" name="Graphic 82">
-            <a:extLst>
-              <a:ext uri="{FF2B5EF4-FFF2-40B4-BE49-F238E27FC236}">
-                <a16:creationId xmlns:a16="http://schemas.microsoft.com/office/drawing/2014/main" id="{C7B4D6E4-60FF-4116-BD10-9B340262DF58}"/>
+          <p:cNvPr id="51" name="Picture 50">
+            <a:extLst>
+              <a:ext uri="{FF2B5EF4-FFF2-40B4-BE49-F238E27FC236}">
+                <a16:creationId xmlns:a16="http://schemas.microsoft.com/office/drawing/2014/main" id="{40676238-7F95-4EEB-836A-7D23927873AD}"/>
+              </a:ext>
+              <a:ext uri="{C183D7F6-B498-43B3-948B-1728B52AA6E4}">
+                <adec:decorative xmlns:adec="http://schemas.microsoft.com/office/drawing/2017/decorative" val="1"/>
               </a:ext>
             </a:extLst>
           </p:cNvPr>
           <p:cNvPicPr>
-            <a:picLocks noChangeAspect="1"/>
+            <a:picLocks noGrp="1" noRot="1" noChangeAspect="1" noMove="1" noResize="1" noEditPoints="1" noAdjustHandles="1" noChangeArrowheads="1" noChangeShapeType="1" noCrop="1"/>
           </p:cNvPicPr>
-          <p:nvPr/>
+          <p:nvPr>
+            <p:extLst>
+              <p:ext uri="{386F3935-93C4-4BCD-93E2-E3B085C9AB24}">
+                <p16:designElem xmlns:p16="http://schemas.microsoft.com/office/powerpoint/2015/main" val="1"/>
+              </p:ext>
+            </p:extLst>
+          </p:nvPr>
         </p:nvPicPr>
         <p:blipFill>
           <a:blip r:embed="rId2">
             <a:extLst>
               <a:ext uri="{28A0092B-C50C-407E-A947-70E740481C1C}">
                 <a14:useLocalDpi xmlns:a14="http://schemas.microsoft.com/office/drawing/2010/main" val="0"/>
-              </a:ext>
-              <a:ext uri="{96DAC541-7B7A-43D3-8B79-37D633B846F1}">
-                <asvg:svgBlip xmlns:asvg="http://schemas.microsoft.com/office/drawing/2016/SVG/main" r:embed="rId3"/>
               </a:ext>
             </a:extLst>
           </a:blip>
@@ -4510,8 +4924,8 @@
         </p:blipFill>
         <p:spPr>
           <a:xfrm>
-            <a:off x="838200" y="2880360"/>
-            <a:ext cx="1097280" cy="1097280"/>
+            <a:off x="0" y="0"/>
+            <a:ext cx="12192000" cy="6858000"/>
           </a:xfrm>
           <a:prstGeom prst="rect">
             <a:avLst/>
@@ -4520,106 +4934,1095 @@
       </p:pic>
       <p:sp>
         <p:nvSpPr>
-          <p:cNvPr id="52" name="Content Placeholder 9">
-            <a:extLst>
-              <a:ext uri="{FF2B5EF4-FFF2-40B4-BE49-F238E27FC236}">
-                <a16:creationId xmlns:a16="http://schemas.microsoft.com/office/drawing/2014/main" id="{2CB2D89F-CCCF-4F2B-9968-21C18C3406DE}"/>
-              </a:ext>
-            </a:extLst>
-          </p:cNvPr>
-          <p:cNvSpPr>
-            <a:spLocks noGrp="1"/>
-          </p:cNvSpPr>
-          <p:nvPr>
-            <p:ph idx="1"/>
+          <p:cNvPr id="7" name="Titel 6">
+            <a:extLst>
+              <a:ext uri="{FF2B5EF4-FFF2-40B4-BE49-F238E27FC236}">
+                <a16:creationId xmlns:a16="http://schemas.microsoft.com/office/drawing/2014/main" id="{445E4A81-F198-44FC-91EB-7AA8B871C7E0}"/>
+              </a:ext>
+            </a:extLst>
+          </p:cNvPr>
+          <p:cNvSpPr>
+            <a:spLocks noGrp="1"/>
+          </p:cNvSpPr>
+          <p:nvPr>
+            <p:ph type="title"/>
           </p:nvPr>
         </p:nvSpPr>
         <p:spPr>
           <a:xfrm>
-            <a:off x="2257215" y="4352917"/>
-            <a:ext cx="5406902" cy="1688746"/>
+            <a:off x="726057" y="3121701"/>
+            <a:ext cx="3658053" cy="1786515"/>
           </a:xfrm>
+          <a:prstGeom prst="ellipse">
+            <a:avLst/>
+          </a:prstGeom>
         </p:spPr>
         <p:txBody>
-          <a:bodyPr>
+          <a:bodyPr vert="horz" lIns="91440" tIns="45720" rIns="91440" bIns="45720" rtlCol="0" anchor="t">
             <a:normAutofit/>
           </a:bodyPr>
           <a:lstStyle/>
           <a:p>
             <a:r>
-              <a:rPr lang="en-US" sz="2000"/>
-              <a:t>Too long strip</a:t>
-            </a:r>
-          </a:p>
-          <a:p>
-            <a:r>
-              <a:rPr lang="en-US" sz="2000"/>
-              <a:t>Not enough power</a:t>
-            </a:r>
-          </a:p>
-          <a:p>
-            <a:r>
-              <a:rPr lang="en-US" sz="2000"/>
-              <a:t>Flickering</a:t>
-            </a:r>
-          </a:p>
-          <a:p>
-            <a:r>
-              <a:rPr lang="en-US" sz="2000"/>
-              <a:t>Buttons</a:t>
-            </a:r>
-          </a:p>
-        </p:txBody>
-      </p:sp>
-      <p:pic>
-        <p:nvPicPr>
-          <p:cNvPr id="85" name="Graphic 84">
-            <a:extLst>
-              <a:ext uri="{FF2B5EF4-FFF2-40B4-BE49-F238E27FC236}">
-                <a16:creationId xmlns:a16="http://schemas.microsoft.com/office/drawing/2014/main" id="{553A9F82-6418-40FD-BEE6-8D0BDF800B12}"/>
-              </a:ext>
-              <a:ext uri="{C183D7F6-B498-43B3-948B-1728B52AA6E4}">
-                <adec:decorative xmlns:adec="http://schemas.microsoft.com/office/drawing/2017/decorative" val="1"/>
-              </a:ext>
-            </a:extLst>
-          </p:cNvPr>
-          <p:cNvPicPr>
-            <a:picLocks noGrp="1" noRot="1" noChangeAspect="1" noMove="1" noResize="1" noEditPoints="1" noAdjustHandles="1" noChangeArrowheads="1" noChangeShapeType="1" noCrop="1"/>
-          </p:cNvPicPr>
+              <a:rPr lang="en-US" kern="1200">
+                <a:solidFill>
+                  <a:srgbClr val="FFFFFF"/>
+                </a:solidFill>
+                <a:latin typeface="+mj-lt"/>
+                <a:ea typeface="+mj-ea"/>
+                <a:cs typeface="+mj-cs"/>
+              </a:rPr>
+              <a:t>Budget</a:t>
+            </a:r>
+          </a:p>
+        </p:txBody>
+      </p:sp>
+      <p:graphicFrame>
+        <p:nvGraphicFramePr>
+          <p:cNvPr id="3" name="Tabelle 2">
+            <a:extLst>
+              <a:ext uri="{FF2B5EF4-FFF2-40B4-BE49-F238E27FC236}">
+                <a16:creationId xmlns:a16="http://schemas.microsoft.com/office/drawing/2014/main" id="{2DDB74D5-9E9C-4E5F-85B1-BFBEC12D92A9}"/>
+              </a:ext>
+            </a:extLst>
+          </p:cNvPr>
+          <p:cNvGraphicFramePr>
+            <a:graphicFrameLocks noGrp="1"/>
+          </p:cNvGraphicFramePr>
           <p:nvPr>
             <p:extLst>
-              <p:ext uri="{386F3935-93C4-4BCD-93E2-E3B085C9AB24}">
-                <p16:designElem xmlns:p16="http://schemas.microsoft.com/office/powerpoint/2015/main" val="1"/>
+              <p:ext uri="{D42A27DB-BD31-4B8C-83A1-F6EECF244321}">
+                <p14:modId xmlns:p14="http://schemas.microsoft.com/office/powerpoint/2010/main" val="3785418178"/>
               </p:ext>
             </p:extLst>
           </p:nvPr>
-        </p:nvPicPr>
-        <p:blipFill>
-          <a:blip r:embed="rId2">
-            <a:alphaModFix amt="15000"/>
-            <a:extLst>
-              <a:ext uri="{28A0092B-C50C-407E-A947-70E740481C1C}">
-                <a14:useLocalDpi xmlns:a14="http://schemas.microsoft.com/office/drawing/2010/main" val="0"/>
-              </a:ext>
-              <a:ext uri="{96DAC541-7B7A-43D3-8B79-37D633B846F1}">
-                <asvg:svgBlip xmlns:asvg="http://schemas.microsoft.com/office/drawing/2016/SVG/main" r:embed="rId3"/>
-              </a:ext>
-            </a:extLst>
-          </a:blip>
-          <a:stretch>
-            <a:fillRect/>
-          </a:stretch>
-        </p:blipFill>
-        <p:spPr>
-          <a:xfrm>
-            <a:off x="6641431" y="816337"/>
-            <a:ext cx="5225327" cy="5225327"/>
-          </a:xfrm>
-          <a:prstGeom prst="rect">
-            <a:avLst/>
-          </a:prstGeom>
-        </p:spPr>
-      </p:pic>
+        </p:nvGraphicFramePr>
+        <p:xfrm>
+          <a:off x="6172977" y="1240800"/>
+          <a:ext cx="5631096" cy="4368641"/>
+        </p:xfrm>
+        <a:graphic>
+          <a:graphicData uri="http://schemas.openxmlformats.org/drawingml/2006/table">
+            <a:tbl>
+              <a:tblPr firstRow="1" bandRow="1">
+                <a:noFill/>
+                <a:tableStyleId>{5C22544A-7EE6-4342-B048-85BDC9FD1C3A}</a:tableStyleId>
+              </a:tblPr>
+              <a:tblGrid>
+                <a:gridCol w="1602347">
+                  <a:extLst>
+                    <a:ext uri="{9D8B030D-6E8A-4147-A177-3AD203B41FA5}">
+                      <a16:colId xmlns:a16="http://schemas.microsoft.com/office/drawing/2014/main" val="3364764496"/>
+                    </a:ext>
+                  </a:extLst>
+                </a:gridCol>
+                <a:gridCol w="2026767">
+                  <a:extLst>
+                    <a:ext uri="{9D8B030D-6E8A-4147-A177-3AD203B41FA5}">
+                      <a16:colId xmlns:a16="http://schemas.microsoft.com/office/drawing/2014/main" val="2606322758"/>
+                    </a:ext>
+                  </a:extLst>
+                </a:gridCol>
+                <a:gridCol w="2001982">
+                  <a:extLst>
+                    <a:ext uri="{9D8B030D-6E8A-4147-A177-3AD203B41FA5}">
+                      <a16:colId xmlns:a16="http://schemas.microsoft.com/office/drawing/2014/main" val="4102407710"/>
+                    </a:ext>
+                  </a:extLst>
+                </a:gridCol>
+              </a:tblGrid>
+              <a:tr h="1289795">
+                <a:tc>
+                  <a:txBody>
+                    <a:bodyPr/>
+                    <a:lstStyle/>
+                    <a:p>
+                      <a:r>
+                        <a:rPr lang="de-CH" sz="2200" b="1">
+                          <a:solidFill>
+                            <a:schemeClr val="tx1">
+                              <a:lumMod val="75000"/>
+                              <a:lumOff val="25000"/>
+                            </a:schemeClr>
+                          </a:solidFill>
+                        </a:rPr>
+                        <a:t>Products</a:t>
+                      </a:r>
+                    </a:p>
+                  </a:txBody>
+                  <a:tcPr marL="221422" marR="166066" marT="110711" marB="110711">
+                    <a:lnL w="12700" cmpd="sng">
+                      <a:noFill/>
+                      <a:prstDash val="solid"/>
+                    </a:lnL>
+                    <a:lnR w="12700" cmpd="sng">
+                      <a:noFill/>
+                      <a:prstDash val="solid"/>
+                    </a:lnR>
+                    <a:lnT w="9525" cap="flat" cmpd="sng" algn="ctr">
+                      <a:noFill/>
+                      <a:prstDash val="solid"/>
+                    </a:lnT>
+                    <a:lnB w="9525" cap="flat" cmpd="sng" algn="ctr">
+                      <a:solidFill>
+                        <a:srgbClr val="C7C6C1"/>
+                      </a:solidFill>
+                      <a:prstDash val="solid"/>
+                    </a:lnB>
+                    <a:noFill/>
+                  </a:tcPr>
+                </a:tc>
+                <a:tc>
+                  <a:txBody>
+                    <a:bodyPr/>
+                    <a:lstStyle/>
+                    <a:p>
+                      <a:r>
+                        <a:rPr lang="de-CH" sz="2200" b="1" dirty="0" err="1">
+                          <a:solidFill>
+                            <a:schemeClr val="tx1">
+                              <a:lumMod val="75000"/>
+                              <a:lumOff val="25000"/>
+                            </a:schemeClr>
+                          </a:solidFill>
+                        </a:rPr>
+                        <a:t>Estimated</a:t>
+                      </a:r>
+                      <a:r>
+                        <a:rPr lang="de-CH" sz="2200" b="1" dirty="0">
+                          <a:solidFill>
+                            <a:schemeClr val="tx1">
+                              <a:lumMod val="75000"/>
+                              <a:lumOff val="25000"/>
+                            </a:schemeClr>
+                          </a:solidFill>
+                        </a:rPr>
+                        <a:t> </a:t>
+                      </a:r>
+                      <a:r>
+                        <a:rPr lang="de-CH" sz="2200" b="1" dirty="0" err="1">
+                          <a:solidFill>
+                            <a:schemeClr val="tx1">
+                              <a:lumMod val="75000"/>
+                              <a:lumOff val="25000"/>
+                            </a:schemeClr>
+                          </a:solidFill>
+                        </a:rPr>
+                        <a:t>costs</a:t>
+                      </a:r>
+                      <a:r>
+                        <a:rPr lang="de-CH" sz="2200" b="1" dirty="0">
+                          <a:solidFill>
+                            <a:schemeClr val="tx1">
+                              <a:lumMod val="75000"/>
+                              <a:lumOff val="25000"/>
+                            </a:schemeClr>
+                          </a:solidFill>
+                        </a:rPr>
+                        <a:t> (CHF)</a:t>
+                      </a:r>
+                    </a:p>
+                  </a:txBody>
+                  <a:tcPr marL="221422" marR="166066" marT="110711" marB="110711">
+                    <a:lnL w="12700" cmpd="sng">
+                      <a:noFill/>
+                      <a:prstDash val="solid"/>
+                    </a:lnL>
+                    <a:lnR w="12700" cmpd="sng">
+                      <a:noFill/>
+                      <a:prstDash val="solid"/>
+                    </a:lnR>
+                    <a:lnT w="9525" cap="flat" cmpd="sng" algn="ctr">
+                      <a:noFill/>
+                      <a:prstDash val="solid"/>
+                    </a:lnT>
+                    <a:lnB w="9525" cap="flat" cmpd="sng" algn="ctr">
+                      <a:solidFill>
+                        <a:srgbClr val="C7C6C1"/>
+                      </a:solidFill>
+                      <a:prstDash val="solid"/>
+                    </a:lnB>
+                    <a:noFill/>
+                  </a:tcPr>
+                </a:tc>
+                <a:tc>
+                  <a:txBody>
+                    <a:bodyPr/>
+                    <a:lstStyle/>
+                    <a:p>
+                      <a:r>
+                        <a:rPr lang="de-CH" sz="2200" b="1">
+                          <a:solidFill>
+                            <a:schemeClr val="tx1">
+                              <a:lumMod val="75000"/>
+                              <a:lumOff val="25000"/>
+                            </a:schemeClr>
+                          </a:solidFill>
+                        </a:rPr>
+                        <a:t>Final costs (CHF)</a:t>
+                      </a:r>
+                    </a:p>
+                  </a:txBody>
+                  <a:tcPr marL="221422" marR="166066" marT="110711" marB="110711">
+                    <a:lnL w="12700" cmpd="sng">
+                      <a:noFill/>
+                      <a:prstDash val="solid"/>
+                    </a:lnL>
+                    <a:lnR w="12700" cmpd="sng">
+                      <a:noFill/>
+                      <a:prstDash val="solid"/>
+                    </a:lnR>
+                    <a:lnT w="9525" cap="flat" cmpd="sng" algn="ctr">
+                      <a:noFill/>
+                      <a:prstDash val="solid"/>
+                    </a:lnT>
+                    <a:lnB w="9525" cap="flat" cmpd="sng" algn="ctr">
+                      <a:solidFill>
+                        <a:srgbClr val="C7C6C1"/>
+                      </a:solidFill>
+                      <a:prstDash val="solid"/>
+                    </a:lnB>
+                    <a:noFill/>
+                  </a:tcPr>
+                </a:tc>
+                <a:extLst>
+                  <a:ext uri="{0D108BD9-81ED-4DB2-BD59-A6C34878D82A}">
+                    <a16:rowId xmlns:a16="http://schemas.microsoft.com/office/drawing/2014/main" val="1418874871"/>
+                  </a:ext>
+                </a:extLst>
+              </a:tr>
+              <a:tr h="513141">
+                <a:tc>
+                  <a:txBody>
+                    <a:bodyPr/>
+                    <a:lstStyle/>
+                    <a:p>
+                      <a:r>
+                        <a:rPr lang="de-CH" sz="1600">
+                          <a:solidFill>
+                            <a:schemeClr val="tx1">
+                              <a:lumMod val="75000"/>
+                              <a:lumOff val="25000"/>
+                            </a:schemeClr>
+                          </a:solidFill>
+                        </a:rPr>
+                        <a:t>LEDs</a:t>
+                      </a:r>
+                    </a:p>
+                  </a:txBody>
+                  <a:tcPr marL="221422" marR="166066" marT="110711" marB="110711">
+                    <a:lnL w="12700" cmpd="sng">
+                      <a:noFill/>
+                      <a:prstDash val="solid"/>
+                    </a:lnL>
+                    <a:lnR w="12700" cmpd="sng">
+                      <a:noFill/>
+                      <a:prstDash val="solid"/>
+                    </a:lnR>
+                    <a:lnT w="9525" cap="flat" cmpd="sng" algn="ctr">
+                      <a:solidFill>
+                        <a:srgbClr val="C7C6C1"/>
+                      </a:solidFill>
+                      <a:prstDash val="solid"/>
+                    </a:lnT>
+                    <a:lnB w="9525" cap="flat" cmpd="sng" algn="ctr">
+                      <a:solidFill>
+                        <a:srgbClr val="C7C6C1"/>
+                      </a:solidFill>
+                      <a:prstDash val="solid"/>
+                    </a:lnB>
+                    <a:noFill/>
+                  </a:tcPr>
+                </a:tc>
+                <a:tc>
+                  <a:txBody>
+                    <a:bodyPr/>
+                    <a:lstStyle/>
+                    <a:p>
+                      <a:pPr algn="r"/>
+                      <a:r>
+                        <a:rPr lang="de-CH" sz="1600">
+                          <a:solidFill>
+                            <a:schemeClr val="tx1">
+                              <a:lumMod val="75000"/>
+                              <a:lumOff val="25000"/>
+                            </a:schemeClr>
+                          </a:solidFill>
+                        </a:rPr>
+                        <a:t>50</a:t>
+                      </a:r>
+                    </a:p>
+                  </a:txBody>
+                  <a:tcPr marL="221422" marR="166066" marT="110711" marB="110711">
+                    <a:lnL w="12700" cmpd="sng">
+                      <a:noFill/>
+                      <a:prstDash val="solid"/>
+                    </a:lnL>
+                    <a:lnR w="12700" cmpd="sng">
+                      <a:noFill/>
+                      <a:prstDash val="solid"/>
+                    </a:lnR>
+                    <a:lnT w="9525" cap="flat" cmpd="sng" algn="ctr">
+                      <a:solidFill>
+                        <a:srgbClr val="C7C6C1"/>
+                      </a:solidFill>
+                      <a:prstDash val="solid"/>
+                    </a:lnT>
+                    <a:lnB w="9525" cap="flat" cmpd="sng" algn="ctr">
+                      <a:solidFill>
+                        <a:srgbClr val="C7C6C1"/>
+                      </a:solidFill>
+                      <a:prstDash val="solid"/>
+                    </a:lnB>
+                    <a:noFill/>
+                  </a:tcPr>
+                </a:tc>
+                <a:tc>
+                  <a:txBody>
+                    <a:bodyPr/>
+                    <a:lstStyle/>
+                    <a:p>
+                      <a:pPr algn="r"/>
+                      <a:r>
+                        <a:rPr lang="de-CH" sz="1600">
+                          <a:solidFill>
+                            <a:schemeClr val="tx1">
+                              <a:lumMod val="75000"/>
+                              <a:lumOff val="25000"/>
+                            </a:schemeClr>
+                          </a:solidFill>
+                        </a:rPr>
+                        <a:t>55</a:t>
+                      </a:r>
+                    </a:p>
+                  </a:txBody>
+                  <a:tcPr marL="221422" marR="166066" marT="110711" marB="110711">
+                    <a:lnL w="12700" cmpd="sng">
+                      <a:noFill/>
+                      <a:prstDash val="solid"/>
+                    </a:lnL>
+                    <a:lnR w="12700" cmpd="sng">
+                      <a:noFill/>
+                      <a:prstDash val="solid"/>
+                    </a:lnR>
+                    <a:lnT w="9525" cap="flat" cmpd="sng" algn="ctr">
+                      <a:solidFill>
+                        <a:srgbClr val="C7C6C1"/>
+                      </a:solidFill>
+                      <a:prstDash val="solid"/>
+                    </a:lnT>
+                    <a:lnB w="9525" cap="flat" cmpd="sng" algn="ctr">
+                      <a:solidFill>
+                        <a:srgbClr val="C7C6C1"/>
+                      </a:solidFill>
+                      <a:prstDash val="solid"/>
+                    </a:lnB>
+                    <a:noFill/>
+                  </a:tcPr>
+                </a:tc>
+                <a:extLst>
+                  <a:ext uri="{0D108BD9-81ED-4DB2-BD59-A6C34878D82A}">
+                    <a16:rowId xmlns:a16="http://schemas.microsoft.com/office/drawing/2014/main" val="2937602387"/>
+                  </a:ext>
+                </a:extLst>
+              </a:tr>
+              <a:tr h="513141">
+                <a:tc>
+                  <a:txBody>
+                    <a:bodyPr/>
+                    <a:lstStyle/>
+                    <a:p>
+                      <a:r>
+                        <a:rPr lang="de-CH" sz="1600">
+                          <a:solidFill>
+                            <a:schemeClr val="tx1">
+                              <a:lumMod val="75000"/>
+                              <a:lumOff val="25000"/>
+                            </a:schemeClr>
+                          </a:solidFill>
+                        </a:rPr>
+                        <a:t>Wood</a:t>
+                      </a:r>
+                    </a:p>
+                  </a:txBody>
+                  <a:tcPr marL="221422" marR="166066" marT="110711" marB="110711">
+                    <a:lnL w="12700" cmpd="sng">
+                      <a:noFill/>
+                      <a:prstDash val="solid"/>
+                    </a:lnL>
+                    <a:lnR w="12700" cmpd="sng">
+                      <a:noFill/>
+                      <a:prstDash val="solid"/>
+                    </a:lnR>
+                    <a:lnT w="9525" cap="flat" cmpd="sng" algn="ctr">
+                      <a:solidFill>
+                        <a:srgbClr val="C7C6C1"/>
+                      </a:solidFill>
+                      <a:prstDash val="solid"/>
+                    </a:lnT>
+                    <a:lnB w="9525" cap="flat" cmpd="sng" algn="ctr">
+                      <a:solidFill>
+                        <a:srgbClr val="C7C6C1"/>
+                      </a:solidFill>
+                      <a:prstDash val="solid"/>
+                    </a:lnB>
+                    <a:noFill/>
+                  </a:tcPr>
+                </a:tc>
+                <a:tc>
+                  <a:txBody>
+                    <a:bodyPr/>
+                    <a:lstStyle/>
+                    <a:p>
+                      <a:pPr algn="r"/>
+                      <a:r>
+                        <a:rPr lang="de-CH" sz="1600">
+                          <a:solidFill>
+                            <a:schemeClr val="tx1">
+                              <a:lumMod val="75000"/>
+                              <a:lumOff val="25000"/>
+                            </a:schemeClr>
+                          </a:solidFill>
+                        </a:rPr>
+                        <a:t>30</a:t>
+                      </a:r>
+                    </a:p>
+                  </a:txBody>
+                  <a:tcPr marL="221422" marR="166066" marT="110711" marB="110711">
+                    <a:lnL w="12700" cmpd="sng">
+                      <a:noFill/>
+                      <a:prstDash val="solid"/>
+                    </a:lnL>
+                    <a:lnR w="12700" cmpd="sng">
+                      <a:noFill/>
+                      <a:prstDash val="solid"/>
+                    </a:lnR>
+                    <a:lnT w="9525" cap="flat" cmpd="sng" algn="ctr">
+                      <a:solidFill>
+                        <a:srgbClr val="C7C6C1"/>
+                      </a:solidFill>
+                      <a:prstDash val="solid"/>
+                    </a:lnT>
+                    <a:lnB w="9525" cap="flat" cmpd="sng" algn="ctr">
+                      <a:solidFill>
+                        <a:srgbClr val="C7C6C1"/>
+                      </a:solidFill>
+                      <a:prstDash val="solid"/>
+                    </a:lnB>
+                    <a:noFill/>
+                  </a:tcPr>
+                </a:tc>
+                <a:tc>
+                  <a:txBody>
+                    <a:bodyPr/>
+                    <a:lstStyle/>
+                    <a:p>
+                      <a:pPr algn="r"/>
+                      <a:r>
+                        <a:rPr lang="de-CH" sz="1600">
+                          <a:solidFill>
+                            <a:schemeClr val="tx1">
+                              <a:lumMod val="75000"/>
+                              <a:lumOff val="25000"/>
+                            </a:schemeClr>
+                          </a:solidFill>
+                        </a:rPr>
+                        <a:t>30</a:t>
+                      </a:r>
+                    </a:p>
+                  </a:txBody>
+                  <a:tcPr marL="221422" marR="166066" marT="110711" marB="110711">
+                    <a:lnL w="12700" cmpd="sng">
+                      <a:noFill/>
+                      <a:prstDash val="solid"/>
+                    </a:lnL>
+                    <a:lnR w="12700" cmpd="sng">
+                      <a:noFill/>
+                      <a:prstDash val="solid"/>
+                    </a:lnR>
+                    <a:lnT w="9525" cap="flat" cmpd="sng" algn="ctr">
+                      <a:solidFill>
+                        <a:srgbClr val="C7C6C1"/>
+                      </a:solidFill>
+                      <a:prstDash val="solid"/>
+                    </a:lnT>
+                    <a:lnB w="9525" cap="flat" cmpd="sng" algn="ctr">
+                      <a:solidFill>
+                        <a:srgbClr val="C7C6C1"/>
+                      </a:solidFill>
+                      <a:prstDash val="solid"/>
+                    </a:lnB>
+                    <a:noFill/>
+                  </a:tcPr>
+                </a:tc>
+                <a:extLst>
+                  <a:ext uri="{0D108BD9-81ED-4DB2-BD59-A6C34878D82A}">
+                    <a16:rowId xmlns:a16="http://schemas.microsoft.com/office/drawing/2014/main" val="1155827205"/>
+                  </a:ext>
+                </a:extLst>
+              </a:tr>
+              <a:tr h="513141">
+                <a:tc>
+                  <a:txBody>
+                    <a:bodyPr/>
+                    <a:lstStyle/>
+                    <a:p>
+                      <a:pPr marL="0" marR="0" lvl="0" indent="0" algn="l" defTabSz="914400" rtl="0" eaLnBrk="1" fontAlgn="auto" latinLnBrk="0" hangingPunct="1">
+                        <a:lnSpc>
+                          <a:spcPct val="100000"/>
+                        </a:lnSpc>
+                        <a:spcBef>
+                          <a:spcPts val="0"/>
+                        </a:spcBef>
+                        <a:spcAft>
+                          <a:spcPts val="0"/>
+                        </a:spcAft>
+                        <a:buClrTx/>
+                        <a:buSzTx/>
+                        <a:buFontTx/>
+                        <a:buNone/>
+                        <a:tabLst/>
+                        <a:defRPr/>
+                      </a:pPr>
+                      <a:r>
+                        <a:rPr lang="de-CH" sz="1600">
+                          <a:solidFill>
+                            <a:schemeClr val="tx1">
+                              <a:lumMod val="75000"/>
+                              <a:lumOff val="25000"/>
+                            </a:schemeClr>
+                          </a:solidFill>
+                        </a:rPr>
+                        <a:t>Acrylic glass</a:t>
+                      </a:r>
+                    </a:p>
+                  </a:txBody>
+                  <a:tcPr marL="221422" marR="166066" marT="110711" marB="110711">
+                    <a:lnL w="12700" cmpd="sng">
+                      <a:noFill/>
+                      <a:prstDash val="solid"/>
+                    </a:lnL>
+                    <a:lnR w="12700" cmpd="sng">
+                      <a:noFill/>
+                      <a:prstDash val="solid"/>
+                    </a:lnR>
+                    <a:lnT w="9525" cap="flat" cmpd="sng" algn="ctr">
+                      <a:solidFill>
+                        <a:srgbClr val="C7C6C1"/>
+                      </a:solidFill>
+                      <a:prstDash val="solid"/>
+                    </a:lnT>
+                    <a:lnB w="9525" cap="flat" cmpd="sng" algn="ctr">
+                      <a:solidFill>
+                        <a:srgbClr val="C7C6C1"/>
+                      </a:solidFill>
+                      <a:prstDash val="solid"/>
+                    </a:lnB>
+                    <a:noFill/>
+                  </a:tcPr>
+                </a:tc>
+                <a:tc>
+                  <a:txBody>
+                    <a:bodyPr/>
+                    <a:lstStyle/>
+                    <a:p>
+                      <a:pPr algn="r"/>
+                      <a:r>
+                        <a:rPr lang="de-CH" sz="1600">
+                          <a:solidFill>
+                            <a:schemeClr val="tx1">
+                              <a:lumMod val="75000"/>
+                              <a:lumOff val="25000"/>
+                            </a:schemeClr>
+                          </a:solidFill>
+                        </a:rPr>
+                        <a:t>20</a:t>
+                      </a:r>
+                    </a:p>
+                  </a:txBody>
+                  <a:tcPr marL="221422" marR="166066" marT="110711" marB="110711">
+                    <a:lnL w="12700" cmpd="sng">
+                      <a:noFill/>
+                      <a:prstDash val="solid"/>
+                    </a:lnL>
+                    <a:lnR w="12700" cmpd="sng">
+                      <a:noFill/>
+                      <a:prstDash val="solid"/>
+                    </a:lnR>
+                    <a:lnT w="9525" cap="flat" cmpd="sng" algn="ctr">
+                      <a:solidFill>
+                        <a:srgbClr val="C7C6C1"/>
+                      </a:solidFill>
+                      <a:prstDash val="solid"/>
+                    </a:lnT>
+                    <a:lnB w="9525" cap="flat" cmpd="sng" algn="ctr">
+                      <a:solidFill>
+                        <a:srgbClr val="C7C6C1"/>
+                      </a:solidFill>
+                      <a:prstDash val="solid"/>
+                    </a:lnB>
+                    <a:noFill/>
+                  </a:tcPr>
+                </a:tc>
+                <a:tc>
+                  <a:txBody>
+                    <a:bodyPr/>
+                    <a:lstStyle/>
+                    <a:p>
+                      <a:pPr algn="r"/>
+                      <a:r>
+                        <a:rPr lang="de-CH" sz="1600">
+                          <a:solidFill>
+                            <a:schemeClr val="tx1">
+                              <a:lumMod val="75000"/>
+                              <a:lumOff val="25000"/>
+                            </a:schemeClr>
+                          </a:solidFill>
+                        </a:rPr>
+                        <a:t>38</a:t>
+                      </a:r>
+                    </a:p>
+                  </a:txBody>
+                  <a:tcPr marL="221422" marR="166066" marT="110711" marB="110711">
+                    <a:lnL w="12700" cmpd="sng">
+                      <a:noFill/>
+                      <a:prstDash val="solid"/>
+                    </a:lnL>
+                    <a:lnR w="12700" cmpd="sng">
+                      <a:noFill/>
+                      <a:prstDash val="solid"/>
+                    </a:lnR>
+                    <a:lnT w="9525" cap="flat" cmpd="sng" algn="ctr">
+                      <a:solidFill>
+                        <a:srgbClr val="C7C6C1"/>
+                      </a:solidFill>
+                      <a:prstDash val="solid"/>
+                    </a:lnT>
+                    <a:lnB w="9525" cap="flat" cmpd="sng" algn="ctr">
+                      <a:solidFill>
+                        <a:srgbClr val="C7C6C1"/>
+                      </a:solidFill>
+                      <a:prstDash val="solid"/>
+                    </a:lnB>
+                    <a:noFill/>
+                  </a:tcPr>
+                </a:tc>
+                <a:extLst>
+                  <a:ext uri="{0D108BD9-81ED-4DB2-BD59-A6C34878D82A}">
+                    <a16:rowId xmlns:a16="http://schemas.microsoft.com/office/drawing/2014/main" val="2571226389"/>
+                  </a:ext>
+                </a:extLst>
+              </a:tr>
+              <a:tr h="513141">
+                <a:tc>
+                  <a:txBody>
+                    <a:bodyPr/>
+                    <a:lstStyle/>
+                    <a:p>
+                      <a:r>
+                        <a:rPr lang="de-CH" sz="1600">
+                          <a:solidFill>
+                            <a:schemeClr val="tx1">
+                              <a:lumMod val="75000"/>
+                              <a:lumOff val="25000"/>
+                            </a:schemeClr>
+                          </a:solidFill>
+                        </a:rPr>
+                        <a:t>Buttons</a:t>
+                      </a:r>
+                    </a:p>
+                  </a:txBody>
+                  <a:tcPr marL="221422" marR="166066" marT="110711" marB="110711">
+                    <a:lnL w="12700" cmpd="sng">
+                      <a:noFill/>
+                      <a:prstDash val="solid"/>
+                    </a:lnL>
+                    <a:lnR w="12700" cmpd="sng">
+                      <a:noFill/>
+                      <a:prstDash val="solid"/>
+                    </a:lnR>
+                    <a:lnT w="9525" cap="flat" cmpd="sng" algn="ctr">
+                      <a:solidFill>
+                        <a:srgbClr val="C7C6C1"/>
+                      </a:solidFill>
+                      <a:prstDash val="solid"/>
+                    </a:lnT>
+                    <a:lnB w="9525" cap="flat" cmpd="sng" algn="ctr">
+                      <a:solidFill>
+                        <a:srgbClr val="C7C6C1"/>
+                      </a:solidFill>
+                      <a:prstDash val="solid"/>
+                    </a:lnB>
+                    <a:noFill/>
+                  </a:tcPr>
+                </a:tc>
+                <a:tc>
+                  <a:txBody>
+                    <a:bodyPr/>
+                    <a:lstStyle/>
+                    <a:p>
+                      <a:pPr algn="r"/>
+                      <a:r>
+                        <a:rPr lang="de-CH" sz="1600">
+                          <a:solidFill>
+                            <a:schemeClr val="tx1">
+                              <a:lumMod val="75000"/>
+                              <a:lumOff val="25000"/>
+                            </a:schemeClr>
+                          </a:solidFill>
+                        </a:rPr>
+                        <a:t>10</a:t>
+                      </a:r>
+                    </a:p>
+                  </a:txBody>
+                  <a:tcPr marL="221422" marR="166066" marT="110711" marB="110711">
+                    <a:lnL w="12700" cmpd="sng">
+                      <a:noFill/>
+                      <a:prstDash val="solid"/>
+                    </a:lnL>
+                    <a:lnR w="12700" cmpd="sng">
+                      <a:noFill/>
+                      <a:prstDash val="solid"/>
+                    </a:lnR>
+                    <a:lnT w="9525" cap="flat" cmpd="sng" algn="ctr">
+                      <a:solidFill>
+                        <a:srgbClr val="C7C6C1"/>
+                      </a:solidFill>
+                      <a:prstDash val="solid"/>
+                    </a:lnT>
+                    <a:lnB w="9525" cap="flat" cmpd="sng" algn="ctr">
+                      <a:solidFill>
+                        <a:srgbClr val="C7C6C1"/>
+                      </a:solidFill>
+                      <a:prstDash val="solid"/>
+                    </a:lnB>
+                    <a:noFill/>
+                  </a:tcPr>
+                </a:tc>
+                <a:tc>
+                  <a:txBody>
+                    <a:bodyPr/>
+                    <a:lstStyle/>
+                    <a:p>
+                      <a:pPr algn="r"/>
+                      <a:r>
+                        <a:rPr lang="de-CH" sz="1600">
+                          <a:solidFill>
+                            <a:schemeClr val="tx1">
+                              <a:lumMod val="75000"/>
+                              <a:lumOff val="25000"/>
+                            </a:schemeClr>
+                          </a:solidFill>
+                        </a:rPr>
+                        <a:t>22</a:t>
+                      </a:r>
+                    </a:p>
+                  </a:txBody>
+                  <a:tcPr marL="221422" marR="166066" marT="110711" marB="110711">
+                    <a:lnL w="12700" cmpd="sng">
+                      <a:noFill/>
+                      <a:prstDash val="solid"/>
+                    </a:lnL>
+                    <a:lnR w="12700" cmpd="sng">
+                      <a:noFill/>
+                      <a:prstDash val="solid"/>
+                    </a:lnR>
+                    <a:lnT w="9525" cap="flat" cmpd="sng" algn="ctr">
+                      <a:solidFill>
+                        <a:srgbClr val="C7C6C1"/>
+                      </a:solidFill>
+                      <a:prstDash val="solid"/>
+                    </a:lnT>
+                    <a:lnB w="9525" cap="flat" cmpd="sng" algn="ctr">
+                      <a:solidFill>
+                        <a:srgbClr val="C7C6C1"/>
+                      </a:solidFill>
+                      <a:prstDash val="solid"/>
+                    </a:lnB>
+                    <a:noFill/>
+                  </a:tcPr>
+                </a:tc>
+                <a:extLst>
+                  <a:ext uri="{0D108BD9-81ED-4DB2-BD59-A6C34878D82A}">
+                    <a16:rowId xmlns:a16="http://schemas.microsoft.com/office/drawing/2014/main" val="428200997"/>
+                  </a:ext>
+                </a:extLst>
+              </a:tr>
+              <a:tr h="513141">
+                <a:tc>
+                  <a:txBody>
+                    <a:bodyPr/>
+                    <a:lstStyle/>
+                    <a:p>
+                      <a:r>
+                        <a:rPr lang="de-CH" sz="1600">
+                          <a:solidFill>
+                            <a:schemeClr val="tx1">
+                              <a:lumMod val="75000"/>
+                              <a:lumOff val="25000"/>
+                            </a:schemeClr>
+                          </a:solidFill>
+                        </a:rPr>
+                        <a:t>Cables</a:t>
+                      </a:r>
+                    </a:p>
+                  </a:txBody>
+                  <a:tcPr marL="221422" marR="166066" marT="110711" marB="110711">
+                    <a:lnL w="12700" cmpd="sng">
+                      <a:noFill/>
+                      <a:prstDash val="solid"/>
+                    </a:lnL>
+                    <a:lnR w="12700" cmpd="sng">
+                      <a:noFill/>
+                      <a:prstDash val="solid"/>
+                    </a:lnR>
+                    <a:lnT w="9525" cap="flat" cmpd="sng" algn="ctr">
+                      <a:solidFill>
+                        <a:srgbClr val="C7C6C1"/>
+                      </a:solidFill>
+                      <a:prstDash val="solid"/>
+                    </a:lnT>
+                    <a:lnB w="9525" cap="flat" cmpd="sng" algn="ctr">
+                      <a:solidFill>
+                        <a:srgbClr val="C7C6C1"/>
+                      </a:solidFill>
+                      <a:prstDash val="solid"/>
+                    </a:lnB>
+                    <a:noFill/>
+                  </a:tcPr>
+                </a:tc>
+                <a:tc>
+                  <a:txBody>
+                    <a:bodyPr/>
+                    <a:lstStyle/>
+                    <a:p>
+                      <a:pPr algn="r"/>
+                      <a:r>
+                        <a:rPr lang="de-CH" sz="1600">
+                          <a:solidFill>
+                            <a:schemeClr val="tx1">
+                              <a:lumMod val="75000"/>
+                              <a:lumOff val="25000"/>
+                            </a:schemeClr>
+                          </a:solidFill>
+                        </a:rPr>
+                        <a:t>10</a:t>
+                      </a:r>
+                    </a:p>
+                  </a:txBody>
+                  <a:tcPr marL="221422" marR="166066" marT="110711" marB="110711">
+                    <a:lnL w="12700" cmpd="sng">
+                      <a:noFill/>
+                      <a:prstDash val="solid"/>
+                    </a:lnL>
+                    <a:lnR w="12700" cmpd="sng">
+                      <a:noFill/>
+                      <a:prstDash val="solid"/>
+                    </a:lnR>
+                    <a:lnT w="9525" cap="flat" cmpd="sng" algn="ctr">
+                      <a:solidFill>
+                        <a:srgbClr val="C7C6C1"/>
+                      </a:solidFill>
+                      <a:prstDash val="solid"/>
+                    </a:lnT>
+                    <a:lnB w="9525" cap="flat" cmpd="sng" algn="ctr">
+                      <a:solidFill>
+                        <a:srgbClr val="C7C6C1"/>
+                      </a:solidFill>
+                      <a:prstDash val="solid"/>
+                    </a:lnB>
+                    <a:noFill/>
+                  </a:tcPr>
+                </a:tc>
+                <a:tc>
+                  <a:txBody>
+                    <a:bodyPr/>
+                    <a:lstStyle/>
+                    <a:p>
+                      <a:pPr algn="r"/>
+                      <a:r>
+                        <a:rPr lang="de-CH" sz="1600">
+                          <a:solidFill>
+                            <a:schemeClr val="tx1">
+                              <a:lumMod val="75000"/>
+                              <a:lumOff val="25000"/>
+                            </a:schemeClr>
+                          </a:solidFill>
+                        </a:rPr>
+                        <a:t>5</a:t>
+                      </a:r>
+                    </a:p>
+                  </a:txBody>
+                  <a:tcPr marL="221422" marR="166066" marT="110711" marB="110711">
+                    <a:lnL w="12700" cmpd="sng">
+                      <a:noFill/>
+                      <a:prstDash val="solid"/>
+                    </a:lnL>
+                    <a:lnR w="12700" cmpd="sng">
+                      <a:noFill/>
+                      <a:prstDash val="solid"/>
+                    </a:lnR>
+                    <a:lnT w="9525" cap="flat" cmpd="sng" algn="ctr">
+                      <a:solidFill>
+                        <a:srgbClr val="C7C6C1"/>
+                      </a:solidFill>
+                      <a:prstDash val="solid"/>
+                    </a:lnT>
+                    <a:lnB w="9525" cap="flat" cmpd="sng" algn="ctr">
+                      <a:solidFill>
+                        <a:srgbClr val="C7C6C1"/>
+                      </a:solidFill>
+                      <a:prstDash val="solid"/>
+                    </a:lnB>
+                    <a:noFill/>
+                  </a:tcPr>
+                </a:tc>
+                <a:extLst>
+                  <a:ext uri="{0D108BD9-81ED-4DB2-BD59-A6C34878D82A}">
+                    <a16:rowId xmlns:a16="http://schemas.microsoft.com/office/drawing/2014/main" val="2813146003"/>
+                  </a:ext>
+                </a:extLst>
+              </a:tr>
+              <a:tr h="513141">
+                <a:tc>
+                  <a:txBody>
+                    <a:bodyPr/>
+                    <a:lstStyle/>
+                    <a:p>
+                      <a:pPr algn="l"/>
+                      <a:r>
+                        <a:rPr lang="de-CH" sz="1600" b="1" dirty="0">
+                          <a:solidFill>
+                            <a:schemeClr val="tx1">
+                              <a:lumMod val="75000"/>
+                              <a:lumOff val="25000"/>
+                            </a:schemeClr>
+                          </a:solidFill>
+                        </a:rPr>
+                        <a:t>Total</a:t>
+                      </a:r>
+                    </a:p>
+                  </a:txBody>
+                  <a:tcPr marL="221422" marR="166066" marT="110711" marB="110711">
+                    <a:lnL w="12700" cmpd="sng">
+                      <a:noFill/>
+                      <a:prstDash val="solid"/>
+                    </a:lnL>
+                    <a:lnR w="12700" cmpd="sng">
+                      <a:noFill/>
+                      <a:prstDash val="solid"/>
+                    </a:lnR>
+                    <a:lnT w="9525" cap="flat" cmpd="sng" algn="ctr">
+                      <a:solidFill>
+                        <a:srgbClr val="C7C6C1"/>
+                      </a:solidFill>
+                      <a:prstDash val="solid"/>
+                    </a:lnT>
+                    <a:lnB w="9525" cap="flat" cmpd="sng" algn="ctr">
+                      <a:solidFill>
+                        <a:srgbClr val="C7C6C1"/>
+                      </a:solidFill>
+                      <a:prstDash val="solid"/>
+                    </a:lnB>
+                    <a:noFill/>
+                  </a:tcPr>
+                </a:tc>
+                <a:tc>
+                  <a:txBody>
+                    <a:bodyPr/>
+                    <a:lstStyle/>
+                    <a:p>
+                      <a:pPr algn="r"/>
+                      <a:r>
+                        <a:rPr lang="de-CH" sz="1600" b="1" dirty="0">
+                          <a:solidFill>
+                            <a:schemeClr val="tx1">
+                              <a:lumMod val="75000"/>
+                              <a:lumOff val="25000"/>
+                            </a:schemeClr>
+                          </a:solidFill>
+                        </a:rPr>
+                        <a:t>120</a:t>
+                      </a:r>
+                    </a:p>
+                  </a:txBody>
+                  <a:tcPr marL="221422" marR="166066" marT="110711" marB="110711">
+                    <a:lnL w="12700" cmpd="sng">
+                      <a:noFill/>
+                      <a:prstDash val="solid"/>
+                    </a:lnL>
+                    <a:lnR w="12700" cmpd="sng">
+                      <a:noFill/>
+                      <a:prstDash val="solid"/>
+                    </a:lnR>
+                    <a:lnT w="9525" cap="flat" cmpd="sng" algn="ctr">
+                      <a:solidFill>
+                        <a:srgbClr val="C7C6C1"/>
+                      </a:solidFill>
+                      <a:prstDash val="solid"/>
+                    </a:lnT>
+                    <a:lnB w="9525" cap="flat" cmpd="sng" algn="ctr">
+                      <a:solidFill>
+                        <a:srgbClr val="C7C6C1"/>
+                      </a:solidFill>
+                      <a:prstDash val="solid"/>
+                    </a:lnB>
+                    <a:noFill/>
+                  </a:tcPr>
+                </a:tc>
+                <a:tc>
+                  <a:txBody>
+                    <a:bodyPr/>
+                    <a:lstStyle/>
+                    <a:p>
+                      <a:pPr algn="r"/>
+                      <a:r>
+                        <a:rPr lang="de-CH" sz="1600" b="1" dirty="0">
+                          <a:solidFill>
+                            <a:schemeClr val="tx1">
+                              <a:lumMod val="75000"/>
+                              <a:lumOff val="25000"/>
+                            </a:schemeClr>
+                          </a:solidFill>
+                        </a:rPr>
+                        <a:t>150</a:t>
+                      </a:r>
+                    </a:p>
+                  </a:txBody>
+                  <a:tcPr marL="221422" marR="166066" marT="110711" marB="110711">
+                    <a:lnL w="12700" cmpd="sng">
+                      <a:noFill/>
+                      <a:prstDash val="solid"/>
+                    </a:lnL>
+                    <a:lnR w="12700" cmpd="sng">
+                      <a:noFill/>
+                      <a:prstDash val="solid"/>
+                    </a:lnR>
+                    <a:lnT w="9525" cap="flat" cmpd="sng" algn="ctr">
+                      <a:solidFill>
+                        <a:srgbClr val="C7C6C1"/>
+                      </a:solidFill>
+                      <a:prstDash val="solid"/>
+                    </a:lnT>
+                    <a:lnB w="9525" cap="flat" cmpd="sng" algn="ctr">
+                      <a:solidFill>
+                        <a:srgbClr val="C7C6C1"/>
+                      </a:solidFill>
+                      <a:prstDash val="solid"/>
+                    </a:lnB>
+                    <a:noFill/>
+                  </a:tcPr>
+                </a:tc>
+                <a:extLst>
+                  <a:ext uri="{0D108BD9-81ED-4DB2-BD59-A6C34878D82A}">
+                    <a16:rowId xmlns:a16="http://schemas.microsoft.com/office/drawing/2014/main" val="291145699"/>
+                  </a:ext>
+                </a:extLst>
+              </a:tr>
+            </a:tbl>
+          </a:graphicData>
+        </a:graphic>
+      </p:graphicFrame>
     </p:spTree>
     <p:extLst>
       <p:ext uri="{BB962C8B-B14F-4D97-AF65-F5344CB8AC3E}">
@@ -4696,7 +6099,7 @@
           <a:p>
             <a:pPr algn="ctr"/>
             <a:r>
-              <a:rPr lang="en-US" sz="6000" kern="1200">
+              <a:rPr lang="en-US" sz="6000" kern="1200" dirty="0">
                 <a:solidFill>
                   <a:schemeClr val="tx1"/>
                 </a:solidFill>
@@ -4704,7 +6107,7 @@
                 <a:ea typeface="+mj-ea"/>
                 <a:cs typeface="+mj-cs"/>
               </a:rPr>
-              <a:t>Hardware</a:t>
+              <a:t>Handwork</a:t>
             </a:r>
           </a:p>
         </p:txBody>
@@ -4916,10 +6319,10 @@
       </p:grpSpPr>
       <p:pic>
         <p:nvPicPr>
-          <p:cNvPr id="6" name="Grafik 5" descr="Ein Bild, das Boden, drinnen, rot, sitzend enthält.&#10;&#10;Mit sehr hoher Zuverlässigkeit generierte Beschreibung">
-            <a:extLst>
-              <a:ext uri="{FF2B5EF4-FFF2-40B4-BE49-F238E27FC236}">
-                <a16:creationId xmlns:a16="http://schemas.microsoft.com/office/drawing/2014/main" id="{0B8A8427-A142-4430-B17E-A5B39ACB38BB}"/>
+          <p:cNvPr id="4" name="Grafik 3">
+            <a:extLst>
+              <a:ext uri="{FF2B5EF4-FFF2-40B4-BE49-F238E27FC236}">
+                <a16:creationId xmlns:a16="http://schemas.microsoft.com/office/drawing/2014/main" id="{879BA21D-15D9-4C2E-9BE9-BBE39267B7C2}"/>
               </a:ext>
             </a:extLst>
           </p:cNvPr>
@@ -4930,19 +6333,263 @@
         </p:nvPicPr>
         <p:blipFill rotWithShape="1">
           <a:blip r:embed="rId2">
+            <a:alphaModFix/>
             <a:extLst>
               <a:ext uri="{28A0092B-C50C-407E-A947-70E740481C1C}">
                 <a14:useLocalDpi xmlns:a14="http://schemas.microsoft.com/office/drawing/2010/main" val="0"/>
               </a:ext>
             </a:extLst>
           </a:blip>
-          <a:srcRect t="16497" b="8503"/>
+          <a:srcRect l="-3489" t="14266" r="3490" b="22698"/>
           <a:stretch/>
         </p:blipFill>
         <p:spPr>
           <a:xfrm>
-            <a:off x="-1" y="10"/>
-            <a:ext cx="12192000" cy="6857990"/>
+            <a:off x="6706581" y="2247531"/>
+            <a:ext cx="5485419" cy="4610469"/>
+          </a:xfrm>
+          <a:custGeom>
+            <a:avLst/>
+            <a:gdLst>
+              <a:gd name="connsiteX0" fmla="*/ 3140343 w 5485419"/>
+              <a:gd name="connsiteY0" fmla="*/ 0 h 4610469"/>
+              <a:gd name="connsiteX1" fmla="*/ 5360901 w 5485419"/>
+              <a:gd name="connsiteY1" fmla="*/ 919786 h 4610469"/>
+              <a:gd name="connsiteX2" fmla="*/ 5485419 w 5485419"/>
+              <a:gd name="connsiteY2" fmla="*/ 1056789 h 4610469"/>
+              <a:gd name="connsiteX3" fmla="*/ 5485419 w 5485419"/>
+              <a:gd name="connsiteY3" fmla="*/ 4610469 h 4610469"/>
+              <a:gd name="connsiteX4" fmla="*/ 366137 w 5485419"/>
+              <a:gd name="connsiteY4" fmla="*/ 4610469 h 4610469"/>
+              <a:gd name="connsiteX5" fmla="*/ 246784 w 5485419"/>
+              <a:gd name="connsiteY5" fmla="*/ 4362707 h 4610469"/>
+              <a:gd name="connsiteX6" fmla="*/ 0 w 5485419"/>
+              <a:gd name="connsiteY6" fmla="*/ 3140344 h 4610469"/>
+              <a:gd name="connsiteX7" fmla="*/ 3140343 w 5485419"/>
+              <a:gd name="connsiteY7" fmla="*/ 0 h 4610469"/>
+            </a:gdLst>
+            <a:ahLst/>
+            <a:cxnLst>
+              <a:cxn ang="0">
+                <a:pos x="connsiteX0" y="connsiteY0"/>
+              </a:cxn>
+              <a:cxn ang="0">
+                <a:pos x="connsiteX1" y="connsiteY1"/>
+              </a:cxn>
+              <a:cxn ang="0">
+                <a:pos x="connsiteX2" y="connsiteY2"/>
+              </a:cxn>
+              <a:cxn ang="0">
+                <a:pos x="connsiteX3" y="connsiteY3"/>
+              </a:cxn>
+              <a:cxn ang="0">
+                <a:pos x="connsiteX4" y="connsiteY4"/>
+              </a:cxn>
+              <a:cxn ang="0">
+                <a:pos x="connsiteX5" y="connsiteY5"/>
+              </a:cxn>
+              <a:cxn ang="0">
+                <a:pos x="connsiteX6" y="connsiteY6"/>
+              </a:cxn>
+              <a:cxn ang="0">
+                <a:pos x="connsiteX7" y="connsiteY7"/>
+              </a:cxn>
+            </a:cxnLst>
+            <a:rect l="l" t="t" r="r" b="b"/>
+            <a:pathLst>
+              <a:path w="5485419" h="4610469">
+                <a:moveTo>
+                  <a:pt x="3140343" y="0"/>
+                </a:moveTo>
+                <a:cubicBezTo>
+                  <a:pt x="4007525" y="0"/>
+                  <a:pt x="4792611" y="351495"/>
+                  <a:pt x="5360901" y="919786"/>
+                </a:cubicBezTo>
+                <a:lnTo>
+                  <a:pt x="5485419" y="1056789"/>
+                </a:lnTo>
+                <a:lnTo>
+                  <a:pt x="5485419" y="4610469"/>
+                </a:lnTo>
+                <a:lnTo>
+                  <a:pt x="366137" y="4610469"/>
+                </a:lnTo>
+                <a:lnTo>
+                  <a:pt x="246784" y="4362707"/>
+                </a:lnTo>
+                <a:cubicBezTo>
+                  <a:pt x="87874" y="3987002"/>
+                  <a:pt x="0" y="3573935"/>
+                  <a:pt x="0" y="3140344"/>
+                </a:cubicBezTo>
+                <a:cubicBezTo>
+                  <a:pt x="0" y="1405980"/>
+                  <a:pt x="1405980" y="0"/>
+                  <a:pt x="3140343" y="0"/>
+                </a:cubicBezTo>
+                <a:close/>
+              </a:path>
+            </a:pathLst>
+          </a:custGeom>
+          <a:effectLst>
+            <a:softEdge rad="0"/>
+          </a:effectLst>
+        </p:spPr>
+      </p:pic>
+      <p:pic>
+        <p:nvPicPr>
+          <p:cNvPr id="6" name="Grafik 5" descr="Ein Bild, das Boden, drinnen, rot, sitzend enthält.&#10;&#10;Mit sehr hoher Zuverlässigkeit generierte Beschreibung">
+            <a:extLst>
+              <a:ext uri="{FF2B5EF4-FFF2-40B4-BE49-F238E27FC236}">
+                <a16:creationId xmlns:a16="http://schemas.microsoft.com/office/drawing/2014/main" id="{0B8A8427-A142-4430-B17E-A5B39ACB38BB}"/>
+              </a:ext>
+            </a:extLst>
+          </p:cNvPr>
+          <p:cNvPicPr>
+            <a:picLocks noChangeAspect="1"/>
+          </p:cNvPicPr>
+          <p:nvPr/>
+        </p:nvPicPr>
+        <p:blipFill rotWithShape="1">
+          <a:blip r:embed="rId3">
+            <a:alphaModFix/>
+            <a:extLst>
+              <a:ext uri="{28A0092B-C50C-407E-A947-70E740481C1C}">
+                <a14:useLocalDpi xmlns:a14="http://schemas.microsoft.com/office/drawing/2010/main" val="0"/>
+              </a:ext>
+            </a:extLst>
+          </a:blip>
+          <a:srcRect t="15682" r="-1" b="7686"/>
+          <a:stretch/>
+        </p:blipFill>
+        <p:spPr>
+          <a:xfrm>
+            <a:off x="6219440" y="1"/>
+            <a:ext cx="4548867" cy="2614366"/>
+          </a:xfrm>
+          <a:custGeom>
+            <a:avLst/>
+            <a:gdLst>
+              <a:gd name="connsiteX0" fmla="*/ 28132 w 4548867"/>
+              <a:gd name="connsiteY0" fmla="*/ 0 h 2614366"/>
+              <a:gd name="connsiteX1" fmla="*/ 4520736 w 4548867"/>
+              <a:gd name="connsiteY1" fmla="*/ 0 h 2614366"/>
+              <a:gd name="connsiteX2" fmla="*/ 4537124 w 4548867"/>
+              <a:gd name="connsiteY2" fmla="*/ 107385 h 2614366"/>
+              <a:gd name="connsiteX3" fmla="*/ 4548867 w 4548867"/>
+              <a:gd name="connsiteY3" fmla="*/ 339933 h 2614366"/>
+              <a:gd name="connsiteX4" fmla="*/ 2274434 w 4548867"/>
+              <a:gd name="connsiteY4" fmla="*/ 2614366 h 2614366"/>
+              <a:gd name="connsiteX5" fmla="*/ 0 w 4548867"/>
+              <a:gd name="connsiteY5" fmla="*/ 339933 h 2614366"/>
+              <a:gd name="connsiteX6" fmla="*/ 11743 w 4548867"/>
+              <a:gd name="connsiteY6" fmla="*/ 107385 h 2614366"/>
+            </a:gdLst>
+            <a:ahLst/>
+            <a:cxnLst>
+              <a:cxn ang="0">
+                <a:pos x="connsiteX0" y="connsiteY0"/>
+              </a:cxn>
+              <a:cxn ang="0">
+                <a:pos x="connsiteX1" y="connsiteY1"/>
+              </a:cxn>
+              <a:cxn ang="0">
+                <a:pos x="connsiteX2" y="connsiteY2"/>
+              </a:cxn>
+              <a:cxn ang="0">
+                <a:pos x="connsiteX3" y="connsiteY3"/>
+              </a:cxn>
+              <a:cxn ang="0">
+                <a:pos x="connsiteX4" y="connsiteY4"/>
+              </a:cxn>
+              <a:cxn ang="0">
+                <a:pos x="connsiteX5" y="connsiteY5"/>
+              </a:cxn>
+              <a:cxn ang="0">
+                <a:pos x="connsiteX6" y="connsiteY6"/>
+              </a:cxn>
+            </a:cxnLst>
+            <a:rect l="l" t="t" r="r" b="b"/>
+            <a:pathLst>
+              <a:path w="4548867" h="2614366">
+                <a:moveTo>
+                  <a:pt x="28132" y="0"/>
+                </a:moveTo>
+                <a:lnTo>
+                  <a:pt x="4520736" y="0"/>
+                </a:lnTo>
+                <a:lnTo>
+                  <a:pt x="4537124" y="107385"/>
+                </a:lnTo>
+                <a:cubicBezTo>
+                  <a:pt x="4544889" y="183845"/>
+                  <a:pt x="4548867" y="261424"/>
+                  <a:pt x="4548867" y="339933"/>
+                </a:cubicBezTo>
+                <a:cubicBezTo>
+                  <a:pt x="4548867" y="1596068"/>
+                  <a:pt x="3530568" y="2614366"/>
+                  <a:pt x="2274434" y="2614366"/>
+                </a:cubicBezTo>
+                <a:cubicBezTo>
+                  <a:pt x="1018299" y="2614366"/>
+                  <a:pt x="0" y="1596068"/>
+                  <a:pt x="0" y="339933"/>
+                </a:cubicBezTo>
+                <a:cubicBezTo>
+                  <a:pt x="0" y="261424"/>
+                  <a:pt x="3978" y="183845"/>
+                  <a:pt x="11743" y="107385"/>
+                </a:cubicBezTo>
+                <a:close/>
+              </a:path>
+            </a:pathLst>
+          </a:custGeom>
+          <a:effectLst>
+            <a:softEdge rad="0"/>
+          </a:effectLst>
+        </p:spPr>
+      </p:pic>
+      <p:pic>
+        <p:nvPicPr>
+          <p:cNvPr id="114" name="Picture 113">
+            <a:extLst>
+              <a:ext uri="{FF2B5EF4-FFF2-40B4-BE49-F238E27FC236}">
+                <a16:creationId xmlns:a16="http://schemas.microsoft.com/office/drawing/2014/main" id="{3B37BAF8-EA97-496B-9DF6-3D53B6A19978}"/>
+              </a:ext>
+              <a:ext uri="{C183D7F6-B498-43B3-948B-1728B52AA6E4}">
+                <adec:decorative xmlns:adec="http://schemas.microsoft.com/office/drawing/2017/decorative" val="1"/>
+              </a:ext>
+            </a:extLst>
+          </p:cNvPr>
+          <p:cNvPicPr>
+            <a:picLocks noGrp="1" noRot="1" noChangeAspect="1" noMove="1" noResize="1" noEditPoints="1" noAdjustHandles="1" noChangeArrowheads="1" noChangeShapeType="1" noCrop="1"/>
+          </p:cNvPicPr>
+          <p:nvPr>
+            <p:extLst>
+              <p:ext uri="{386F3935-93C4-4BCD-93E2-E3B085C9AB24}">
+                <p16:designElem xmlns:p16="http://schemas.microsoft.com/office/powerpoint/2015/main" val="1"/>
+              </p:ext>
+            </p:extLst>
+          </p:nvPr>
+        </p:nvPicPr>
+        <p:blipFill>
+          <a:blip r:embed="rId4">
+            <a:extLst>
+              <a:ext uri="{28A0092B-C50C-407E-A947-70E740481C1C}">
+                <a14:useLocalDpi xmlns:a14="http://schemas.microsoft.com/office/drawing/2010/main" val="0"/>
+              </a:ext>
+            </a:extLst>
+          </a:blip>
+          <a:stretch>
+            <a:fillRect/>
+          </a:stretch>
+        </p:blipFill>
+        <p:spPr>
+          <a:xfrm flipH="1">
+            <a:off x="0" y="0"/>
+            <a:ext cx="12192000" cy="6858000"/>
           </a:xfrm>
           <a:prstGeom prst="rect">
             <a:avLst/>
@@ -4951,149 +6598,6 @@
       </p:pic>
       <p:sp>
         <p:nvSpPr>
-          <p:cNvPr id="77" name="Freeform 5">
-            <a:extLst>
-              <a:ext uri="{FF2B5EF4-FFF2-40B4-BE49-F238E27FC236}">
-                <a16:creationId xmlns:a16="http://schemas.microsoft.com/office/drawing/2014/main" id="{3CD9DF72-87A3-404E-A828-84CBF11A8303}"/>
-              </a:ext>
-              <a:ext uri="{C183D7F6-B498-43B3-948B-1728B52AA6E4}">
-                <adec:decorative xmlns:adec="http://schemas.microsoft.com/office/drawing/2017/decorative" val="1"/>
-              </a:ext>
-            </a:extLst>
-          </p:cNvPr>
-          <p:cNvSpPr>
-            <a:spLocks noGrp="1" noRot="1" noChangeAspect="1" noMove="1" noResize="1" noEditPoints="1" noAdjustHandles="1" noChangeArrowheads="1" noChangeShapeType="1" noTextEdit="1"/>
-          </p:cNvSpPr>
-          <p:nvPr>
-            <p:extLst>
-              <p:ext uri="{386F3935-93C4-4BCD-93E2-E3B085C9AB24}">
-                <p16:designElem xmlns:p16="http://schemas.microsoft.com/office/powerpoint/2015/main" val="1"/>
-              </p:ext>
-            </p:extLst>
-          </p:nvPr>
-        </p:nvSpPr>
-        <p:spPr bwMode="grayWhite">
-          <a:xfrm flipH="1">
-            <a:off x="0" y="998175"/>
-            <a:ext cx="6017172" cy="5859825"/>
-          </a:xfrm>
-          <a:custGeom>
-            <a:avLst/>
-            <a:gdLst>
-              <a:gd name="T0" fmla="*/ 1333 w 1333"/>
-              <a:gd name="T1" fmla="*/ 1031 h 1298"/>
-              <a:gd name="T2" fmla="*/ 1333 w 1333"/>
-              <a:gd name="T3" fmla="*/ 380 h 1298"/>
-              <a:gd name="T4" fmla="*/ 706 w 1333"/>
-              <a:gd name="T5" fmla="*/ 0 h 1298"/>
-              <a:gd name="T6" fmla="*/ 0 w 1333"/>
-              <a:gd name="T7" fmla="*/ 706 h 1298"/>
-              <a:gd name="T8" fmla="*/ 323 w 1333"/>
-              <a:gd name="T9" fmla="*/ 1298 h 1298"/>
-              <a:gd name="T10" fmla="*/ 1090 w 1333"/>
-              <a:gd name="T11" fmla="*/ 1298 h 1298"/>
-              <a:gd name="T12" fmla="*/ 1333 w 1333"/>
-              <a:gd name="T13" fmla="*/ 1031 h 1298"/>
-            </a:gdLst>
-            <a:ahLst/>
-            <a:cxnLst>
-              <a:cxn ang="0">
-                <a:pos x="T0" y="T1"/>
-              </a:cxn>
-              <a:cxn ang="0">
-                <a:pos x="T2" y="T3"/>
-              </a:cxn>
-              <a:cxn ang="0">
-                <a:pos x="T4" y="T5"/>
-              </a:cxn>
-              <a:cxn ang="0">
-                <a:pos x="T6" y="T7"/>
-              </a:cxn>
-              <a:cxn ang="0">
-                <a:pos x="T8" y="T9"/>
-              </a:cxn>
-              <a:cxn ang="0">
-                <a:pos x="T10" y="T11"/>
-              </a:cxn>
-              <a:cxn ang="0">
-                <a:pos x="T12" y="T13"/>
-              </a:cxn>
-            </a:cxnLst>
-            <a:rect l="0" t="0" r="r" b="b"/>
-            <a:pathLst>
-              <a:path w="1333" h="1298">
-                <a:moveTo>
-                  <a:pt x="1333" y="1031"/>
-                </a:moveTo>
-                <a:cubicBezTo>
-                  <a:pt x="1333" y="380"/>
-                  <a:pt x="1333" y="380"/>
-                  <a:pt x="1333" y="380"/>
-                </a:cubicBezTo>
-                <a:cubicBezTo>
-                  <a:pt x="1215" y="154"/>
-                  <a:pt x="979" y="0"/>
-                  <a:pt x="706" y="0"/>
-                </a:cubicBezTo>
-                <a:cubicBezTo>
-                  <a:pt x="317" y="0"/>
-                  <a:pt x="0" y="316"/>
-                  <a:pt x="0" y="706"/>
-                </a:cubicBezTo>
-                <a:cubicBezTo>
-                  <a:pt x="0" y="954"/>
-                  <a:pt x="129" y="1172"/>
-                  <a:pt x="323" y="1298"/>
-                </a:cubicBezTo>
-                <a:cubicBezTo>
-                  <a:pt x="1090" y="1298"/>
-                  <a:pt x="1090" y="1298"/>
-                  <a:pt x="1090" y="1298"/>
-                </a:cubicBezTo>
-                <a:cubicBezTo>
-                  <a:pt x="1193" y="1232"/>
-                  <a:pt x="1276" y="1140"/>
-                  <a:pt x="1333" y="1031"/>
-                </a:cubicBezTo>
-                <a:close/>
-              </a:path>
-            </a:pathLst>
-          </a:custGeom>
-          <a:solidFill>
-            <a:schemeClr val="bg1">
-              <a:alpha val="75000"/>
-            </a:schemeClr>
-          </a:solidFill>
-          <a:ln w="50800" cap="sq" cmpd="dbl">
-            <a:noFill/>
-            <a:miter lim="800000"/>
-          </a:ln>
-          <a:effectLst/>
-          <a:extLst/>
-        </p:spPr>
-        <p:txBody>
-          <a:bodyPr vert="horz" lIns="91440" tIns="45720" rIns="91440" bIns="45720" rtlCol="0" anchor="t">
-            <a:normAutofit/>
-          </a:bodyPr>
-          <a:lstStyle/>
-          <a:p>
-            <a:pPr algn="ctr">
-              <a:spcAft>
-                <a:spcPts val="1000"/>
-              </a:spcAft>
-              <a:buClr>
-                <a:schemeClr val="tx1"/>
-              </a:buClr>
-              <a:buSzPct val="100000"/>
-              <a:buFont typeface="Arial"/>
-              <a:buNone/>
-            </a:pPr>
-            <a:endParaRPr lang="en-US" sz="1600" cap="all"/>
-          </a:p>
-        </p:txBody>
-      </p:sp>
-      <p:sp>
-        <p:nvSpPr>
           <p:cNvPr id="2" name="Titel 1">
             <a:extLst>
               <a:ext uri="{FF2B5EF4-FFF2-40B4-BE49-F238E27FC236}">
@@ -5110,8 +6614,8 @@
         </p:nvSpPr>
         <p:spPr>
           <a:xfrm>
-            <a:off x="709448" y="1913950"/>
-            <a:ext cx="4204137" cy="1342754"/>
+            <a:off x="805661" y="802955"/>
+            <a:ext cx="5290594" cy="1454051"/>
           </a:xfrm>
         </p:spPr>
         <p:txBody>
@@ -5120,90 +6624,37 @@
           </a:bodyPr>
           <a:lstStyle/>
           <a:p>
-            <a:pPr algn="ctr"/>
-            <a:r>
-              <a:rPr lang="en-GB" sz="3600"/>
+            <a:r>
+              <a:rPr lang="en-GB">
+                <a:solidFill>
+                  <a:srgbClr val="000000"/>
+                </a:solidFill>
+              </a:rPr>
               <a:t>Problems on the way</a:t>
             </a:r>
           </a:p>
         </p:txBody>
       </p:sp>
-      <p:cxnSp>
-        <p:nvCxnSpPr>
-          <p:cNvPr id="79" name="Straight Connector 78">
-            <a:extLst>
-              <a:ext uri="{FF2B5EF4-FFF2-40B4-BE49-F238E27FC236}">
-                <a16:creationId xmlns:a16="http://schemas.microsoft.com/office/drawing/2014/main" id="{20E3A342-4D61-4E3F-AF90-1AB42AEB96CC}"/>
-              </a:ext>
-              <a:ext uri="{C183D7F6-B498-43B3-948B-1728B52AA6E4}">
-                <adec:decorative xmlns:adec="http://schemas.microsoft.com/office/drawing/2017/decorative" val="1"/>
-              </a:ext>
-            </a:extLst>
-          </p:cNvPr>
-          <p:cNvCxnSpPr>
-            <a:cxnSpLocks noGrp="1" noRot="1" noChangeAspect="1" noMove="1" noResize="1" noEditPoints="1" noAdjustHandles="1" noChangeArrowheads="1" noChangeShapeType="1"/>
-          </p:cNvCxnSpPr>
-          <p:nvPr>
-            <p:extLst>
-              <p:ext uri="{386F3935-93C4-4BCD-93E2-E3B085C9AB24}">
-                <p16:designElem xmlns:p16="http://schemas.microsoft.com/office/powerpoint/2015/main" val="1"/>
-              </p:ext>
-            </p:extLst>
-          </p:nvPr>
-        </p:nvCxnSpPr>
+      <p:sp>
+        <p:nvSpPr>
+          <p:cNvPr id="52" name="Content Placeholder 9">
+            <a:extLst>
+              <a:ext uri="{FF2B5EF4-FFF2-40B4-BE49-F238E27FC236}">
+                <a16:creationId xmlns:a16="http://schemas.microsoft.com/office/drawing/2014/main" id="{2CB2D89F-CCCF-4F2B-9968-21C18C3406DE}"/>
+              </a:ext>
+            </a:extLst>
+          </p:cNvPr>
+          <p:cNvSpPr>
+            <a:spLocks noGrp="1"/>
+          </p:cNvSpPr>
+          <p:nvPr>
+            <p:ph idx="1"/>
+          </p:nvPr>
+        </p:nvSpPr>
         <p:spPr>
           <a:xfrm>
-            <a:off x="2287051" y="3337139"/>
-            <a:ext cx="935420" cy="0"/>
-          </a:xfrm>
-          <a:prstGeom prst="line">
-            <a:avLst/>
-          </a:prstGeom>
-          <a:ln w="25400" cap="sq">
-            <a:solidFill>
-              <a:schemeClr val="tx1">
-                <a:lumMod val="85000"/>
-                <a:lumOff val="15000"/>
-              </a:schemeClr>
-            </a:solidFill>
-            <a:bevel/>
-          </a:ln>
-        </p:spPr>
-        <p:style>
-          <a:lnRef idx="1">
-            <a:schemeClr val="accent1"/>
-          </a:lnRef>
-          <a:fillRef idx="0">
-            <a:schemeClr val="accent1"/>
-          </a:fillRef>
-          <a:effectRef idx="0">
-            <a:schemeClr val="accent1"/>
-          </a:effectRef>
-          <a:fontRef idx="minor">
-            <a:schemeClr val="tx1"/>
-          </a:fontRef>
-        </p:style>
-      </p:cxnSp>
-      <p:sp>
-        <p:nvSpPr>
-          <p:cNvPr id="52" name="Content Placeholder 9">
-            <a:extLst>
-              <a:ext uri="{FF2B5EF4-FFF2-40B4-BE49-F238E27FC236}">
-                <a16:creationId xmlns:a16="http://schemas.microsoft.com/office/drawing/2014/main" id="{2CB2D89F-CCCF-4F2B-9968-21C18C3406DE}"/>
-              </a:ext>
-            </a:extLst>
-          </p:cNvPr>
-          <p:cNvSpPr>
-            <a:spLocks noGrp="1"/>
-          </p:cNvSpPr>
-          <p:nvPr>
-            <p:ph idx="1"/>
-          </p:nvPr>
-        </p:nvSpPr>
-        <p:spPr>
-          <a:xfrm>
-            <a:off x="525516" y="3417573"/>
-            <a:ext cx="4593021" cy="2619839"/>
+            <a:off x="805661" y="2421682"/>
+            <a:ext cx="5286665" cy="3639289"/>
           </a:xfrm>
         </p:spPr>
         <p:txBody>
@@ -5213,25 +6664,41 @@
           <a:lstStyle/>
           <a:p>
             <a:r>
-              <a:rPr lang="en-US" sz="1800"/>
+              <a:rPr lang="en-US" sz="2000" dirty="0">
+                <a:solidFill>
+                  <a:srgbClr val="000000"/>
+                </a:solidFill>
+              </a:rPr>
               <a:t>Too long strip</a:t>
             </a:r>
           </a:p>
           <a:p>
             <a:r>
-              <a:rPr lang="en-US" sz="1800"/>
+              <a:rPr lang="en-US" sz="2000" dirty="0">
+                <a:solidFill>
+                  <a:srgbClr val="000000"/>
+                </a:solidFill>
+              </a:rPr>
               <a:t>Not enough power</a:t>
             </a:r>
           </a:p>
           <a:p>
             <a:r>
-              <a:rPr lang="en-US" sz="1800"/>
+              <a:rPr lang="en-US" sz="2000" dirty="0">
+                <a:solidFill>
+                  <a:srgbClr val="000000"/>
+                </a:solidFill>
+              </a:rPr>
               <a:t>Flickering</a:t>
             </a:r>
           </a:p>
           <a:p>
             <a:r>
-              <a:rPr lang="en-US" sz="1800"/>
+              <a:rPr lang="en-US" sz="2000" dirty="0">
+                <a:solidFill>
+                  <a:srgbClr val="000000"/>
+                </a:solidFill>
+              </a:rPr>
               <a:t>Buttons</a:t>
             </a:r>
           </a:p>
@@ -6235,4 +7702,299 @@
     </a:ext>
   </a:extLst>
 </a:theme>
+</file>
+
+<file path=ppt/theme/theme2.xml><?xml version="1.0" encoding="utf-8"?>
+<a:theme xmlns:a="http://schemas.openxmlformats.org/drawingml/2006/main" name="Office">
+  <a:themeElements>
+    <a:clrScheme name="Office">
+      <a:dk1>
+        <a:sysClr val="windowText" lastClr="000000"/>
+      </a:dk1>
+      <a:lt1>
+        <a:sysClr val="window" lastClr="FFFFFF"/>
+      </a:lt1>
+      <a:dk2>
+        <a:srgbClr val="44546A"/>
+      </a:dk2>
+      <a:lt2>
+        <a:srgbClr val="E7E6E6"/>
+      </a:lt2>
+      <a:accent1>
+        <a:srgbClr val="4472C4"/>
+      </a:accent1>
+      <a:accent2>
+        <a:srgbClr val="ED7D31"/>
+      </a:accent2>
+      <a:accent3>
+        <a:srgbClr val="A5A5A5"/>
+      </a:accent3>
+      <a:accent4>
+        <a:srgbClr val="FFC000"/>
+      </a:accent4>
+      <a:accent5>
+        <a:srgbClr val="5B9BD5"/>
+      </a:accent5>
+      <a:accent6>
+        <a:srgbClr val="70AD47"/>
+      </a:accent6>
+      <a:hlink>
+        <a:srgbClr val="0563C1"/>
+      </a:hlink>
+      <a:folHlink>
+        <a:srgbClr val="954F72"/>
+      </a:folHlink>
+    </a:clrScheme>
+    <a:fontScheme name="Office">
+      <a:majorFont>
+        <a:latin typeface="Calibri Light" panose="020F0302020204030204"/>
+        <a:ea typeface=""/>
+        <a:cs typeface=""/>
+        <a:font script="Jpan" typeface="游ゴシック Light"/>
+        <a:font script="Hang" typeface="맑은 고딕"/>
+        <a:font script="Hans" typeface="等线 Light"/>
+        <a:font script="Hant" typeface="新細明體"/>
+        <a:font script="Arab" typeface="Times New Roman"/>
+        <a:font script="Hebr" typeface="Times New Roman"/>
+        <a:font script="Thai" typeface="Angsana New"/>
+        <a:font script="Ethi" typeface="Nyala"/>
+        <a:font script="Beng" typeface="Vrinda"/>
+        <a:font script="Gujr" typeface="Shruti"/>
+        <a:font script="Khmr" typeface="MoolBoran"/>
+        <a:font script="Knda" typeface="Tunga"/>
+        <a:font script="Guru" typeface="Raavi"/>
+        <a:font script="Cans" typeface="Euphemia"/>
+        <a:font script="Cher" typeface="Plantagenet Cherokee"/>
+        <a:font script="Yiii" typeface="Microsoft Yi Baiti"/>
+        <a:font script="Tibt" typeface="Microsoft Himalaya"/>
+        <a:font script="Thaa" typeface="MV Boli"/>
+        <a:font script="Deva" typeface="Mangal"/>
+        <a:font script="Telu" typeface="Gautami"/>
+        <a:font script="Taml" typeface="Latha"/>
+        <a:font script="Syrc" typeface="Estrangelo Edessa"/>
+        <a:font script="Orya" typeface="Kalinga"/>
+        <a:font script="Mlym" typeface="Kartika"/>
+        <a:font script="Laoo" typeface="DokChampa"/>
+        <a:font script="Sinh" typeface="Iskoola Pota"/>
+        <a:font script="Mong" typeface="Mongolian Baiti"/>
+        <a:font script="Viet" typeface="Times New Roman"/>
+        <a:font script="Uigh" typeface="Microsoft Uighur"/>
+        <a:font script="Geor" typeface="Sylfaen"/>
+        <a:font script="Armn" typeface="Arial"/>
+        <a:font script="Bugi" typeface="Leelawadee UI"/>
+        <a:font script="Bopo" typeface="Microsoft JhengHei"/>
+        <a:font script="Java" typeface="Javanese Text"/>
+        <a:font script="Lisu" typeface="Segoe UI"/>
+        <a:font script="Mymr" typeface="Myanmar Text"/>
+        <a:font script="Nkoo" typeface="Ebrima"/>
+        <a:font script="Olck" typeface="Nirmala UI"/>
+        <a:font script="Osma" typeface="Ebrima"/>
+        <a:font script="Phag" typeface="Phagspa"/>
+        <a:font script="Syrn" typeface="Estrangelo Edessa"/>
+        <a:font script="Syrj" typeface="Estrangelo Edessa"/>
+        <a:font script="Syre" typeface="Estrangelo Edessa"/>
+        <a:font script="Sora" typeface="Nirmala UI"/>
+        <a:font script="Tale" typeface="Microsoft Tai Le"/>
+        <a:font script="Talu" typeface="Microsoft New Tai Lue"/>
+        <a:font script="Tfng" typeface="Ebrima"/>
+      </a:majorFont>
+      <a:minorFont>
+        <a:latin typeface="Calibri" panose="020F0502020204030204"/>
+        <a:ea typeface=""/>
+        <a:cs typeface=""/>
+        <a:font script="Jpan" typeface="游ゴシック"/>
+        <a:font script="Hang" typeface="맑은 고딕"/>
+        <a:font script="Hans" typeface="等线"/>
+        <a:font script="Hant" typeface="新細明體"/>
+        <a:font script="Arab" typeface="Arial"/>
+        <a:font script="Hebr" typeface="Arial"/>
+        <a:font script="Thai" typeface="Cordia New"/>
+        <a:font script="Ethi" typeface="Nyala"/>
+        <a:font script="Beng" typeface="Vrinda"/>
+        <a:font script="Gujr" typeface="Shruti"/>
+        <a:font script="Khmr" typeface="DaunPenh"/>
+        <a:font script="Knda" typeface="Tunga"/>
+        <a:font script="Guru" typeface="Raavi"/>
+        <a:font script="Cans" typeface="Euphemia"/>
+        <a:font script="Cher" typeface="Plantagenet Cherokee"/>
+        <a:font script="Yiii" typeface="Microsoft Yi Baiti"/>
+        <a:font script="Tibt" typeface="Microsoft Himalaya"/>
+        <a:font script="Thaa" typeface="MV Boli"/>
+        <a:font script="Deva" typeface="Mangal"/>
+        <a:font script="Telu" typeface="Gautami"/>
+        <a:font script="Taml" typeface="Latha"/>
+        <a:font script="Syrc" typeface="Estrangelo Edessa"/>
+        <a:font script="Orya" typeface="Kalinga"/>
+        <a:font script="Mlym" typeface="Kartika"/>
+        <a:font script="Laoo" typeface="DokChampa"/>
+        <a:font script="Sinh" typeface="Iskoola Pota"/>
+        <a:font script="Mong" typeface="Mongolian Baiti"/>
+        <a:font script="Viet" typeface="Arial"/>
+        <a:font script="Uigh" typeface="Microsoft Uighur"/>
+        <a:font script="Geor" typeface="Sylfaen"/>
+        <a:font script="Armn" typeface="Arial"/>
+        <a:font script="Bugi" typeface="Leelawadee UI"/>
+        <a:font script="Bopo" typeface="Microsoft JhengHei"/>
+        <a:font script="Java" typeface="Javanese Text"/>
+        <a:font script="Lisu" typeface="Segoe UI"/>
+        <a:font script="Mymr" typeface="Myanmar Text"/>
+        <a:font script="Nkoo" typeface="Ebrima"/>
+        <a:font script="Olck" typeface="Nirmala UI"/>
+        <a:font script="Osma" typeface="Ebrima"/>
+        <a:font script="Phag" typeface="Phagspa"/>
+        <a:font script="Syrn" typeface="Estrangelo Edessa"/>
+        <a:font script="Syrj" typeface="Estrangelo Edessa"/>
+        <a:font script="Syre" typeface="Estrangelo Edessa"/>
+        <a:font script="Sora" typeface="Nirmala UI"/>
+        <a:font script="Tale" typeface="Microsoft Tai Le"/>
+        <a:font script="Talu" typeface="Microsoft New Tai Lue"/>
+        <a:font script="Tfng" typeface="Ebrima"/>
+      </a:minorFont>
+    </a:fontScheme>
+    <a:fmtScheme name="Office">
+      <a:fillStyleLst>
+        <a:solidFill>
+          <a:schemeClr val="phClr"/>
+        </a:solidFill>
+        <a:gradFill rotWithShape="1">
+          <a:gsLst>
+            <a:gs pos="0">
+              <a:schemeClr val="phClr">
+                <a:lumMod val="110000"/>
+                <a:satMod val="105000"/>
+                <a:tint val="67000"/>
+              </a:schemeClr>
+            </a:gs>
+            <a:gs pos="50000">
+              <a:schemeClr val="phClr">
+                <a:lumMod val="105000"/>
+                <a:satMod val="103000"/>
+                <a:tint val="73000"/>
+              </a:schemeClr>
+            </a:gs>
+            <a:gs pos="100000">
+              <a:schemeClr val="phClr">
+                <a:lumMod val="105000"/>
+                <a:satMod val="109000"/>
+                <a:tint val="81000"/>
+              </a:schemeClr>
+            </a:gs>
+          </a:gsLst>
+          <a:lin ang="5400000" scaled="0"/>
+        </a:gradFill>
+        <a:gradFill rotWithShape="1">
+          <a:gsLst>
+            <a:gs pos="0">
+              <a:schemeClr val="phClr">
+                <a:satMod val="103000"/>
+                <a:lumMod val="102000"/>
+                <a:tint val="94000"/>
+              </a:schemeClr>
+            </a:gs>
+            <a:gs pos="50000">
+              <a:schemeClr val="phClr">
+                <a:satMod val="110000"/>
+                <a:lumMod val="100000"/>
+                <a:shade val="100000"/>
+              </a:schemeClr>
+            </a:gs>
+            <a:gs pos="100000">
+              <a:schemeClr val="phClr">
+                <a:lumMod val="99000"/>
+                <a:satMod val="120000"/>
+                <a:shade val="78000"/>
+              </a:schemeClr>
+            </a:gs>
+          </a:gsLst>
+          <a:lin ang="5400000" scaled="0"/>
+        </a:gradFill>
+      </a:fillStyleLst>
+      <a:lnStyleLst>
+        <a:ln w="6350" cap="flat" cmpd="sng" algn="ctr">
+          <a:solidFill>
+            <a:schemeClr val="phClr"/>
+          </a:solidFill>
+          <a:prstDash val="solid"/>
+          <a:miter lim="800000"/>
+        </a:ln>
+        <a:ln w="12700" cap="flat" cmpd="sng" algn="ctr">
+          <a:solidFill>
+            <a:schemeClr val="phClr"/>
+          </a:solidFill>
+          <a:prstDash val="solid"/>
+          <a:miter lim="800000"/>
+        </a:ln>
+        <a:ln w="19050" cap="flat" cmpd="sng" algn="ctr">
+          <a:solidFill>
+            <a:schemeClr val="phClr"/>
+          </a:solidFill>
+          <a:prstDash val="solid"/>
+          <a:miter lim="800000"/>
+        </a:ln>
+      </a:lnStyleLst>
+      <a:effectStyleLst>
+        <a:effectStyle>
+          <a:effectLst/>
+        </a:effectStyle>
+        <a:effectStyle>
+          <a:effectLst/>
+        </a:effectStyle>
+        <a:effectStyle>
+          <a:effectLst>
+            <a:outerShdw blurRad="57150" dist="19050" dir="5400000" algn="ctr" rotWithShape="0">
+              <a:srgbClr val="000000">
+                <a:alpha val="63000"/>
+              </a:srgbClr>
+            </a:outerShdw>
+          </a:effectLst>
+        </a:effectStyle>
+      </a:effectStyleLst>
+      <a:bgFillStyleLst>
+        <a:solidFill>
+          <a:schemeClr val="phClr"/>
+        </a:solidFill>
+        <a:solidFill>
+          <a:schemeClr val="phClr">
+            <a:tint val="95000"/>
+            <a:satMod val="170000"/>
+          </a:schemeClr>
+        </a:solidFill>
+        <a:gradFill rotWithShape="1">
+          <a:gsLst>
+            <a:gs pos="0">
+              <a:schemeClr val="phClr">
+                <a:tint val="93000"/>
+                <a:satMod val="150000"/>
+                <a:shade val="98000"/>
+                <a:lumMod val="102000"/>
+              </a:schemeClr>
+            </a:gs>
+            <a:gs pos="50000">
+              <a:schemeClr val="phClr">
+                <a:tint val="98000"/>
+                <a:satMod val="130000"/>
+                <a:shade val="90000"/>
+                <a:lumMod val="103000"/>
+              </a:schemeClr>
+            </a:gs>
+            <a:gs pos="100000">
+              <a:schemeClr val="phClr">
+                <a:shade val="63000"/>
+                <a:satMod val="120000"/>
+              </a:schemeClr>
+            </a:gs>
+          </a:gsLst>
+          <a:lin ang="5400000" scaled="0"/>
+        </a:gradFill>
+      </a:bgFillStyleLst>
+    </a:fmtScheme>
+  </a:themeElements>
+  <a:objectDefaults/>
+  <a:extraClrSchemeLst/>
+  <a:extLst>
+    <a:ext uri="{05A4C25C-085E-4340-85A3-A5531E510DB2}">
+      <thm15:themeFamily xmlns:thm15="http://schemas.microsoft.com/office/thememl/2012/main" name="Office Theme" id="{62F939B6-93AF-4DB8-9C6B-D6C7DFDC589F}" vid="{4A3C46E8-61CC-4603-A589-7422A47A8E4A}"/>
+    </a:ext>
+  </a:extLst>
+</a:theme>
 </file>